--- a/ppt/yyx_v1.0.pptx
+++ b/ppt/yyx_v1.0.pptx
@@ -17022,18 +17022,26 @@
           <a:lstStyle/>
           <a:p>
             <a:r>
-              <a:rPr lang="zh-CN" altLang="en-US" dirty="0" smtClean="0"/>
-              <a:t>基于柔性</a:t>
-            </a:r>
-            <a:r>
-              <a:rPr lang="en-US" altLang="zh-CN" dirty="0" smtClean="0"/>
-              <a:t>TFT</a:t>
-            </a:r>
-            <a:r>
-              <a:rPr lang="zh-CN" altLang="en-US" dirty="0" smtClean="0"/>
-              <a:t>的模数转换电路研究</a:t>
-            </a:r>
-            <a:endParaRPr lang="zh-CN" altLang="en-US" b="1" dirty="0"/>
+              <a:rPr lang="zh-CN" altLang="en-US" sz="4000" dirty="0"/>
+              <a:t>超高速高精度数控</a:t>
+            </a:r>
+            <a:r>
+              <a:rPr lang="zh-CN" altLang="en-US" sz="4000" dirty="0" smtClean="0"/>
+              <a:t>振荡器</a:t>
+            </a:r>
+            <a:r>
+              <a:rPr lang="en-US" altLang="zh-CN" sz="4000" dirty="0" smtClean="0"/>
+              <a:t>(NCO</a:t>
+            </a:r>
+            <a:r>
+              <a:rPr lang="en-US" altLang="zh-CN" sz="4000" dirty="0"/>
+              <a:t>)</a:t>
+            </a:r>
+            <a:r>
+              <a:rPr lang="zh-CN" altLang="en-US" sz="4000" dirty="0" smtClean="0"/>
+              <a:t>设计 </a:t>
+            </a:r>
+            <a:endParaRPr lang="zh-CN" altLang="en-US" sz="4000" b="1" dirty="0"/>
           </a:p>
         </p:txBody>
       </p:sp>
@@ -17064,7 +17072,23 @@
                 <a:ea typeface="Arial Unicode MS" pitchFamily="34" charset="-122"/>
                 <a:cs typeface="Arial Unicode MS" pitchFamily="34" charset="-122"/>
               </a:rPr>
-              <a:t>姓名：孙文钰</a:t>
+              <a:t>姓名</a:t>
+            </a:r>
+            <a:r>
+              <a:rPr lang="zh-CN" altLang="en-US" b="1" dirty="0" smtClean="0">
+                <a:latin typeface="Arial Unicode MS" pitchFamily="34" charset="-122"/>
+                <a:ea typeface="Arial Unicode MS" pitchFamily="34" charset="-122"/>
+                <a:cs typeface="Arial Unicode MS" pitchFamily="34" charset="-122"/>
+              </a:rPr>
+              <a:t>：</a:t>
+            </a:r>
+            <a:r>
+              <a:rPr lang="zh-CN" altLang="en-US" b="1" dirty="0">
+                <a:latin typeface="Arial Unicode MS" pitchFamily="34" charset="-122"/>
+                <a:ea typeface="Arial Unicode MS" pitchFamily="34" charset="-122"/>
+                <a:cs typeface="Arial Unicode MS" pitchFamily="34" charset="-122"/>
+              </a:rPr>
+              <a:t>杨一雄</a:t>
             </a:r>
             <a:endParaRPr lang="en-US" altLang="zh-CN" b="1" dirty="0" smtClean="0">
               <a:latin typeface="Arial Unicode MS" pitchFamily="34" charset="-122"/>
@@ -17080,7 +17104,15 @@
                 <a:ea typeface="Arial Unicode MS" pitchFamily="34" charset="-122"/>
                 <a:cs typeface="Arial Unicode MS" pitchFamily="34" charset="-122"/>
               </a:rPr>
-              <a:t>班级：无</a:t>
+              <a:t>班级：</a:t>
+            </a:r>
+            <a:r>
+              <a:rPr lang="zh-CN" altLang="en-US" b="1" dirty="0" smtClean="0">
+                <a:latin typeface="Arial Unicode MS" pitchFamily="34" charset="-122"/>
+                <a:ea typeface="Arial Unicode MS" pitchFamily="34" charset="-122"/>
+                <a:cs typeface="Arial Unicode MS" pitchFamily="34" charset="-122"/>
+              </a:rPr>
+              <a:t>无</a:t>
             </a:r>
             <a:r>
               <a:rPr lang="en-US" altLang="zh-CN" b="1" dirty="0" smtClean="0">
@@ -17088,8 +17120,13 @@
                 <a:ea typeface="Arial Unicode MS" pitchFamily="34" charset="-122"/>
                 <a:cs typeface="Arial Unicode MS" pitchFamily="34" charset="-122"/>
               </a:rPr>
-              <a:t>210</a:t>
-            </a:r>
+              <a:t>38</a:t>
+            </a:r>
+            <a:endParaRPr lang="en-US" altLang="zh-CN" b="1" dirty="0" smtClean="0">
+              <a:latin typeface="Arial Unicode MS" pitchFamily="34" charset="-122"/>
+              <a:ea typeface="Arial Unicode MS" pitchFamily="34" charset="-122"/>
+              <a:cs typeface="Arial Unicode MS" pitchFamily="34" charset="-122"/>
+            </a:endParaRPr>
           </a:p>
           <a:p>
             <a:pPr algn="l"/>
@@ -17115,8 +17152,13 @@
                 <a:ea typeface="Arial Unicode MS" pitchFamily="34" charset="-122"/>
                 <a:cs typeface="Arial Unicode MS" pitchFamily="34" charset="-122"/>
               </a:rPr>
-              <a:t>2012010999</a:t>
-            </a:r>
+              <a:t>2013011248</a:t>
+            </a:r>
+            <a:endParaRPr lang="en-US" altLang="zh-CN" b="1" dirty="0" smtClean="0">
+              <a:latin typeface="Arial Unicode MS" pitchFamily="34" charset="-122"/>
+              <a:ea typeface="Arial Unicode MS" pitchFamily="34" charset="-122"/>
+              <a:cs typeface="Arial Unicode MS" pitchFamily="34" charset="-122"/>
+            </a:endParaRPr>
           </a:p>
           <a:p>
             <a:pPr algn="l"/>
@@ -17126,7 +17168,23 @@
                 <a:ea typeface="Arial Unicode MS" pitchFamily="34" charset="-122"/>
                 <a:cs typeface="Arial Unicode MS" pitchFamily="34" charset="-122"/>
               </a:rPr>
-              <a:t>指导老师：乔飞</a:t>
+              <a:t>指导老师</a:t>
+            </a:r>
+            <a:r>
+              <a:rPr lang="zh-CN" altLang="en-US" b="1" dirty="0" smtClean="0">
+                <a:latin typeface="Arial Unicode MS" pitchFamily="34" charset="-122"/>
+                <a:ea typeface="Arial Unicode MS" pitchFamily="34" charset="-122"/>
+                <a:cs typeface="Arial Unicode MS" pitchFamily="34" charset="-122"/>
+              </a:rPr>
+              <a:t>：</a:t>
+            </a:r>
+            <a:r>
+              <a:rPr lang="zh-CN" altLang="en-US" b="1" dirty="0">
+                <a:latin typeface="Arial Unicode MS" pitchFamily="34" charset="-122"/>
+                <a:ea typeface="Arial Unicode MS" pitchFamily="34" charset="-122"/>
+                <a:cs typeface="Arial Unicode MS" pitchFamily="34" charset="-122"/>
+              </a:rPr>
+              <a:t>杨华中</a:t>
             </a:r>
             <a:endParaRPr lang="en-US" altLang="zh-CN" b="1" dirty="0" smtClean="0">
               <a:latin typeface="Franklin Gothic Medium" pitchFamily="34" charset="0"/>

--- a/ppt/yyx_v1.0.pptx
+++ b/ppt/yyx_v1.0.pptx
@@ -17404,14 +17404,21 @@
           <a:p>
             <a:r>
               <a:rPr lang="zh-CN" altLang="en-US" sz="3200" dirty="0"/>
-              <a:t>前期调研结果</a:t>
+              <a:t>课题目标</a:t>
             </a:r>
             <a:endParaRPr lang="en-US" altLang="zh-CN" sz="3200" dirty="0"/>
           </a:p>
           <a:p>
             <a:r>
               <a:rPr lang="zh-CN" altLang="en-US" sz="3200" dirty="0"/>
-              <a:t>课题目标</a:t>
+              <a:t>前期调研</a:t>
+            </a:r>
+            <a:endParaRPr lang="en-US" altLang="zh-CN" sz="3200" dirty="0"/>
+          </a:p>
+          <a:p>
+            <a:r>
+              <a:rPr lang="zh-CN" altLang="en-US" sz="3200" dirty="0"/>
+              <a:t>实施方案</a:t>
             </a:r>
             <a:endParaRPr lang="en-US" altLang="zh-CN" sz="3200" dirty="0"/>
           </a:p>

--- a/ppt/yyx_v1.0.pptx
+++ b/ppt/yyx_v1.0.pptx
@@ -15596,9 +15596,9 @@
                     <p:grpSpPr>
                       <a:xfrm>
                         <a:off x="-787511" y="3882053"/>
-                        <a:ext cx="5190077" cy="434966"/>
+                        <a:ext cx="5007403" cy="434966"/>
                         <a:chOff x="1258965" y="3226933"/>
-                        <a:chExt cx="6515922" cy="546081"/>
+                        <a:chExt cx="6286582" cy="546081"/>
                       </a:xfrm>
                     </p:grpSpPr>
                     <p:sp>
@@ -15641,8 +15641,8 @@
                       </p:nvSpPr>
                       <p:spPr>
                         <a:xfrm>
-                          <a:off x="5985370" y="3226933"/>
-                          <a:ext cx="1789517" cy="425040"/>
+                          <a:off x="6207640" y="3226933"/>
+                          <a:ext cx="1337907" cy="510197"/>
                         </a:xfrm>
                         <a:prstGeom prst="rect">
                           <a:avLst/>
@@ -15656,11 +15656,18 @@
                         <a:lstStyle/>
                         <a:p>
                           <a:r>
+                            <a:rPr lang="zh-CN" altLang="en-US" sz="1600" b="1" dirty="0" smtClean="0">
+                              <a:latin typeface="黑体" panose="02010609060101010101" pitchFamily="49" charset="-122"/>
+                              <a:ea typeface="黑体" panose="02010609060101010101" pitchFamily="49" charset="-122"/>
+                            </a:rPr>
+                            <a:t>雷达</a:t>
+                          </a:r>
+                          <a:r>
                             <a:rPr lang="zh-CN" altLang="en-US" sz="1600" b="1" dirty="0">
                               <a:latin typeface="黑体" panose="02010609060101010101" pitchFamily="49" charset="-122"/>
                               <a:ea typeface="黑体" panose="02010609060101010101" pitchFamily="49" charset="-122"/>
                             </a:rPr>
-                            <a:t>军用雷达系统</a:t>
+                            <a:t>系统</a:t>
                           </a:r>
                         </a:p>
                       </p:txBody>

--- a/ppt/yyx_v1.0.pptx
+++ b/ppt/yyx_v1.0.pptx
@@ -12774,13 +12774,18 @@
           <a:lstStyle/>
           <a:p>
             <a:r>
-              <a:rPr lang="en-US" altLang="zh-CN" sz="1050" dirty="0">
+              <a:rPr lang="en-US" altLang="zh-CN" sz="1050" dirty="0" smtClean="0">
                 <a:solidFill>
                   <a:srgbClr val="000000"/>
                 </a:solidFill>
               </a:rPr>
-              <a:t>1/22</a:t>
-            </a:r>
+              <a:t>1/14</a:t>
+            </a:r>
+            <a:endParaRPr lang="en-US" altLang="zh-CN" sz="1050" dirty="0">
+              <a:solidFill>
+                <a:srgbClr val="000000"/>
+              </a:solidFill>
+            </a:endParaRPr>
           </a:p>
         </p:txBody>
       </p:sp>
@@ -12814,67 +12819,577 @@
           <a:chExt cx="0" cy="0"/>
         </a:xfrm>
       </p:grpSpPr>
-      <p:sp>
-        <p:nvSpPr>
-          <p:cNvPr id="2" name="标题 1"/>
-          <p:cNvSpPr>
-            <a:spLocks noGrp="1"/>
-          </p:cNvSpPr>
-          <p:nvPr>
-            <p:ph type="title"/>
-          </p:nvPr>
-        </p:nvSpPr>
-        <p:spPr/>
-        <p:txBody>
-          <a:bodyPr/>
-          <a:lstStyle/>
-          <a:p>
-            <a:r>
-              <a:rPr lang="zh-CN" altLang="en-US" sz="3600" dirty="0"/>
-              <a:t>前期调研结果</a:t>
-            </a:r>
-            <a:r>
-              <a:rPr lang="en-US" altLang="zh-CN" sz="3600" dirty="0"/>
-              <a:t>—</a:t>
-            </a:r>
-            <a:r>
-              <a:rPr lang="zh-CN" altLang="en-US" sz="3600" dirty="0"/>
-              <a:t>文献调研</a:t>
-            </a:r>
-          </a:p>
-        </p:txBody>
-      </p:sp>
-      <p:sp>
-        <p:nvSpPr>
-          <p:cNvPr id="4" name="页脚占位符 3"/>
-          <p:cNvSpPr>
-            <a:spLocks noGrp="1"/>
-          </p:cNvSpPr>
-          <p:nvPr>
-            <p:ph type="ftr" sz="quarter" idx="11"/>
-          </p:nvPr>
-        </p:nvSpPr>
-        <p:spPr/>
-        <p:txBody>
-          <a:bodyPr/>
-          <a:lstStyle/>
-          <a:p>
-            <a:r>
-              <a:rPr lang="en-US" altLang="zh-CN">
-                <a:solidFill>
-                  <a:srgbClr val="000000"/>
-                </a:solidFill>
-              </a:rPr>
-              <a:t>20/22</a:t>
-            </a:r>
-            <a:endParaRPr lang="en-US" altLang="zh-CN" dirty="0">
-              <a:solidFill>
-                <a:srgbClr val="000000"/>
-              </a:solidFill>
-            </a:endParaRPr>
-          </a:p>
-        </p:txBody>
-      </p:sp>
+      <p:grpSp>
+        <p:nvGrpSpPr>
+          <p:cNvPr id="13" name="组合 12"/>
+          <p:cNvGrpSpPr/>
+          <p:nvPr/>
+        </p:nvGrpSpPr>
+        <p:grpSpPr>
+          <a:xfrm>
+            <a:off x="175491" y="2799335"/>
+            <a:ext cx="8876145" cy="7780921"/>
+            <a:chOff x="175491" y="2799335"/>
+            <a:chExt cx="8876145" cy="7780921"/>
+          </a:xfrm>
+        </p:grpSpPr>
+        <p:grpSp>
+          <p:nvGrpSpPr>
+            <p:cNvPr id="11" name="组合 10"/>
+            <p:cNvGrpSpPr/>
+            <p:nvPr/>
+          </p:nvGrpSpPr>
+          <p:grpSpPr>
+            <a:xfrm>
+              <a:off x="175491" y="2799335"/>
+              <a:ext cx="8876145" cy="5956738"/>
+              <a:chOff x="175491" y="2738582"/>
+              <a:chExt cx="8876145" cy="5956738"/>
+            </a:xfrm>
+          </p:grpSpPr>
+          <p:sp>
+            <p:nvSpPr>
+              <p:cNvPr id="7" name="文本框 6"/>
+              <p:cNvSpPr txBox="1"/>
+              <p:nvPr/>
+            </p:nvSpPr>
+            <p:spPr>
+              <a:xfrm>
+                <a:off x="175491" y="2738582"/>
+                <a:ext cx="8876145" cy="707886"/>
+              </a:xfrm>
+              <a:prstGeom prst="rect">
+                <a:avLst/>
+              </a:prstGeom>
+              <a:noFill/>
+            </p:spPr>
+            <p:txBody>
+              <a:bodyPr wrap="square" rtlCol="0">
+                <a:spAutoFit/>
+              </a:bodyPr>
+              <a:lstStyle/>
+              <a:p>
+                <a:r>
+                  <a:rPr lang="en-US" altLang="zh-CN" sz="2000" dirty="0"/>
+                  <a:t>[2] A direct digital frequency synthesizer with minimized tuning latency of 12ns</a:t>
+                </a:r>
+              </a:p>
+            </p:txBody>
+          </p:sp>
+          <p:sp>
+            <p:nvSpPr>
+              <p:cNvPr id="8" name="内容占位符 2"/>
+              <p:cNvSpPr txBox="1">
+                <a:spLocks/>
+              </p:cNvSpPr>
+              <p:nvPr/>
+            </p:nvSpPr>
+            <p:spPr bwMode="auto">
+              <a:xfrm>
+                <a:off x="217055" y="3529595"/>
+                <a:ext cx="8686800" cy="5165725"/>
+              </a:xfrm>
+              <a:prstGeom prst="rect">
+                <a:avLst/>
+              </a:prstGeom>
+              <a:noFill/>
+              <a:ln w="9525">
+                <a:noFill/>
+                <a:miter lim="800000"/>
+                <a:headEnd/>
+                <a:tailEnd/>
+              </a:ln>
+              <a:effectLst/>
+            </p:spPr>
+            <p:txBody>
+              <a:bodyPr vert="horz" wrap="square" lIns="91440" tIns="45720" rIns="91440" bIns="45720" numCol="1" anchor="t" anchorCtr="0" compatLnSpc="1">
+                <a:prstTxWarp prst="textNoShape">
+                  <a:avLst/>
+                </a:prstTxWarp>
+              </a:bodyPr>
+              <a:lstStyle>
+                <a:lvl1pPr marL="257175" indent="-257175" algn="l" rtl="0" fontAlgn="base">
+                  <a:spcBef>
+                    <a:spcPct val="20000"/>
+                  </a:spcBef>
+                  <a:spcAft>
+                    <a:spcPct val="0"/>
+                  </a:spcAft>
+                  <a:buChar char="•"/>
+                  <a:defRPr sz="2400">
+                    <a:solidFill>
+                      <a:schemeClr val="tx1"/>
+                    </a:solidFill>
+                    <a:latin typeface="Arial Unicode MS" pitchFamily="34" charset="-122"/>
+                    <a:ea typeface="Arial Unicode MS" pitchFamily="34" charset="-122"/>
+                    <a:cs typeface="Arial Unicode MS" pitchFamily="34" charset="-122"/>
+                  </a:defRPr>
+                </a:lvl1pPr>
+                <a:lvl2pPr marL="557213" indent="-214313" algn="l" rtl="0" fontAlgn="base">
+                  <a:spcBef>
+                    <a:spcPct val="20000"/>
+                  </a:spcBef>
+                  <a:spcAft>
+                    <a:spcPct val="0"/>
+                  </a:spcAft>
+                  <a:buChar char="–"/>
+                  <a:defRPr sz="2100">
+                    <a:solidFill>
+                      <a:schemeClr val="tx1"/>
+                    </a:solidFill>
+                    <a:latin typeface="Arial Unicode MS" pitchFamily="34" charset="-122"/>
+                    <a:ea typeface="Arial Unicode MS" pitchFamily="34" charset="-122"/>
+                    <a:cs typeface="Arial Unicode MS" pitchFamily="34" charset="-122"/>
+                  </a:defRPr>
+                </a:lvl2pPr>
+                <a:lvl3pPr marL="857250" indent="-171450" algn="l" rtl="0" fontAlgn="base">
+                  <a:spcBef>
+                    <a:spcPct val="20000"/>
+                  </a:spcBef>
+                  <a:spcAft>
+                    <a:spcPct val="0"/>
+                  </a:spcAft>
+                  <a:buChar char="•"/>
+                  <a:defRPr sz="1800">
+                    <a:solidFill>
+                      <a:schemeClr val="tx1"/>
+                    </a:solidFill>
+                    <a:latin typeface="Arial Unicode MS" pitchFamily="34" charset="-122"/>
+                    <a:ea typeface="Arial Unicode MS" pitchFamily="34" charset="-122"/>
+                    <a:cs typeface="Arial Unicode MS" pitchFamily="34" charset="-122"/>
+                  </a:defRPr>
+                </a:lvl3pPr>
+                <a:lvl4pPr marL="1200150" indent="-171450" algn="l" rtl="0" fontAlgn="base">
+                  <a:spcBef>
+                    <a:spcPct val="20000"/>
+                  </a:spcBef>
+                  <a:spcAft>
+                    <a:spcPct val="0"/>
+                  </a:spcAft>
+                  <a:buChar char="–"/>
+                  <a:defRPr sz="1500">
+                    <a:solidFill>
+                      <a:schemeClr val="tx1"/>
+                    </a:solidFill>
+                    <a:latin typeface="Arial Unicode MS" pitchFamily="34" charset="-122"/>
+                    <a:ea typeface="Arial Unicode MS" pitchFamily="34" charset="-122"/>
+                    <a:cs typeface="Arial Unicode MS" pitchFamily="34" charset="-122"/>
+                  </a:defRPr>
+                </a:lvl4pPr>
+                <a:lvl5pPr marL="1543050" indent="-171450" algn="l" rtl="0" fontAlgn="base">
+                  <a:spcBef>
+                    <a:spcPct val="20000"/>
+                  </a:spcBef>
+                  <a:spcAft>
+                    <a:spcPct val="0"/>
+                  </a:spcAft>
+                  <a:buChar char="»"/>
+                  <a:defRPr sz="1500">
+                    <a:solidFill>
+                      <a:schemeClr val="tx1"/>
+                    </a:solidFill>
+                    <a:latin typeface="Arial Unicode MS" pitchFamily="34" charset="-122"/>
+                    <a:ea typeface="Arial Unicode MS" pitchFamily="34" charset="-122"/>
+                    <a:cs typeface="Arial Unicode MS" pitchFamily="34" charset="-122"/>
+                  </a:defRPr>
+                </a:lvl5pPr>
+                <a:lvl6pPr marL="1885950" indent="-171450" algn="l" rtl="0" fontAlgn="base">
+                  <a:spcBef>
+                    <a:spcPct val="20000"/>
+                  </a:spcBef>
+                  <a:spcAft>
+                    <a:spcPct val="0"/>
+                  </a:spcAft>
+                  <a:buChar char="»"/>
+                  <a:defRPr sz="1500">
+                    <a:solidFill>
+                      <a:schemeClr val="tx1"/>
+                    </a:solidFill>
+                    <a:latin typeface="+mn-lt"/>
+                    <a:ea typeface="+mn-ea"/>
+                  </a:defRPr>
+                </a:lvl6pPr>
+                <a:lvl7pPr marL="2228850" indent="-171450" algn="l" rtl="0" fontAlgn="base">
+                  <a:spcBef>
+                    <a:spcPct val="20000"/>
+                  </a:spcBef>
+                  <a:spcAft>
+                    <a:spcPct val="0"/>
+                  </a:spcAft>
+                  <a:buChar char="»"/>
+                  <a:defRPr sz="1500">
+                    <a:solidFill>
+                      <a:schemeClr val="tx1"/>
+                    </a:solidFill>
+                    <a:latin typeface="+mn-lt"/>
+                    <a:ea typeface="+mn-ea"/>
+                  </a:defRPr>
+                </a:lvl7pPr>
+                <a:lvl8pPr marL="2571750" indent="-171450" algn="l" rtl="0" fontAlgn="base">
+                  <a:spcBef>
+                    <a:spcPct val="20000"/>
+                  </a:spcBef>
+                  <a:spcAft>
+                    <a:spcPct val="0"/>
+                  </a:spcAft>
+                  <a:buChar char="»"/>
+                  <a:defRPr sz="1500">
+                    <a:solidFill>
+                      <a:schemeClr val="tx1"/>
+                    </a:solidFill>
+                    <a:latin typeface="+mn-lt"/>
+                    <a:ea typeface="+mn-ea"/>
+                  </a:defRPr>
+                </a:lvl8pPr>
+                <a:lvl9pPr marL="2914650" indent="-171450" algn="l" rtl="0" fontAlgn="base">
+                  <a:spcBef>
+                    <a:spcPct val="20000"/>
+                  </a:spcBef>
+                  <a:spcAft>
+                    <a:spcPct val="0"/>
+                  </a:spcAft>
+                  <a:buChar char="»"/>
+                  <a:defRPr sz="1500">
+                    <a:solidFill>
+                      <a:schemeClr val="tx1"/>
+                    </a:solidFill>
+                    <a:latin typeface="+mn-lt"/>
+                    <a:ea typeface="+mn-ea"/>
+                  </a:defRPr>
+                </a:lvl9pPr>
+              </a:lstStyle>
+              <a:p>
+                <a:pPr>
+                  <a:spcBef>
+                    <a:spcPts val="0"/>
+                  </a:spcBef>
+                  <a:spcAft>
+                    <a:spcPts val="1200"/>
+                  </a:spcAft>
+                </a:pPr>
+                <a:r>
+                  <a:rPr lang="zh-CN" altLang="en-US" sz="2000" dirty="0"/>
+                  <a:t>面临问题：传统</a:t>
+                </a:r>
+                <a:r>
+                  <a:rPr lang="en-US" altLang="zh-CN" sz="2000" dirty="0"/>
+                  <a:t>CORDIC</a:t>
+                </a:r>
+                <a:r>
+                  <a:rPr lang="zh-CN" altLang="en-US" sz="2000" dirty="0"/>
+                  <a:t>方法流水级数长，导致切换延时很大</a:t>
+                </a:r>
+                <a:endParaRPr lang="en-US" altLang="zh-CN" sz="2000" dirty="0"/>
+              </a:p>
+              <a:p>
+                <a:pPr>
+                  <a:spcBef>
+                    <a:spcPts val="0"/>
+                  </a:spcBef>
+                  <a:spcAft>
+                    <a:spcPts val="1200"/>
+                  </a:spcAft>
+                </a:pPr>
+                <a:r>
+                  <a:rPr lang="zh-CN" altLang="en-US" sz="2000" dirty="0"/>
+                  <a:t>优化方法：使用混合策略，提出</a:t>
+                </a:r>
+                <a:r>
+                  <a:rPr lang="en-US" altLang="zh-CN" sz="2000" dirty="0"/>
+                  <a:t>excess-four</a:t>
+                </a:r>
+                <a:r>
+                  <a:rPr lang="zh-CN" altLang="en-US" sz="2000" dirty="0"/>
+                  <a:t>电路结构</a:t>
+                </a:r>
+                <a:endParaRPr lang="en-US" altLang="zh-CN" sz="2000" dirty="0"/>
+              </a:p>
+            </p:txBody>
+          </p:sp>
+        </p:grpSp>
+        <p:grpSp>
+          <p:nvGrpSpPr>
+            <p:cNvPr id="3" name="组合 2"/>
+            <p:cNvGrpSpPr/>
+            <p:nvPr/>
+          </p:nvGrpSpPr>
+          <p:grpSpPr>
+            <a:xfrm>
+              <a:off x="175491" y="4623518"/>
+              <a:ext cx="8876145" cy="5956738"/>
+              <a:chOff x="175491" y="4562765"/>
+              <a:chExt cx="8876145" cy="5956738"/>
+            </a:xfrm>
+          </p:grpSpPr>
+          <p:sp>
+            <p:nvSpPr>
+              <p:cNvPr id="9" name="文本框 8"/>
+              <p:cNvSpPr txBox="1"/>
+              <p:nvPr/>
+            </p:nvSpPr>
+            <p:spPr>
+              <a:xfrm>
+                <a:off x="175491" y="4562765"/>
+                <a:ext cx="8876145" cy="707886"/>
+              </a:xfrm>
+              <a:prstGeom prst="rect">
+                <a:avLst/>
+              </a:prstGeom>
+              <a:noFill/>
+            </p:spPr>
+            <p:txBody>
+              <a:bodyPr wrap="square" rtlCol="0">
+                <a:spAutoFit/>
+              </a:bodyPr>
+              <a:lstStyle/>
+              <a:p>
+                <a:r>
+                  <a:rPr lang="en-US" altLang="zh-CN" sz="2000" dirty="0"/>
+                  <a:t>[3] A 2 GHz 130 </a:t>
+                </a:r>
+                <a:r>
+                  <a:rPr lang="en-US" altLang="zh-CN" sz="2000" dirty="0" err="1"/>
+                  <a:t>mW</a:t>
+                </a:r>
+                <a:r>
+                  <a:rPr lang="en-US" altLang="zh-CN" sz="2000" dirty="0"/>
+                  <a:t> Direct-Digital Frequency Synthesizer With a Nonlinear DAC in 55 nm CMOS</a:t>
+                </a:r>
+              </a:p>
+            </p:txBody>
+          </p:sp>
+          <p:sp>
+            <p:nvSpPr>
+              <p:cNvPr id="10" name="内容占位符 2"/>
+              <p:cNvSpPr txBox="1">
+                <a:spLocks/>
+              </p:cNvSpPr>
+              <p:nvPr/>
+            </p:nvSpPr>
+            <p:spPr bwMode="auto">
+              <a:xfrm>
+                <a:off x="217055" y="5353778"/>
+                <a:ext cx="8686800" cy="5165725"/>
+              </a:xfrm>
+              <a:prstGeom prst="rect">
+                <a:avLst/>
+              </a:prstGeom>
+              <a:noFill/>
+              <a:ln w="9525">
+                <a:noFill/>
+                <a:miter lim="800000"/>
+                <a:headEnd/>
+                <a:tailEnd/>
+              </a:ln>
+              <a:effectLst/>
+            </p:spPr>
+            <p:txBody>
+              <a:bodyPr vert="horz" wrap="square" lIns="91440" tIns="45720" rIns="91440" bIns="45720" numCol="1" anchor="t" anchorCtr="0" compatLnSpc="1">
+                <a:prstTxWarp prst="textNoShape">
+                  <a:avLst/>
+                </a:prstTxWarp>
+              </a:bodyPr>
+              <a:lstStyle>
+                <a:lvl1pPr marL="257175" indent="-257175" algn="l" rtl="0" fontAlgn="base">
+                  <a:spcBef>
+                    <a:spcPct val="20000"/>
+                  </a:spcBef>
+                  <a:spcAft>
+                    <a:spcPct val="0"/>
+                  </a:spcAft>
+                  <a:buChar char="•"/>
+                  <a:defRPr sz="2400">
+                    <a:solidFill>
+                      <a:schemeClr val="tx1"/>
+                    </a:solidFill>
+                    <a:latin typeface="Arial Unicode MS" pitchFamily="34" charset="-122"/>
+                    <a:ea typeface="Arial Unicode MS" pitchFamily="34" charset="-122"/>
+                    <a:cs typeface="Arial Unicode MS" pitchFamily="34" charset="-122"/>
+                  </a:defRPr>
+                </a:lvl1pPr>
+                <a:lvl2pPr marL="557213" indent="-214313" algn="l" rtl="0" fontAlgn="base">
+                  <a:spcBef>
+                    <a:spcPct val="20000"/>
+                  </a:spcBef>
+                  <a:spcAft>
+                    <a:spcPct val="0"/>
+                  </a:spcAft>
+                  <a:buChar char="–"/>
+                  <a:defRPr sz="2100">
+                    <a:solidFill>
+                      <a:schemeClr val="tx1"/>
+                    </a:solidFill>
+                    <a:latin typeface="Arial Unicode MS" pitchFamily="34" charset="-122"/>
+                    <a:ea typeface="Arial Unicode MS" pitchFamily="34" charset="-122"/>
+                    <a:cs typeface="Arial Unicode MS" pitchFamily="34" charset="-122"/>
+                  </a:defRPr>
+                </a:lvl2pPr>
+                <a:lvl3pPr marL="857250" indent="-171450" algn="l" rtl="0" fontAlgn="base">
+                  <a:spcBef>
+                    <a:spcPct val="20000"/>
+                  </a:spcBef>
+                  <a:spcAft>
+                    <a:spcPct val="0"/>
+                  </a:spcAft>
+                  <a:buChar char="•"/>
+                  <a:defRPr sz="1800">
+                    <a:solidFill>
+                      <a:schemeClr val="tx1"/>
+                    </a:solidFill>
+                    <a:latin typeface="Arial Unicode MS" pitchFamily="34" charset="-122"/>
+                    <a:ea typeface="Arial Unicode MS" pitchFamily="34" charset="-122"/>
+                    <a:cs typeface="Arial Unicode MS" pitchFamily="34" charset="-122"/>
+                  </a:defRPr>
+                </a:lvl3pPr>
+                <a:lvl4pPr marL="1200150" indent="-171450" algn="l" rtl="0" fontAlgn="base">
+                  <a:spcBef>
+                    <a:spcPct val="20000"/>
+                  </a:spcBef>
+                  <a:spcAft>
+                    <a:spcPct val="0"/>
+                  </a:spcAft>
+                  <a:buChar char="–"/>
+                  <a:defRPr sz="1500">
+                    <a:solidFill>
+                      <a:schemeClr val="tx1"/>
+                    </a:solidFill>
+                    <a:latin typeface="Arial Unicode MS" pitchFamily="34" charset="-122"/>
+                    <a:ea typeface="Arial Unicode MS" pitchFamily="34" charset="-122"/>
+                    <a:cs typeface="Arial Unicode MS" pitchFamily="34" charset="-122"/>
+                  </a:defRPr>
+                </a:lvl4pPr>
+                <a:lvl5pPr marL="1543050" indent="-171450" algn="l" rtl="0" fontAlgn="base">
+                  <a:spcBef>
+                    <a:spcPct val="20000"/>
+                  </a:spcBef>
+                  <a:spcAft>
+                    <a:spcPct val="0"/>
+                  </a:spcAft>
+                  <a:buChar char="»"/>
+                  <a:defRPr sz="1500">
+                    <a:solidFill>
+                      <a:schemeClr val="tx1"/>
+                    </a:solidFill>
+                    <a:latin typeface="Arial Unicode MS" pitchFamily="34" charset="-122"/>
+                    <a:ea typeface="Arial Unicode MS" pitchFamily="34" charset="-122"/>
+                    <a:cs typeface="Arial Unicode MS" pitchFamily="34" charset="-122"/>
+                  </a:defRPr>
+                </a:lvl5pPr>
+                <a:lvl6pPr marL="1885950" indent="-171450" algn="l" rtl="0" fontAlgn="base">
+                  <a:spcBef>
+                    <a:spcPct val="20000"/>
+                  </a:spcBef>
+                  <a:spcAft>
+                    <a:spcPct val="0"/>
+                  </a:spcAft>
+                  <a:buChar char="»"/>
+                  <a:defRPr sz="1500">
+                    <a:solidFill>
+                      <a:schemeClr val="tx1"/>
+                    </a:solidFill>
+                    <a:latin typeface="+mn-lt"/>
+                    <a:ea typeface="+mn-ea"/>
+                  </a:defRPr>
+                </a:lvl6pPr>
+                <a:lvl7pPr marL="2228850" indent="-171450" algn="l" rtl="0" fontAlgn="base">
+                  <a:spcBef>
+                    <a:spcPct val="20000"/>
+                  </a:spcBef>
+                  <a:spcAft>
+                    <a:spcPct val="0"/>
+                  </a:spcAft>
+                  <a:buChar char="»"/>
+                  <a:defRPr sz="1500">
+                    <a:solidFill>
+                      <a:schemeClr val="tx1"/>
+                    </a:solidFill>
+                    <a:latin typeface="+mn-lt"/>
+                    <a:ea typeface="+mn-ea"/>
+                  </a:defRPr>
+                </a:lvl7pPr>
+                <a:lvl8pPr marL="2571750" indent="-171450" algn="l" rtl="0" fontAlgn="base">
+                  <a:spcBef>
+                    <a:spcPct val="20000"/>
+                  </a:spcBef>
+                  <a:spcAft>
+                    <a:spcPct val="0"/>
+                  </a:spcAft>
+                  <a:buChar char="»"/>
+                  <a:defRPr sz="1500">
+                    <a:solidFill>
+                      <a:schemeClr val="tx1"/>
+                    </a:solidFill>
+                    <a:latin typeface="+mn-lt"/>
+                    <a:ea typeface="+mn-ea"/>
+                  </a:defRPr>
+                </a:lvl8pPr>
+                <a:lvl9pPr marL="2914650" indent="-171450" algn="l" rtl="0" fontAlgn="base">
+                  <a:spcBef>
+                    <a:spcPct val="20000"/>
+                  </a:spcBef>
+                  <a:spcAft>
+                    <a:spcPct val="0"/>
+                  </a:spcAft>
+                  <a:buChar char="»"/>
+                  <a:defRPr sz="1500">
+                    <a:solidFill>
+                      <a:schemeClr val="tx1"/>
+                    </a:solidFill>
+                    <a:latin typeface="+mn-lt"/>
+                    <a:ea typeface="+mn-ea"/>
+                  </a:defRPr>
+                </a:lvl9pPr>
+              </a:lstStyle>
+              <a:p>
+                <a:pPr>
+                  <a:spcBef>
+                    <a:spcPts val="0"/>
+                  </a:spcBef>
+                  <a:spcAft>
+                    <a:spcPts val="1200"/>
+                  </a:spcAft>
+                </a:pPr>
+                <a:r>
+                  <a:rPr lang="zh-CN" altLang="en-US" sz="2000" dirty="0"/>
+                  <a:t>面临问题：查找表和角度旋转方法，最长路径延时仍然很大</a:t>
+                </a:r>
+                <a:endParaRPr lang="en-US" altLang="zh-CN" sz="2000" dirty="0"/>
+              </a:p>
+              <a:p>
+                <a:pPr>
+                  <a:spcBef>
+                    <a:spcPts val="0"/>
+                  </a:spcBef>
+                  <a:spcAft>
+                    <a:spcPts val="1200"/>
+                  </a:spcAft>
+                </a:pPr>
+                <a:r>
+                  <a:rPr lang="zh-CN" altLang="en-US" sz="2000" dirty="0"/>
+                  <a:t>使用方法：使用非线性的</a:t>
+                </a:r>
+                <a:r>
+                  <a:rPr lang="en-US" altLang="zh-CN" sz="2000" dirty="0"/>
+                  <a:t>DAC</a:t>
+                </a:r>
+                <a:r>
+                  <a:rPr lang="zh-CN" altLang="en-US" sz="2000" dirty="0"/>
+                  <a:t>，压缩</a:t>
+                </a:r>
+                <a:r>
+                  <a:rPr lang="en-US" altLang="zh-CN" sz="2000" dirty="0"/>
+                  <a:t>DAC</a:t>
+                </a:r>
+                <a:r>
+                  <a:rPr lang="zh-CN" altLang="en-US" sz="2000" dirty="0"/>
+                  <a:t>中编解码器复杂度</a:t>
+                </a:r>
+                <a:endParaRPr lang="en-US" altLang="zh-CN" sz="2000" dirty="0"/>
+              </a:p>
+            </p:txBody>
+          </p:sp>
+        </p:grpSp>
+      </p:grpSp>
       <p:sp>
         <p:nvSpPr>
           <p:cNvPr id="5" name="文本框 4"/>
@@ -12916,8 +13431,8 @@
         </p:nvSpPr>
         <p:spPr>
           <a:xfrm>
-            <a:off x="217055" y="1631522"/>
-            <a:ext cx="8686800" cy="5165725"/>
+            <a:off x="175492" y="1692275"/>
+            <a:ext cx="8876144" cy="5165725"/>
           </a:xfrm>
         </p:spPr>
         <p:txBody>
@@ -12957,527 +13472,70 @@
       </p:sp>
       <p:sp>
         <p:nvSpPr>
-          <p:cNvPr id="7" name="文本框 6"/>
-          <p:cNvSpPr txBox="1"/>
-          <p:nvPr/>
-        </p:nvSpPr>
-        <p:spPr>
-          <a:xfrm>
-            <a:off x="175491" y="2738582"/>
-            <a:ext cx="8876145" cy="707886"/>
-          </a:xfrm>
-          <a:prstGeom prst="rect">
-            <a:avLst/>
-          </a:prstGeom>
-          <a:noFill/>
-        </p:spPr>
-        <p:txBody>
-          <a:bodyPr wrap="square" rtlCol="0">
-            <a:spAutoFit/>
-          </a:bodyPr>
+          <p:cNvPr id="2" name="标题 1"/>
+          <p:cNvSpPr>
+            <a:spLocks noGrp="1"/>
+          </p:cNvSpPr>
+          <p:nvPr>
+            <p:ph type="title"/>
+          </p:nvPr>
+        </p:nvSpPr>
+        <p:spPr/>
+        <p:txBody>
+          <a:bodyPr/>
           <a:lstStyle/>
           <a:p>
             <a:r>
-              <a:rPr lang="en-US" altLang="zh-CN" sz="2000" dirty="0"/>
-              <a:t>[2] A direct digital frequency synthesizer with minimized tuning latency of 12ns</a:t>
-            </a:r>
-          </a:p>
-        </p:txBody>
-      </p:sp>
-      <p:sp>
-        <p:nvSpPr>
-          <p:cNvPr id="8" name="内容占位符 2"/>
-          <p:cNvSpPr txBox="1">
-            <a:spLocks/>
-          </p:cNvSpPr>
-          <p:nvPr/>
-        </p:nvSpPr>
-        <p:spPr bwMode="auto">
-          <a:xfrm>
-            <a:off x="217055" y="3529595"/>
-            <a:ext cx="8686800" cy="5165725"/>
-          </a:xfrm>
-          <a:prstGeom prst="rect">
-            <a:avLst/>
-          </a:prstGeom>
-          <a:noFill/>
-          <a:ln w="9525">
-            <a:noFill/>
-            <a:miter lim="800000"/>
-            <a:headEnd/>
-            <a:tailEnd/>
-          </a:ln>
-          <a:effectLst/>
-        </p:spPr>
-        <p:txBody>
-          <a:bodyPr vert="horz" wrap="square" lIns="91440" tIns="45720" rIns="91440" bIns="45720" numCol="1" anchor="t" anchorCtr="0" compatLnSpc="1">
-            <a:prstTxWarp prst="textNoShape">
-              <a:avLst/>
-            </a:prstTxWarp>
-          </a:bodyPr>
-          <a:lstStyle>
-            <a:lvl1pPr marL="257175" indent="-257175" algn="l" rtl="0" fontAlgn="base">
-              <a:spcBef>
-                <a:spcPct val="20000"/>
-              </a:spcBef>
-              <a:spcAft>
-                <a:spcPct val="0"/>
-              </a:spcAft>
-              <a:buChar char="•"/>
-              <a:defRPr sz="2400">
+              <a:rPr lang="zh-CN" altLang="en-US" sz="3600" dirty="0"/>
+              <a:t>前期调研结果</a:t>
+            </a:r>
+            <a:r>
+              <a:rPr lang="en-US" altLang="zh-CN" sz="3600" dirty="0"/>
+              <a:t>—</a:t>
+            </a:r>
+            <a:r>
+              <a:rPr lang="zh-CN" altLang="en-US" sz="3600" dirty="0"/>
+              <a:t>文献调研</a:t>
+            </a:r>
+          </a:p>
+        </p:txBody>
+      </p:sp>
+      <p:sp>
+        <p:nvSpPr>
+          <p:cNvPr id="4" name="页脚占位符 3"/>
+          <p:cNvSpPr>
+            <a:spLocks noGrp="1"/>
+          </p:cNvSpPr>
+          <p:nvPr>
+            <p:ph type="ftr" sz="quarter" idx="11"/>
+          </p:nvPr>
+        </p:nvSpPr>
+        <p:spPr/>
+        <p:txBody>
+          <a:bodyPr/>
+          <a:lstStyle/>
+          <a:p>
+            <a:r>
+              <a:rPr lang="en-US" altLang="zh-CN" dirty="0" smtClean="0">
                 <a:solidFill>
-                  <a:schemeClr val="tx1"/>
+                  <a:srgbClr val="000000"/>
                 </a:solidFill>
-                <a:latin typeface="Arial Unicode MS" pitchFamily="34" charset="-122"/>
-                <a:ea typeface="Arial Unicode MS" pitchFamily="34" charset="-122"/>
-                <a:cs typeface="Arial Unicode MS" pitchFamily="34" charset="-122"/>
-              </a:defRPr>
-            </a:lvl1pPr>
-            <a:lvl2pPr marL="557213" indent="-214313" algn="l" rtl="0" fontAlgn="base">
-              <a:spcBef>
-                <a:spcPct val="20000"/>
-              </a:spcBef>
-              <a:spcAft>
-                <a:spcPct val="0"/>
-              </a:spcAft>
-              <a:buChar char="–"/>
-              <a:defRPr sz="2100">
+              </a:rPr>
+              <a:t>10</a:t>
+            </a:r>
+            <a:r>
+              <a:rPr lang="en-US" altLang="zh-CN" dirty="0" smtClean="0">
                 <a:solidFill>
-                  <a:schemeClr val="tx1"/>
+                  <a:srgbClr val="000000"/>
                 </a:solidFill>
-                <a:latin typeface="Arial Unicode MS" pitchFamily="34" charset="-122"/>
-                <a:ea typeface="Arial Unicode MS" pitchFamily="34" charset="-122"/>
-                <a:cs typeface="Arial Unicode MS" pitchFamily="34" charset="-122"/>
-              </a:defRPr>
-            </a:lvl2pPr>
-            <a:lvl3pPr marL="857250" indent="-171450" algn="l" rtl="0" fontAlgn="base">
-              <a:spcBef>
-                <a:spcPct val="20000"/>
-              </a:spcBef>
-              <a:spcAft>
-                <a:spcPct val="0"/>
-              </a:spcAft>
-              <a:buChar char="•"/>
-              <a:defRPr sz="1800">
-                <a:solidFill>
-                  <a:schemeClr val="tx1"/>
-                </a:solidFill>
-                <a:latin typeface="Arial Unicode MS" pitchFamily="34" charset="-122"/>
-                <a:ea typeface="Arial Unicode MS" pitchFamily="34" charset="-122"/>
-                <a:cs typeface="Arial Unicode MS" pitchFamily="34" charset="-122"/>
-              </a:defRPr>
-            </a:lvl3pPr>
-            <a:lvl4pPr marL="1200150" indent="-171450" algn="l" rtl="0" fontAlgn="base">
-              <a:spcBef>
-                <a:spcPct val="20000"/>
-              </a:spcBef>
-              <a:spcAft>
-                <a:spcPct val="0"/>
-              </a:spcAft>
-              <a:buChar char="–"/>
-              <a:defRPr sz="1500">
-                <a:solidFill>
-                  <a:schemeClr val="tx1"/>
-                </a:solidFill>
-                <a:latin typeface="Arial Unicode MS" pitchFamily="34" charset="-122"/>
-                <a:ea typeface="Arial Unicode MS" pitchFamily="34" charset="-122"/>
-                <a:cs typeface="Arial Unicode MS" pitchFamily="34" charset="-122"/>
-              </a:defRPr>
-            </a:lvl4pPr>
-            <a:lvl5pPr marL="1543050" indent="-171450" algn="l" rtl="0" fontAlgn="base">
-              <a:spcBef>
-                <a:spcPct val="20000"/>
-              </a:spcBef>
-              <a:spcAft>
-                <a:spcPct val="0"/>
-              </a:spcAft>
-              <a:buChar char="»"/>
-              <a:defRPr sz="1500">
-                <a:solidFill>
-                  <a:schemeClr val="tx1"/>
-                </a:solidFill>
-                <a:latin typeface="Arial Unicode MS" pitchFamily="34" charset="-122"/>
-                <a:ea typeface="Arial Unicode MS" pitchFamily="34" charset="-122"/>
-                <a:cs typeface="Arial Unicode MS" pitchFamily="34" charset="-122"/>
-              </a:defRPr>
-            </a:lvl5pPr>
-            <a:lvl6pPr marL="1885950" indent="-171450" algn="l" rtl="0" fontAlgn="base">
-              <a:spcBef>
-                <a:spcPct val="20000"/>
-              </a:spcBef>
-              <a:spcAft>
-                <a:spcPct val="0"/>
-              </a:spcAft>
-              <a:buChar char="»"/>
-              <a:defRPr sz="1500">
-                <a:solidFill>
-                  <a:schemeClr val="tx1"/>
-                </a:solidFill>
-                <a:latin typeface="+mn-lt"/>
-                <a:ea typeface="+mn-ea"/>
-              </a:defRPr>
-            </a:lvl6pPr>
-            <a:lvl7pPr marL="2228850" indent="-171450" algn="l" rtl="0" fontAlgn="base">
-              <a:spcBef>
-                <a:spcPct val="20000"/>
-              </a:spcBef>
-              <a:spcAft>
-                <a:spcPct val="0"/>
-              </a:spcAft>
-              <a:buChar char="»"/>
-              <a:defRPr sz="1500">
-                <a:solidFill>
-                  <a:schemeClr val="tx1"/>
-                </a:solidFill>
-                <a:latin typeface="+mn-lt"/>
-                <a:ea typeface="+mn-ea"/>
-              </a:defRPr>
-            </a:lvl7pPr>
-            <a:lvl8pPr marL="2571750" indent="-171450" algn="l" rtl="0" fontAlgn="base">
-              <a:spcBef>
-                <a:spcPct val="20000"/>
-              </a:spcBef>
-              <a:spcAft>
-                <a:spcPct val="0"/>
-              </a:spcAft>
-              <a:buChar char="»"/>
-              <a:defRPr sz="1500">
-                <a:solidFill>
-                  <a:schemeClr val="tx1"/>
-                </a:solidFill>
-                <a:latin typeface="+mn-lt"/>
-                <a:ea typeface="+mn-ea"/>
-              </a:defRPr>
-            </a:lvl8pPr>
-            <a:lvl9pPr marL="2914650" indent="-171450" algn="l" rtl="0" fontAlgn="base">
-              <a:spcBef>
-                <a:spcPct val="20000"/>
-              </a:spcBef>
-              <a:spcAft>
-                <a:spcPct val="0"/>
-              </a:spcAft>
-              <a:buChar char="»"/>
-              <a:defRPr sz="1500">
-                <a:solidFill>
-                  <a:schemeClr val="tx1"/>
-                </a:solidFill>
-                <a:latin typeface="+mn-lt"/>
-                <a:ea typeface="+mn-ea"/>
-              </a:defRPr>
-            </a:lvl9pPr>
-          </a:lstStyle>
-          <a:p>
-            <a:pPr>
-              <a:spcBef>
-                <a:spcPts val="0"/>
-              </a:spcBef>
-              <a:spcAft>
-                <a:spcPts val="1200"/>
-              </a:spcAft>
-            </a:pPr>
-            <a:r>
-              <a:rPr lang="zh-CN" altLang="en-US" sz="2000" dirty="0"/>
-              <a:t>面临问题：传统</a:t>
-            </a:r>
-            <a:r>
-              <a:rPr lang="en-US" altLang="zh-CN" sz="2000" dirty="0"/>
-              <a:t>CORDIC</a:t>
-            </a:r>
-            <a:r>
-              <a:rPr lang="zh-CN" altLang="en-US" sz="2000" dirty="0"/>
-              <a:t>方法流水级数长，导致切换延时很大</a:t>
-            </a:r>
-            <a:endParaRPr lang="en-US" altLang="zh-CN" sz="2000" dirty="0"/>
-          </a:p>
-          <a:p>
-            <a:pPr>
-              <a:spcBef>
-                <a:spcPts val="0"/>
-              </a:spcBef>
-              <a:spcAft>
-                <a:spcPts val="1200"/>
-              </a:spcAft>
-            </a:pPr>
-            <a:r>
-              <a:rPr lang="zh-CN" altLang="en-US" sz="2000" dirty="0"/>
-              <a:t>优化方法：使用混合策略，提出</a:t>
-            </a:r>
-            <a:r>
-              <a:rPr lang="en-US" altLang="zh-CN" sz="2000" dirty="0"/>
-              <a:t>excess-four</a:t>
-            </a:r>
-            <a:r>
-              <a:rPr lang="zh-CN" altLang="en-US" sz="2000" dirty="0"/>
-              <a:t>电路结构</a:t>
-            </a:r>
-            <a:endParaRPr lang="en-US" altLang="zh-CN" sz="2000" dirty="0"/>
-          </a:p>
-        </p:txBody>
-      </p:sp>
-      <p:sp>
-        <p:nvSpPr>
-          <p:cNvPr id="9" name="文本框 8"/>
-          <p:cNvSpPr txBox="1"/>
-          <p:nvPr/>
-        </p:nvSpPr>
-        <p:spPr>
-          <a:xfrm>
-            <a:off x="175491" y="4562765"/>
-            <a:ext cx="8876145" cy="707886"/>
-          </a:xfrm>
-          <a:prstGeom prst="rect">
-            <a:avLst/>
-          </a:prstGeom>
-          <a:noFill/>
-        </p:spPr>
-        <p:txBody>
-          <a:bodyPr wrap="square" rtlCol="0">
-            <a:spAutoFit/>
-          </a:bodyPr>
-          <a:lstStyle/>
-          <a:p>
-            <a:r>
-              <a:rPr lang="en-US" altLang="zh-CN" sz="2000" dirty="0"/>
-              <a:t>[3] A 2 GHz 130 </a:t>
-            </a:r>
-            <a:r>
-              <a:rPr lang="en-US" altLang="zh-CN" sz="2000" dirty="0" err="1"/>
-              <a:t>mW</a:t>
-            </a:r>
-            <a:r>
-              <a:rPr lang="en-US" altLang="zh-CN" sz="2000" dirty="0"/>
-              <a:t> Direct-Digital Frequency Synthesizer With a Nonlinear DAC in 55 nm CMOS</a:t>
-            </a:r>
-          </a:p>
-        </p:txBody>
-      </p:sp>
-      <p:sp>
-        <p:nvSpPr>
-          <p:cNvPr id="10" name="内容占位符 2"/>
-          <p:cNvSpPr txBox="1">
-            <a:spLocks/>
-          </p:cNvSpPr>
-          <p:nvPr/>
-        </p:nvSpPr>
-        <p:spPr bwMode="auto">
-          <a:xfrm>
-            <a:off x="217055" y="5353778"/>
-            <a:ext cx="8686800" cy="5165725"/>
-          </a:xfrm>
-          <a:prstGeom prst="rect">
-            <a:avLst/>
-          </a:prstGeom>
-          <a:noFill/>
-          <a:ln w="9525">
-            <a:noFill/>
-            <a:miter lim="800000"/>
-            <a:headEnd/>
-            <a:tailEnd/>
-          </a:ln>
-          <a:effectLst/>
-        </p:spPr>
-        <p:txBody>
-          <a:bodyPr vert="horz" wrap="square" lIns="91440" tIns="45720" rIns="91440" bIns="45720" numCol="1" anchor="t" anchorCtr="0" compatLnSpc="1">
-            <a:prstTxWarp prst="textNoShape">
-              <a:avLst/>
-            </a:prstTxWarp>
-          </a:bodyPr>
-          <a:lstStyle>
-            <a:lvl1pPr marL="257175" indent="-257175" algn="l" rtl="0" fontAlgn="base">
-              <a:spcBef>
-                <a:spcPct val="20000"/>
-              </a:spcBef>
-              <a:spcAft>
-                <a:spcPct val="0"/>
-              </a:spcAft>
-              <a:buChar char="•"/>
-              <a:defRPr sz="2400">
-                <a:solidFill>
-                  <a:schemeClr val="tx1"/>
-                </a:solidFill>
-                <a:latin typeface="Arial Unicode MS" pitchFamily="34" charset="-122"/>
-                <a:ea typeface="Arial Unicode MS" pitchFamily="34" charset="-122"/>
-                <a:cs typeface="Arial Unicode MS" pitchFamily="34" charset="-122"/>
-              </a:defRPr>
-            </a:lvl1pPr>
-            <a:lvl2pPr marL="557213" indent="-214313" algn="l" rtl="0" fontAlgn="base">
-              <a:spcBef>
-                <a:spcPct val="20000"/>
-              </a:spcBef>
-              <a:spcAft>
-                <a:spcPct val="0"/>
-              </a:spcAft>
-              <a:buChar char="–"/>
-              <a:defRPr sz="2100">
-                <a:solidFill>
-                  <a:schemeClr val="tx1"/>
-                </a:solidFill>
-                <a:latin typeface="Arial Unicode MS" pitchFamily="34" charset="-122"/>
-                <a:ea typeface="Arial Unicode MS" pitchFamily="34" charset="-122"/>
-                <a:cs typeface="Arial Unicode MS" pitchFamily="34" charset="-122"/>
-              </a:defRPr>
-            </a:lvl2pPr>
-            <a:lvl3pPr marL="857250" indent="-171450" algn="l" rtl="0" fontAlgn="base">
-              <a:spcBef>
-                <a:spcPct val="20000"/>
-              </a:spcBef>
-              <a:spcAft>
-                <a:spcPct val="0"/>
-              </a:spcAft>
-              <a:buChar char="•"/>
-              <a:defRPr sz="1800">
-                <a:solidFill>
-                  <a:schemeClr val="tx1"/>
-                </a:solidFill>
-                <a:latin typeface="Arial Unicode MS" pitchFamily="34" charset="-122"/>
-                <a:ea typeface="Arial Unicode MS" pitchFamily="34" charset="-122"/>
-                <a:cs typeface="Arial Unicode MS" pitchFamily="34" charset="-122"/>
-              </a:defRPr>
-            </a:lvl3pPr>
-            <a:lvl4pPr marL="1200150" indent="-171450" algn="l" rtl="0" fontAlgn="base">
-              <a:spcBef>
-                <a:spcPct val="20000"/>
-              </a:spcBef>
-              <a:spcAft>
-                <a:spcPct val="0"/>
-              </a:spcAft>
-              <a:buChar char="–"/>
-              <a:defRPr sz="1500">
-                <a:solidFill>
-                  <a:schemeClr val="tx1"/>
-                </a:solidFill>
-                <a:latin typeface="Arial Unicode MS" pitchFamily="34" charset="-122"/>
-                <a:ea typeface="Arial Unicode MS" pitchFamily="34" charset="-122"/>
-                <a:cs typeface="Arial Unicode MS" pitchFamily="34" charset="-122"/>
-              </a:defRPr>
-            </a:lvl4pPr>
-            <a:lvl5pPr marL="1543050" indent="-171450" algn="l" rtl="0" fontAlgn="base">
-              <a:spcBef>
-                <a:spcPct val="20000"/>
-              </a:spcBef>
-              <a:spcAft>
-                <a:spcPct val="0"/>
-              </a:spcAft>
-              <a:buChar char="»"/>
-              <a:defRPr sz="1500">
-                <a:solidFill>
-                  <a:schemeClr val="tx1"/>
-                </a:solidFill>
-                <a:latin typeface="Arial Unicode MS" pitchFamily="34" charset="-122"/>
-                <a:ea typeface="Arial Unicode MS" pitchFamily="34" charset="-122"/>
-                <a:cs typeface="Arial Unicode MS" pitchFamily="34" charset="-122"/>
-              </a:defRPr>
-            </a:lvl5pPr>
-            <a:lvl6pPr marL="1885950" indent="-171450" algn="l" rtl="0" fontAlgn="base">
-              <a:spcBef>
-                <a:spcPct val="20000"/>
-              </a:spcBef>
-              <a:spcAft>
-                <a:spcPct val="0"/>
-              </a:spcAft>
-              <a:buChar char="»"/>
-              <a:defRPr sz="1500">
-                <a:solidFill>
-                  <a:schemeClr val="tx1"/>
-                </a:solidFill>
-                <a:latin typeface="+mn-lt"/>
-                <a:ea typeface="+mn-ea"/>
-              </a:defRPr>
-            </a:lvl6pPr>
-            <a:lvl7pPr marL="2228850" indent="-171450" algn="l" rtl="0" fontAlgn="base">
-              <a:spcBef>
-                <a:spcPct val="20000"/>
-              </a:spcBef>
-              <a:spcAft>
-                <a:spcPct val="0"/>
-              </a:spcAft>
-              <a:buChar char="»"/>
-              <a:defRPr sz="1500">
-                <a:solidFill>
-                  <a:schemeClr val="tx1"/>
-                </a:solidFill>
-                <a:latin typeface="+mn-lt"/>
-                <a:ea typeface="+mn-ea"/>
-              </a:defRPr>
-            </a:lvl7pPr>
-            <a:lvl8pPr marL="2571750" indent="-171450" algn="l" rtl="0" fontAlgn="base">
-              <a:spcBef>
-                <a:spcPct val="20000"/>
-              </a:spcBef>
-              <a:spcAft>
-                <a:spcPct val="0"/>
-              </a:spcAft>
-              <a:buChar char="»"/>
-              <a:defRPr sz="1500">
-                <a:solidFill>
-                  <a:schemeClr val="tx1"/>
-                </a:solidFill>
-                <a:latin typeface="+mn-lt"/>
-                <a:ea typeface="+mn-ea"/>
-              </a:defRPr>
-            </a:lvl8pPr>
-            <a:lvl9pPr marL="2914650" indent="-171450" algn="l" rtl="0" fontAlgn="base">
-              <a:spcBef>
-                <a:spcPct val="20000"/>
-              </a:spcBef>
-              <a:spcAft>
-                <a:spcPct val="0"/>
-              </a:spcAft>
-              <a:buChar char="»"/>
-              <a:defRPr sz="1500">
-                <a:solidFill>
-                  <a:schemeClr val="tx1"/>
-                </a:solidFill>
-                <a:latin typeface="+mn-lt"/>
-                <a:ea typeface="+mn-ea"/>
-              </a:defRPr>
-            </a:lvl9pPr>
-          </a:lstStyle>
-          <a:p>
-            <a:pPr>
-              <a:spcBef>
-                <a:spcPts val="0"/>
-              </a:spcBef>
-              <a:spcAft>
-                <a:spcPts val="1200"/>
-              </a:spcAft>
-            </a:pPr>
-            <a:r>
-              <a:rPr lang="zh-CN" altLang="en-US" sz="2000" dirty="0"/>
-              <a:t>面临问题：查找表和角度旋转方法，最长路径延时仍然很大</a:t>
-            </a:r>
-            <a:endParaRPr lang="en-US" altLang="zh-CN" sz="2000" dirty="0"/>
-          </a:p>
-          <a:p>
-            <a:pPr>
-              <a:spcBef>
-                <a:spcPts val="0"/>
-              </a:spcBef>
-              <a:spcAft>
-                <a:spcPts val="1200"/>
-              </a:spcAft>
-            </a:pPr>
-            <a:r>
-              <a:rPr lang="zh-CN" altLang="en-US" sz="2000" dirty="0"/>
-              <a:t>使用方法：使用非线性的</a:t>
-            </a:r>
-            <a:r>
-              <a:rPr lang="en-US" altLang="zh-CN" sz="2000" dirty="0"/>
-              <a:t>DAC</a:t>
-            </a:r>
-            <a:r>
-              <a:rPr lang="zh-CN" altLang="en-US" sz="2000" dirty="0"/>
-              <a:t>，压缩</a:t>
-            </a:r>
-            <a:r>
-              <a:rPr lang="en-US" altLang="zh-CN" sz="2000" dirty="0"/>
-              <a:t>DAC</a:t>
-            </a:r>
-            <a:r>
-              <a:rPr lang="zh-CN" altLang="en-US" sz="2000" dirty="0"/>
-              <a:t>中编解码器复杂度</a:t>
-            </a:r>
-            <a:endParaRPr lang="en-US" altLang="zh-CN" sz="2000" dirty="0"/>
+              </a:rPr>
+              <a:t>/14</a:t>
+            </a:r>
+            <a:endParaRPr lang="en-US" altLang="zh-CN" dirty="0">
+              <a:solidFill>
+                <a:srgbClr val="000000"/>
+              </a:solidFill>
+            </a:endParaRPr>
           </a:p>
         </p:txBody>
       </p:sp>
@@ -13725,8 +13783,28 @@
               </a:spcAft>
             </a:pPr>
             <a:r>
+              <a:rPr lang="zh-CN" altLang="en-US" dirty="0" smtClean="0"/>
+              <a:t>三</a:t>
+            </a:r>
+            <a:r>
               <a:rPr lang="zh-CN" altLang="en-US" dirty="0"/>
-              <a:t>从文献中可也体现了三种优化方法的融合：</a:t>
+              <a:t>种优化方法</a:t>
+            </a:r>
+            <a:r>
+              <a:rPr lang="zh-CN" altLang="en-US"/>
+              <a:t>的</a:t>
+            </a:r>
+            <a:r>
+              <a:rPr lang="zh-CN" altLang="en-US" smtClean="0"/>
+              <a:t>融合</a:t>
+            </a:r>
+            <a:r>
+              <a:rPr lang="zh-CN" altLang="en-US" smtClean="0"/>
+              <a:t>的趋势</a:t>
+            </a:r>
+            <a:r>
+              <a:rPr lang="zh-CN" altLang="en-US" smtClean="0"/>
+              <a:t>：</a:t>
             </a:r>
             <a:endParaRPr lang="en-US" altLang="zh-CN" dirty="0"/>
           </a:p>
@@ -13794,13 +13872,18 @@
           <a:lstStyle/>
           <a:p>
             <a:r>
-              <a:rPr lang="en-US" altLang="zh-CN" dirty="0">
+              <a:rPr lang="en-US" altLang="zh-CN" dirty="0" smtClean="0">
                 <a:solidFill>
                   <a:srgbClr val="000000"/>
                 </a:solidFill>
               </a:rPr>
-              <a:t>14/22</a:t>
-            </a:r>
+              <a:t>11/14</a:t>
+            </a:r>
+            <a:endParaRPr lang="en-US" altLang="zh-CN" dirty="0">
+              <a:solidFill>
+                <a:srgbClr val="000000"/>
+              </a:solidFill>
+            </a:endParaRPr>
           </a:p>
         </p:txBody>
       </p:sp>
@@ -13872,13 +13955,18 @@
           <a:lstStyle/>
           <a:p>
             <a:r>
-              <a:rPr lang="en-US" altLang="zh-CN" dirty="0">
+              <a:rPr lang="en-US" altLang="zh-CN" dirty="0" smtClean="0">
                 <a:solidFill>
                   <a:srgbClr val="000000"/>
                 </a:solidFill>
               </a:rPr>
-              <a:t>20/22</a:t>
-            </a:r>
+              <a:t>12/14</a:t>
+            </a:r>
+            <a:endParaRPr lang="en-US" altLang="zh-CN" dirty="0">
+              <a:solidFill>
+                <a:srgbClr val="000000"/>
+              </a:solidFill>
+            </a:endParaRPr>
           </a:p>
         </p:txBody>
       </p:sp>
@@ -13898,7 +13986,7 @@
         </p:blipFill>
         <p:spPr>
           <a:xfrm>
-            <a:off x="1337452" y="4832880"/>
+            <a:off x="1337452" y="4616496"/>
             <a:ext cx="6525347" cy="1546468"/>
           </a:xfrm>
           <a:prstGeom prst="rect">
@@ -14415,13 +14503,18 @@
           <a:lstStyle/>
           <a:p>
             <a:r>
-              <a:rPr lang="en-US" altLang="zh-CN" dirty="0">
+              <a:rPr lang="en-US" altLang="zh-CN" dirty="0" smtClean="0">
                 <a:solidFill>
                   <a:srgbClr val="000000"/>
                 </a:solidFill>
               </a:rPr>
-              <a:t>21/22</a:t>
-            </a:r>
+              <a:t>13/14</a:t>
+            </a:r>
+            <a:endParaRPr lang="en-US" altLang="zh-CN" dirty="0">
+              <a:solidFill>
+                <a:srgbClr val="000000"/>
+              </a:solidFill>
+            </a:endParaRPr>
           </a:p>
         </p:txBody>
       </p:sp>
@@ -14498,13 +14591,18 @@
           <a:lstStyle/>
           <a:p>
             <a:r>
-              <a:rPr lang="en-US" altLang="zh-CN" dirty="0">
+              <a:rPr lang="en-US" altLang="zh-CN" dirty="0" smtClean="0">
                 <a:solidFill>
                   <a:srgbClr val="000000"/>
                 </a:solidFill>
               </a:rPr>
-              <a:t>22/22</a:t>
-            </a:r>
+              <a:t>14/14</a:t>
+            </a:r>
+            <a:endParaRPr lang="en-US" altLang="zh-CN" dirty="0">
+              <a:solidFill>
+                <a:srgbClr val="000000"/>
+              </a:solidFill>
+            </a:endParaRPr>
           </a:p>
         </p:txBody>
       </p:sp>
@@ -14632,13 +14730,18 @@
           <a:lstStyle/>
           <a:p>
             <a:r>
-              <a:rPr lang="en-US" altLang="zh-CN" dirty="0">
+              <a:rPr lang="en-US" altLang="zh-CN" dirty="0" smtClean="0">
                 <a:solidFill>
                   <a:srgbClr val="000000"/>
                 </a:solidFill>
               </a:rPr>
-              <a:t>2/22</a:t>
-            </a:r>
+              <a:t>2/14</a:t>
+            </a:r>
+            <a:endParaRPr lang="en-US" altLang="zh-CN" dirty="0">
+              <a:solidFill>
+                <a:srgbClr val="000000"/>
+              </a:solidFill>
+            </a:endParaRPr>
           </a:p>
         </p:txBody>
       </p:sp>
@@ -14774,13 +14877,18 @@
           <a:lstStyle/>
           <a:p>
             <a:r>
-              <a:rPr lang="en-US" altLang="zh-CN" dirty="0">
+              <a:rPr lang="en-US" altLang="zh-CN" dirty="0" smtClean="0">
                 <a:solidFill>
                   <a:srgbClr val="000000"/>
                 </a:solidFill>
               </a:rPr>
-              <a:t>3/22</a:t>
-            </a:r>
+              <a:t>3/14</a:t>
+            </a:r>
+            <a:endParaRPr lang="en-US" altLang="zh-CN" dirty="0">
+              <a:solidFill>
+                <a:srgbClr val="000000"/>
+              </a:solidFill>
+            </a:endParaRPr>
           </a:p>
         </p:txBody>
       </p:sp>
@@ -15415,13 +15523,26 @@
           <a:lstStyle/>
           <a:p>
             <a:r>
-              <a:rPr lang="en-US" altLang="zh-CN" dirty="0">
+              <a:rPr lang="en-US" altLang="zh-CN" dirty="0" smtClean="0">
                 <a:solidFill>
                   <a:srgbClr val="000000"/>
                 </a:solidFill>
               </a:rPr>
-              <a:t>3/22</a:t>
-            </a:r>
+              <a:t>4</a:t>
+            </a:r>
+            <a:r>
+              <a:rPr lang="en-US" altLang="zh-CN" dirty="0" smtClean="0">
+                <a:solidFill>
+                  <a:srgbClr val="000000"/>
+                </a:solidFill>
+              </a:rPr>
+              <a:t>/14</a:t>
+            </a:r>
+            <a:endParaRPr lang="en-US" altLang="zh-CN" dirty="0">
+              <a:solidFill>
+                <a:srgbClr val="000000"/>
+              </a:solidFill>
+            </a:endParaRPr>
           </a:p>
         </p:txBody>
       </p:sp>
@@ -15967,13 +16088,26 @@
           <a:lstStyle/>
           <a:p>
             <a:r>
-              <a:rPr lang="en-US" altLang="zh-CN" dirty="0">
+              <a:rPr lang="en-US" altLang="zh-CN" dirty="0" smtClean="0">
                 <a:solidFill>
                   <a:srgbClr val="000000"/>
                 </a:solidFill>
               </a:rPr>
-              <a:t>4/22</a:t>
-            </a:r>
+              <a:t>5</a:t>
+            </a:r>
+            <a:r>
+              <a:rPr lang="en-US" altLang="zh-CN" dirty="0" smtClean="0">
+                <a:solidFill>
+                  <a:srgbClr val="000000"/>
+                </a:solidFill>
+              </a:rPr>
+              <a:t>/14</a:t>
+            </a:r>
+            <a:endParaRPr lang="en-US" altLang="zh-CN" dirty="0">
+              <a:solidFill>
+                <a:srgbClr val="000000"/>
+              </a:solidFill>
+            </a:endParaRPr>
           </a:p>
         </p:txBody>
       </p:sp>
@@ -18377,13 +18511,18 @@
           <a:lstStyle/>
           <a:p>
             <a:r>
-              <a:rPr lang="en-US" altLang="zh-CN" dirty="0">
+              <a:rPr lang="en-US" altLang="zh-CN" dirty="0" smtClean="0">
                 <a:solidFill>
                   <a:srgbClr val="000000"/>
                 </a:solidFill>
               </a:rPr>
-              <a:t>5/22</a:t>
-            </a:r>
+              <a:t>6/14</a:t>
+            </a:r>
+            <a:endParaRPr lang="en-US" altLang="zh-CN" dirty="0">
+              <a:solidFill>
+                <a:srgbClr val="000000"/>
+              </a:solidFill>
+            </a:endParaRPr>
           </a:p>
         </p:txBody>
       </p:sp>
@@ -18455,12 +18594,20 @@
           <a:lstStyle/>
           <a:p>
             <a:r>
-              <a:rPr lang="en-US" altLang="zh-CN">
+              <a:rPr lang="en-US" altLang="zh-CN" dirty="0" smtClean="0">
                 <a:solidFill>
                   <a:srgbClr val="000000"/>
                 </a:solidFill>
               </a:rPr>
-              <a:t>20/22</a:t>
+              <a:t>7</a:t>
+            </a:r>
+            <a:r>
+              <a:rPr lang="en-US" altLang="zh-CN" dirty="0" smtClean="0">
+                <a:solidFill>
+                  <a:srgbClr val="000000"/>
+                </a:solidFill>
+              </a:rPr>
+              <a:t>/14</a:t>
             </a:r>
             <a:endParaRPr lang="en-US" altLang="zh-CN" dirty="0">
               <a:solidFill>
@@ -18498,10 +18645,16 @@
               </a:spcAft>
             </a:pPr>
             <a:r>
+              <a:rPr lang="zh-CN" altLang="en-US" sz="2800" dirty="0" smtClean="0">
+                <a:ea typeface="Arial Unicode MS" pitchFamily="34" charset="-122"/>
+              </a:rPr>
+              <a:t>目标</a:t>
+            </a:r>
+            <a:r>
               <a:rPr lang="zh-CN" altLang="en-US" sz="2800" dirty="0">
                 <a:ea typeface="Arial Unicode MS" pitchFamily="34" charset="-122"/>
               </a:rPr>
-              <a:t>总目标：设计高速、高精度数控振荡器</a:t>
+              <a:t>：设计高速、高精度数控振荡器</a:t>
             </a:r>
             <a:endParaRPr lang="en-US" altLang="zh-CN" sz="2800" dirty="0">
               <a:ea typeface="Arial Unicode MS" pitchFamily="34" charset="-122"/>
@@ -18804,13 +18957,18 @@
           <a:lstStyle/>
           <a:p>
             <a:r>
-              <a:rPr lang="en-US" altLang="zh-CN" dirty="0">
+              <a:rPr lang="en-US" altLang="zh-CN" dirty="0" smtClean="0">
                 <a:solidFill>
                   <a:srgbClr val="000000"/>
                 </a:solidFill>
               </a:rPr>
-              <a:t>9/22</a:t>
-            </a:r>
+              <a:t>8/14</a:t>
+            </a:r>
+            <a:endParaRPr lang="en-US" altLang="zh-CN" dirty="0">
+              <a:solidFill>
+                <a:srgbClr val="000000"/>
+              </a:solidFill>
+            </a:endParaRPr>
           </a:p>
         </p:txBody>
       </p:sp>
@@ -19274,13 +19432,18 @@
           <a:lstStyle/>
           <a:p>
             <a:r>
-              <a:rPr lang="en-US" altLang="zh-CN" dirty="0">
+              <a:rPr lang="en-US" altLang="zh-CN" dirty="0" smtClean="0">
                 <a:solidFill>
                   <a:srgbClr val="000000"/>
                 </a:solidFill>
               </a:rPr>
-              <a:t>9/22</a:t>
-            </a:r>
+              <a:t>9/14</a:t>
+            </a:r>
+            <a:endParaRPr lang="en-US" altLang="zh-CN" dirty="0">
+              <a:solidFill>
+                <a:srgbClr val="000000"/>
+              </a:solidFill>
+            </a:endParaRPr>
           </a:p>
         </p:txBody>
       </p:sp>

--- a/ppt/yyx_v1.0.pptx
+++ b/ppt/yyx_v1.0.pptx
@@ -7,10 +7,10 @@
     <p:sldMasterId id="2147483672" r:id="rId3"/>
   </p:sldMasterIdLst>
   <p:notesMasterIdLst>
-    <p:notesMasterId r:id="rId18"/>
+    <p:notesMasterId r:id="rId17"/>
   </p:notesMasterIdLst>
   <p:handoutMasterIdLst>
-    <p:handoutMasterId r:id="rId19"/>
+    <p:handoutMasterId r:id="rId18"/>
   </p:handoutMasterIdLst>
   <p:sldIdLst>
     <p:sldId id="279" r:id="rId4"/>
@@ -18,15 +18,14 @@
     <p:sldId id="258" r:id="rId6"/>
     <p:sldId id="282" r:id="rId7"/>
     <p:sldId id="264" r:id="rId8"/>
-    <p:sldId id="265" r:id="rId9"/>
-    <p:sldId id="284" r:id="rId10"/>
-    <p:sldId id="286" r:id="rId11"/>
-    <p:sldId id="267" r:id="rId12"/>
-    <p:sldId id="285" r:id="rId13"/>
-    <p:sldId id="268" r:id="rId14"/>
-    <p:sldId id="289" r:id="rId15"/>
-    <p:sldId id="271" r:id="rId16"/>
-    <p:sldId id="273" r:id="rId17"/>
+    <p:sldId id="284" r:id="rId9"/>
+    <p:sldId id="286" r:id="rId10"/>
+    <p:sldId id="267" r:id="rId11"/>
+    <p:sldId id="285" r:id="rId12"/>
+    <p:sldId id="268" r:id="rId13"/>
+    <p:sldId id="289" r:id="rId14"/>
+    <p:sldId id="271" r:id="rId15"/>
+    <p:sldId id="273" r:id="rId16"/>
   </p:sldIdLst>
   <p:sldSz cx="9144000" cy="6858000" type="screen4x3"/>
   <p:notesSz cx="6858000" cy="9144000"/>
@@ -215,7 +214,7 @@
           <a:p>
             <a:fld id="{41C171BD-44C2-486C-A04B-5A7F58ADE3A6}" type="datetimeFigureOut">
               <a:rPr lang="zh-CN" altLang="en-US" smtClean="0"/>
-              <a:t>2017/1/9</a:t>
+              <a:t>2017/1/10</a:t>
             </a:fld>
             <a:endParaRPr lang="zh-CN" altLang="en-US"/>
           </a:p>
@@ -381,7 +380,7 @@
           <a:p>
             <a:fld id="{52870B4D-8E9B-40BE-BFA7-166D04D852CD}" type="datetimeFigureOut">
               <a:rPr lang="zh-CN" altLang="en-US" smtClean="0"/>
-              <a:t>2017/1/9</a:t>
+              <a:t>2017/1/10</a:t>
             </a:fld>
             <a:endParaRPr lang="zh-CN" altLang="en-US"/>
           </a:p>
@@ -790,36 +789,7 @@
           <a:bodyPr/>
           <a:lstStyle/>
           <a:p>
-            <a:r>
-              <a:rPr lang="zh-CN" altLang="en-US" dirty="0"/>
-              <a:t>总结一下文献调研的结果，可以发现</a:t>
-            </a:r>
-            <a:r>
-              <a:rPr lang="en-US" altLang="zh-CN" dirty="0"/>
-              <a:t>……</a:t>
-            </a:r>
-          </a:p>
-          <a:p>
-            <a:r>
-              <a:rPr lang="zh-CN" altLang="en-US" dirty="0"/>
-              <a:t>而</a:t>
-            </a:r>
-            <a:r>
-              <a:rPr lang="en-US" altLang="zh-CN" dirty="0"/>
-              <a:t>oxide TFT</a:t>
-            </a:r>
-            <a:r>
-              <a:rPr lang="zh-CN" altLang="en-US" dirty="0"/>
-              <a:t>相对于</a:t>
-            </a:r>
-            <a:r>
-              <a:rPr lang="en-US" altLang="zh-CN" dirty="0"/>
-              <a:t>organic TFT</a:t>
-            </a:r>
-            <a:r>
-              <a:rPr lang="zh-CN" altLang="en-US" dirty="0"/>
-              <a:t>由于具有更高迁移率、更高精度工艺、更低成本，或许能够成为柔性电路的一个突破点</a:t>
-            </a:r>
+            <a:endParaRPr lang="zh-CN" altLang="en-US" dirty="0"/>
           </a:p>
         </p:txBody>
       </p:sp>
@@ -849,7 +819,7 @@
     </p:spTree>
     <p:extLst>
       <p:ext uri="{BB962C8B-B14F-4D97-AF65-F5344CB8AC3E}">
-        <p14:creationId xmlns:p14="http://schemas.microsoft.com/office/powerpoint/2010/main" val="695932727"/>
+        <p14:creationId xmlns:p14="http://schemas.microsoft.com/office/powerpoint/2010/main" val="3531225097"/>
       </p:ext>
     </p:extLst>
   </p:cSld>
@@ -925,90 +895,6 @@
             <a:fld id="{E49FE5E3-45E0-401A-BDC7-016727830831}" type="slidenum">
               <a:rPr lang="zh-CN" altLang="en-US" smtClean="0"/>
               <a:t>12</a:t>
-            </a:fld>
-            <a:endParaRPr lang="zh-CN" altLang="en-US"/>
-          </a:p>
-        </p:txBody>
-      </p:sp>
-    </p:spTree>
-    <p:extLst>
-      <p:ext uri="{BB962C8B-B14F-4D97-AF65-F5344CB8AC3E}">
-        <p14:creationId xmlns:p14="http://schemas.microsoft.com/office/powerpoint/2010/main" val="3531225097"/>
-      </p:ext>
-    </p:extLst>
-  </p:cSld>
-  <p:clrMapOvr>
-    <a:masterClrMapping/>
-  </p:clrMapOvr>
-</p:notes>
-</file>
-
-<file path=ppt/notesSlides/notesSlide12.xml><?xml version="1.0" encoding="utf-8"?>
-<p:notes xmlns:a="http://schemas.openxmlformats.org/drawingml/2006/main" xmlns:r="http://schemas.openxmlformats.org/officeDocument/2006/relationships" xmlns:p="http://schemas.openxmlformats.org/presentationml/2006/main">
-  <p:cSld>
-    <p:spTree>
-      <p:nvGrpSpPr>
-        <p:cNvPr id="1" name=""/>
-        <p:cNvGrpSpPr/>
-        <p:nvPr/>
-      </p:nvGrpSpPr>
-      <p:grpSpPr>
-        <a:xfrm>
-          <a:off x="0" y="0"/>
-          <a:ext cx="0" cy="0"/>
-          <a:chOff x="0" y="0"/>
-          <a:chExt cx="0" cy="0"/>
-        </a:xfrm>
-      </p:grpSpPr>
-      <p:sp>
-        <p:nvSpPr>
-          <p:cNvPr id="2" name="幻灯片图像占位符 1"/>
-          <p:cNvSpPr>
-            <a:spLocks noGrp="1" noRot="1" noChangeAspect="1"/>
-          </p:cNvSpPr>
-          <p:nvPr>
-            <p:ph type="sldImg"/>
-          </p:nvPr>
-        </p:nvSpPr>
-        <p:spPr/>
-      </p:sp>
-      <p:sp>
-        <p:nvSpPr>
-          <p:cNvPr id="3" name="备注占位符 2"/>
-          <p:cNvSpPr>
-            <a:spLocks noGrp="1"/>
-          </p:cNvSpPr>
-          <p:nvPr>
-            <p:ph type="body" idx="1"/>
-          </p:nvPr>
-        </p:nvSpPr>
-        <p:spPr/>
-        <p:txBody>
-          <a:bodyPr/>
-          <a:lstStyle/>
-          <a:p>
-            <a:endParaRPr lang="zh-CN" altLang="en-US" dirty="0"/>
-          </a:p>
-        </p:txBody>
-      </p:sp>
-      <p:sp>
-        <p:nvSpPr>
-          <p:cNvPr id="4" name="灯片编号占位符 3"/>
-          <p:cNvSpPr>
-            <a:spLocks noGrp="1"/>
-          </p:cNvSpPr>
-          <p:nvPr>
-            <p:ph type="sldNum" sz="quarter" idx="10"/>
-          </p:nvPr>
-        </p:nvSpPr>
-        <p:spPr/>
-        <p:txBody>
-          <a:bodyPr/>
-          <a:lstStyle/>
-          <a:p>
-            <a:fld id="{E49FE5E3-45E0-401A-BDC7-016727830831}" type="slidenum">
-              <a:rPr lang="zh-CN" altLang="en-US" smtClean="0"/>
-              <a:t>13</a:t>
             </a:fld>
             <a:endParaRPr lang="zh-CN" altLang="en-US"/>
           </a:p>
@@ -1575,82 +1461,43 @@
           <a:bodyPr/>
           <a:lstStyle/>
           <a:p>
+            <a:pPr marL="342900" lvl="1" indent="0">
+              <a:spcBef>
+                <a:spcPts val="0"/>
+              </a:spcBef>
+              <a:spcAft>
+                <a:spcPts val="1200"/>
+              </a:spcAft>
+              <a:buNone/>
+            </a:pPr>
+            <a:r>
+              <a:rPr lang="en-US" altLang="zh-CN" dirty="0"/>
+              <a:t>DAC</a:t>
+            </a:r>
             <a:r>
               <a:rPr lang="zh-CN" altLang="en-US" dirty="0"/>
-              <a:t>实验室中主流的研究方向是</a:t>
+              <a:t>制约</a:t>
             </a:r>
             <a:r>
               <a:rPr lang="en-US" altLang="zh-CN" dirty="0"/>
-              <a:t>Organic</a:t>
+              <a:t>NCO</a:t>
             </a:r>
             <a:r>
               <a:rPr lang="zh-CN" altLang="en-US" dirty="0"/>
-              <a:t>有机</a:t>
+              <a:t>无法实现时钟</a:t>
             </a:r>
             <a:r>
               <a:rPr lang="en-US" altLang="zh-CN" dirty="0"/>
-              <a:t>TFT</a:t>
+              <a:t>10GHz </a:t>
             </a:r>
             <a:r>
               <a:rPr lang="zh-CN" altLang="en-US" dirty="0"/>
-              <a:t>，而在显示产业中实际能够量产的</a:t>
-            </a:r>
-            <a:r>
-              <a:rPr lang="en-US" altLang="zh-CN" dirty="0"/>
-              <a:t>TFT</a:t>
-            </a:r>
-            <a:r>
-              <a:rPr lang="zh-CN" altLang="en-US" dirty="0"/>
-              <a:t>分为</a:t>
-            </a:r>
-            <a:r>
-              <a:rPr lang="en-US" altLang="zh-CN" dirty="0"/>
-              <a:t>3</a:t>
-            </a:r>
-            <a:r>
-              <a:rPr lang="zh-CN" altLang="en-US" dirty="0"/>
-              <a:t>类，根据其有源层不同分为</a:t>
-            </a:r>
-            <a:r>
-              <a:rPr lang="en-US" altLang="zh-CN" dirty="0"/>
-              <a:t>……</a:t>
-            </a:r>
-            <a:r>
-              <a:rPr lang="zh-CN" altLang="en-US" dirty="0"/>
-              <a:t>其中，</a:t>
-            </a:r>
-            <a:r>
-              <a:rPr lang="en-US" altLang="zh-CN" dirty="0"/>
-              <a:t>Oxide</a:t>
-            </a:r>
-            <a:r>
-              <a:rPr lang="zh-CN" altLang="en-US" dirty="0"/>
-              <a:t>氧化物</a:t>
-            </a:r>
-            <a:r>
-              <a:rPr lang="en-US" altLang="zh-CN" dirty="0"/>
-              <a:t>TFT</a:t>
-            </a:r>
-            <a:r>
-              <a:rPr lang="zh-CN" altLang="en-US" dirty="0"/>
-              <a:t>由于（</a:t>
-            </a:r>
-            <a:r>
-              <a:rPr lang="en-US" altLang="zh-CN" dirty="0"/>
-              <a:t>……</a:t>
-            </a:r>
-            <a:r>
-              <a:rPr lang="zh-CN" altLang="en-US" dirty="0"/>
-              <a:t>优势），因此，可以看出</a:t>
-            </a:r>
-            <a:r>
-              <a:rPr lang="en-US" altLang="zh-CN" dirty="0" err="1"/>
-              <a:t>oxideTFT</a:t>
-            </a:r>
-            <a:r>
-              <a:rPr lang="zh-CN" altLang="en-US" dirty="0"/>
-              <a:t>在未来柔性电路中的具有很大的发展潜力</a:t>
-            </a:r>
+              <a:t>以上超高速综合器</a:t>
+            </a:r>
+            <a:endParaRPr lang="en-US" altLang="zh-CN" dirty="0"/>
+          </a:p>
+          <a:p>
+            <a:endParaRPr lang="zh-CN" altLang="en-US" dirty="0"/>
           </a:p>
         </p:txBody>
       </p:sp>
@@ -1671,7 +1518,7 @@
           <a:p>
             <a:fld id="{E49FE5E3-45E0-401A-BDC7-016727830831}" type="slidenum">
               <a:rPr lang="zh-CN" altLang="en-US" smtClean="0"/>
-              <a:t>6</a:t>
+              <a:t>7</a:t>
             </a:fld>
             <a:endParaRPr lang="zh-CN" altLang="en-US"/>
           </a:p>
@@ -1680,7 +1527,7 @@
     </p:spTree>
     <p:extLst>
       <p:ext uri="{BB962C8B-B14F-4D97-AF65-F5344CB8AC3E}">
-        <p14:creationId xmlns:p14="http://schemas.microsoft.com/office/powerpoint/2010/main" val="945059335"/>
+        <p14:creationId xmlns:p14="http://schemas.microsoft.com/office/powerpoint/2010/main" val="1741478004"/>
       </p:ext>
     </p:extLst>
   </p:cSld>
@@ -1734,40 +1581,199 @@
           <a:bodyPr/>
           <a:lstStyle/>
           <a:p>
-            <a:pPr marL="342900" lvl="1" indent="0">
+            <a:pPr marL="0" marR="0" indent="0" algn="l" defTabSz="914400" rtl="0" eaLnBrk="1" fontAlgn="auto" latinLnBrk="0" hangingPunct="1">
+              <a:lnSpc>
+                <a:spcPct val="100000"/>
+              </a:lnSpc>
               <a:spcBef>
                 <a:spcPts val="0"/>
               </a:spcBef>
               <a:spcAft>
-                <a:spcPts val="1200"/>
+                <a:spcPts val="0"/>
               </a:spcAft>
+              <a:buClrTx/>
+              <a:buSzTx/>
+              <a:buFontTx/>
               <a:buNone/>
+              <a:tabLst/>
+              <a:defRPr/>
             </a:pPr>
             <a:r>
+              <a:rPr lang="zh-CN" altLang="en-US" dirty="0"/>
+              <a:t>经过调研，之前一共有</a:t>
+            </a:r>
+            <a:r>
               <a:rPr lang="en-US" altLang="zh-CN" dirty="0"/>
-              <a:t>DAC</a:t>
+              <a:t>4</a:t>
             </a:r>
             <a:r>
               <a:rPr lang="zh-CN" altLang="en-US" dirty="0"/>
-              <a:t>制约</a:t>
+              <a:t>篇文献做过</a:t>
             </a:r>
             <a:r>
               <a:rPr lang="en-US" altLang="zh-CN" dirty="0"/>
-              <a:t>NCO</a:t>
+              <a:t>TFT-ADC</a:t>
             </a:r>
             <a:r>
               <a:rPr lang="zh-CN" altLang="en-US" dirty="0"/>
-              <a:t>无法实现时钟</a:t>
+              <a:t>并流片的工作，其中两篇</a:t>
             </a:r>
             <a:r>
               <a:rPr lang="en-US" altLang="zh-CN" dirty="0"/>
-              <a:t>10GHz </a:t>
+              <a:t>SAR-ADC</a:t>
             </a:r>
             <a:r>
               <a:rPr lang="zh-CN" altLang="en-US" dirty="0"/>
-              <a:t>以上超高速综合器</a:t>
-            </a:r>
-            <a:endParaRPr lang="en-US" altLang="zh-CN" dirty="0"/>
+              <a:t>结构、一篇</a:t>
+            </a:r>
+            <a:r>
+              <a:rPr lang="en-US" altLang="zh-CN" sz="1200" b="1" kern="1200" dirty="0">
+                <a:solidFill>
+                  <a:srgbClr val="000066"/>
+                </a:solidFill>
+                <a:latin typeface="+mn-lt"/>
+                <a:ea typeface="+mn-ea"/>
+                <a:cs typeface="+mn-cs"/>
+              </a:rPr>
+              <a:t>∑-∆</a:t>
+            </a:r>
+            <a:r>
+              <a:rPr lang="zh-CN" altLang="en-US" sz="1200" b="1" kern="1200" dirty="0">
+                <a:solidFill>
+                  <a:srgbClr val="000066"/>
+                </a:solidFill>
+                <a:latin typeface="+mn-lt"/>
+                <a:ea typeface="+mn-ea"/>
+                <a:cs typeface="+mn-cs"/>
+              </a:rPr>
+              <a:t>结构以及一篇</a:t>
+            </a:r>
+            <a:r>
+              <a:rPr lang="en-US" altLang="zh-CN" sz="1200" b="1" kern="1200" dirty="0">
+                <a:solidFill>
+                  <a:srgbClr val="000066"/>
+                </a:solidFill>
+                <a:latin typeface="+mn-lt"/>
+                <a:ea typeface="+mn-ea"/>
+                <a:cs typeface="+mn-cs"/>
+              </a:rPr>
+              <a:t>VCO</a:t>
+            </a:r>
+            <a:r>
+              <a:rPr lang="zh-CN" altLang="en-US" sz="1200" b="1" kern="1200" dirty="0">
+                <a:solidFill>
+                  <a:srgbClr val="000066"/>
+                </a:solidFill>
+                <a:latin typeface="+mn-lt"/>
+                <a:ea typeface="+mn-ea"/>
+                <a:cs typeface="+mn-cs"/>
+              </a:rPr>
+              <a:t>型。</a:t>
+            </a:r>
+            <a:endParaRPr lang="en-US" altLang="zh-CN" sz="1200" b="1" kern="1200" dirty="0">
+              <a:solidFill>
+                <a:srgbClr val="000066"/>
+              </a:solidFill>
+              <a:latin typeface="+mn-lt"/>
+              <a:ea typeface="+mn-ea"/>
+              <a:cs typeface="+mn-cs"/>
+            </a:endParaRPr>
+          </a:p>
+          <a:p>
+            <a:pPr marL="0" marR="0" indent="0" algn="l" defTabSz="914400" rtl="0" eaLnBrk="1" fontAlgn="auto" latinLnBrk="0" hangingPunct="1">
+              <a:lnSpc>
+                <a:spcPct val="100000"/>
+              </a:lnSpc>
+              <a:spcBef>
+                <a:spcPts val="0"/>
+              </a:spcBef>
+              <a:spcAft>
+                <a:spcPts val="0"/>
+              </a:spcAft>
+              <a:buClrTx/>
+              <a:buSzTx/>
+              <a:buFontTx/>
+              <a:buNone/>
+              <a:tabLst/>
+              <a:defRPr/>
+            </a:pPr>
+            <a:r>
+              <a:rPr lang="zh-CN" altLang="en-US" sz="1200" b="1" kern="1200" dirty="0">
+                <a:solidFill>
+                  <a:srgbClr val="000066"/>
+                </a:solidFill>
+                <a:latin typeface="+mn-lt"/>
+                <a:ea typeface="+mn-ea"/>
+                <a:cs typeface="+mn-cs"/>
+              </a:rPr>
+              <a:t>四个工作都是基于实验室环境下的有机</a:t>
+            </a:r>
+            <a:r>
+              <a:rPr lang="en-US" altLang="zh-CN" sz="1200" b="1" kern="1200" dirty="0">
+                <a:solidFill>
+                  <a:srgbClr val="000066"/>
+                </a:solidFill>
+                <a:latin typeface="+mn-lt"/>
+                <a:ea typeface="+mn-ea"/>
+                <a:cs typeface="+mn-cs"/>
+              </a:rPr>
+              <a:t>TFT</a:t>
+            </a:r>
+            <a:r>
+              <a:rPr lang="zh-CN" altLang="en-US" sz="1200" b="1" kern="1200" dirty="0">
+                <a:solidFill>
+                  <a:srgbClr val="000066"/>
+                </a:solidFill>
+                <a:latin typeface="+mn-lt"/>
+                <a:ea typeface="+mn-ea"/>
+                <a:cs typeface="+mn-cs"/>
+              </a:rPr>
+              <a:t>，精度分别为</a:t>
+            </a:r>
+            <a:r>
+              <a:rPr lang="en-US" altLang="zh-CN" sz="1200" b="1" kern="1200" dirty="0">
+                <a:solidFill>
+                  <a:srgbClr val="000066"/>
+                </a:solidFill>
+                <a:latin typeface="+mn-lt"/>
+                <a:ea typeface="+mn-ea"/>
+                <a:cs typeface="+mn-cs"/>
+              </a:rPr>
+              <a:t>……</a:t>
+            </a:r>
+            <a:r>
+              <a:rPr lang="zh-CN" altLang="en-US" sz="1200" b="1" kern="1200" dirty="0">
+                <a:solidFill>
+                  <a:srgbClr val="000066"/>
+                </a:solidFill>
+                <a:latin typeface="+mn-lt"/>
+                <a:ea typeface="+mn-ea"/>
+                <a:cs typeface="+mn-cs"/>
+              </a:rPr>
+              <a:t>表中给出了一些</a:t>
+            </a:r>
+            <a:r>
+              <a:rPr lang="en-US" altLang="zh-CN" sz="1200" b="1" kern="1200" dirty="0">
+                <a:solidFill>
+                  <a:srgbClr val="000066"/>
+                </a:solidFill>
+                <a:latin typeface="+mn-lt"/>
+                <a:ea typeface="+mn-ea"/>
+                <a:cs typeface="+mn-cs"/>
+              </a:rPr>
+              <a:t>ADC</a:t>
+            </a:r>
+            <a:r>
+              <a:rPr lang="zh-CN" altLang="en-US" sz="1200" b="1" kern="1200" dirty="0">
+                <a:solidFill>
+                  <a:srgbClr val="000066"/>
+                </a:solidFill>
+                <a:latin typeface="+mn-lt"/>
+                <a:ea typeface="+mn-ea"/>
+                <a:cs typeface="+mn-cs"/>
+              </a:rPr>
+              <a:t>指标，下面将就每个文献的工作作详细分析</a:t>
+            </a:r>
           </a:p>
           <a:p>
             <a:endParaRPr lang="zh-CN" altLang="en-US" dirty="0"/>
@@ -1800,7 +1806,7 @@
     </p:spTree>
     <p:extLst>
       <p:ext uri="{BB962C8B-B14F-4D97-AF65-F5344CB8AC3E}">
-        <p14:creationId xmlns:p14="http://schemas.microsoft.com/office/powerpoint/2010/main" val="1741478004"/>
+        <p14:creationId xmlns:p14="http://schemas.microsoft.com/office/powerpoint/2010/main" val="3963488404"/>
       </p:ext>
     </p:extLst>
   </p:cSld>
@@ -1854,199 +1860,15 @@
           <a:bodyPr/>
           <a:lstStyle/>
           <a:p>
-            <a:pPr marL="0" marR="0" indent="0" algn="l" defTabSz="914400" rtl="0" eaLnBrk="1" fontAlgn="auto" latinLnBrk="0" hangingPunct="1">
-              <a:lnSpc>
-                <a:spcPct val="100000"/>
-              </a:lnSpc>
+            <a:pPr lvl="1">
               <a:spcBef>
                 <a:spcPts val="0"/>
               </a:spcBef>
               <a:spcAft>
-                <a:spcPts val="0"/>
+                <a:spcPts val="1200"/>
               </a:spcAft>
-              <a:buClrTx/>
-              <a:buSzTx/>
-              <a:buFontTx/>
-              <a:buNone/>
-              <a:tabLst/>
-              <a:defRPr/>
             </a:pPr>
-            <a:r>
-              <a:rPr lang="zh-CN" altLang="en-US" dirty="0"/>
-              <a:t>经过调研，之前一共有</a:t>
-            </a:r>
-            <a:r>
-              <a:rPr lang="en-US" altLang="zh-CN" dirty="0"/>
-              <a:t>4</a:t>
-            </a:r>
-            <a:r>
-              <a:rPr lang="zh-CN" altLang="en-US" dirty="0"/>
-              <a:t>篇文献做过</a:t>
-            </a:r>
-            <a:r>
-              <a:rPr lang="en-US" altLang="zh-CN" dirty="0"/>
-              <a:t>TFT-ADC</a:t>
-            </a:r>
-            <a:r>
-              <a:rPr lang="zh-CN" altLang="en-US" dirty="0"/>
-              <a:t>并流片的工作，其中两篇</a:t>
-            </a:r>
-            <a:r>
-              <a:rPr lang="en-US" altLang="zh-CN" dirty="0"/>
-              <a:t>SAR-ADC</a:t>
-            </a:r>
-            <a:r>
-              <a:rPr lang="zh-CN" altLang="en-US" dirty="0"/>
-              <a:t>结构、一篇</a:t>
-            </a:r>
-            <a:r>
-              <a:rPr lang="en-US" altLang="zh-CN" sz="1200" b="1" kern="1200" dirty="0">
-                <a:solidFill>
-                  <a:srgbClr val="000066"/>
-                </a:solidFill>
-                <a:latin typeface="+mn-lt"/>
-                <a:ea typeface="+mn-ea"/>
-                <a:cs typeface="+mn-cs"/>
-              </a:rPr>
-              <a:t>∑-∆</a:t>
-            </a:r>
-            <a:r>
-              <a:rPr lang="zh-CN" altLang="en-US" sz="1200" b="1" kern="1200" dirty="0">
-                <a:solidFill>
-                  <a:srgbClr val="000066"/>
-                </a:solidFill>
-                <a:latin typeface="+mn-lt"/>
-                <a:ea typeface="+mn-ea"/>
-                <a:cs typeface="+mn-cs"/>
-              </a:rPr>
-              <a:t>结构以及一篇</a:t>
-            </a:r>
-            <a:r>
-              <a:rPr lang="en-US" altLang="zh-CN" sz="1200" b="1" kern="1200" dirty="0">
-                <a:solidFill>
-                  <a:srgbClr val="000066"/>
-                </a:solidFill>
-                <a:latin typeface="+mn-lt"/>
-                <a:ea typeface="+mn-ea"/>
-                <a:cs typeface="+mn-cs"/>
-              </a:rPr>
-              <a:t>VCO</a:t>
-            </a:r>
-            <a:r>
-              <a:rPr lang="zh-CN" altLang="en-US" sz="1200" b="1" kern="1200" dirty="0">
-                <a:solidFill>
-                  <a:srgbClr val="000066"/>
-                </a:solidFill>
-                <a:latin typeface="+mn-lt"/>
-                <a:ea typeface="+mn-ea"/>
-                <a:cs typeface="+mn-cs"/>
-              </a:rPr>
-              <a:t>型。</a:t>
-            </a:r>
-            <a:endParaRPr lang="en-US" altLang="zh-CN" sz="1200" b="1" kern="1200" dirty="0">
-              <a:solidFill>
-                <a:srgbClr val="000066"/>
-              </a:solidFill>
-              <a:latin typeface="+mn-lt"/>
-              <a:ea typeface="+mn-ea"/>
-              <a:cs typeface="+mn-cs"/>
-            </a:endParaRPr>
-          </a:p>
-          <a:p>
-            <a:pPr marL="0" marR="0" indent="0" algn="l" defTabSz="914400" rtl="0" eaLnBrk="1" fontAlgn="auto" latinLnBrk="0" hangingPunct="1">
-              <a:lnSpc>
-                <a:spcPct val="100000"/>
-              </a:lnSpc>
-              <a:spcBef>
-                <a:spcPts val="0"/>
-              </a:spcBef>
-              <a:spcAft>
-                <a:spcPts val="0"/>
-              </a:spcAft>
-              <a:buClrTx/>
-              <a:buSzTx/>
-              <a:buFontTx/>
-              <a:buNone/>
-              <a:tabLst/>
-              <a:defRPr/>
-            </a:pPr>
-            <a:r>
-              <a:rPr lang="zh-CN" altLang="en-US" sz="1200" b="1" kern="1200" dirty="0">
-                <a:solidFill>
-                  <a:srgbClr val="000066"/>
-                </a:solidFill>
-                <a:latin typeface="+mn-lt"/>
-                <a:ea typeface="+mn-ea"/>
-                <a:cs typeface="+mn-cs"/>
-              </a:rPr>
-              <a:t>四个工作都是基于实验室环境下的有机</a:t>
-            </a:r>
-            <a:r>
-              <a:rPr lang="en-US" altLang="zh-CN" sz="1200" b="1" kern="1200" dirty="0">
-                <a:solidFill>
-                  <a:srgbClr val="000066"/>
-                </a:solidFill>
-                <a:latin typeface="+mn-lt"/>
-                <a:ea typeface="+mn-ea"/>
-                <a:cs typeface="+mn-cs"/>
-              </a:rPr>
-              <a:t>TFT</a:t>
-            </a:r>
-            <a:r>
-              <a:rPr lang="zh-CN" altLang="en-US" sz="1200" b="1" kern="1200" dirty="0">
-                <a:solidFill>
-                  <a:srgbClr val="000066"/>
-                </a:solidFill>
-                <a:latin typeface="+mn-lt"/>
-                <a:ea typeface="+mn-ea"/>
-                <a:cs typeface="+mn-cs"/>
-              </a:rPr>
-              <a:t>，精度分别为</a:t>
-            </a:r>
-            <a:r>
-              <a:rPr lang="en-US" altLang="zh-CN" sz="1200" b="1" kern="1200" dirty="0">
-                <a:solidFill>
-                  <a:srgbClr val="000066"/>
-                </a:solidFill>
-                <a:latin typeface="+mn-lt"/>
-                <a:ea typeface="+mn-ea"/>
-                <a:cs typeface="+mn-cs"/>
-              </a:rPr>
-              <a:t>……</a:t>
-            </a:r>
-            <a:r>
-              <a:rPr lang="zh-CN" altLang="en-US" sz="1200" b="1" kern="1200" dirty="0">
-                <a:solidFill>
-                  <a:srgbClr val="000066"/>
-                </a:solidFill>
-                <a:latin typeface="+mn-lt"/>
-                <a:ea typeface="+mn-ea"/>
-                <a:cs typeface="+mn-cs"/>
-              </a:rPr>
-              <a:t>表中给出了一些</a:t>
-            </a:r>
-            <a:r>
-              <a:rPr lang="en-US" altLang="zh-CN" sz="1200" b="1" kern="1200" dirty="0">
-                <a:solidFill>
-                  <a:srgbClr val="000066"/>
-                </a:solidFill>
-                <a:latin typeface="+mn-lt"/>
-                <a:ea typeface="+mn-ea"/>
-                <a:cs typeface="+mn-cs"/>
-              </a:rPr>
-              <a:t>ADC</a:t>
-            </a:r>
-            <a:r>
-              <a:rPr lang="zh-CN" altLang="en-US" sz="1200" b="1" kern="1200" dirty="0">
-                <a:solidFill>
-                  <a:srgbClr val="000066"/>
-                </a:solidFill>
-                <a:latin typeface="+mn-lt"/>
-                <a:ea typeface="+mn-ea"/>
-                <a:cs typeface="+mn-cs"/>
-              </a:rPr>
-              <a:t>指标，下面将就每个文献的工作作详细分析</a:t>
-            </a:r>
+            <a:endParaRPr lang="en-US" altLang="zh-CN" dirty="0"/>
           </a:p>
           <a:p>
             <a:endParaRPr lang="zh-CN" altLang="en-US" dirty="0"/>
@@ -2079,7 +1901,7 @@
     </p:spTree>
     <p:extLst>
       <p:ext uri="{BB962C8B-B14F-4D97-AF65-F5344CB8AC3E}">
-        <p14:creationId xmlns:p14="http://schemas.microsoft.com/office/powerpoint/2010/main" val="3963488404"/>
+        <p14:creationId xmlns:p14="http://schemas.microsoft.com/office/powerpoint/2010/main" val="1154387684"/>
       </p:ext>
     </p:extLst>
   </p:cSld>
@@ -2133,18 +1955,36 @@
           <a:bodyPr/>
           <a:lstStyle/>
           <a:p>
-            <a:pPr lvl="1">
-              <a:spcBef>
-                <a:spcPts val="0"/>
-              </a:spcBef>
-              <a:spcAft>
-                <a:spcPts val="1200"/>
-              </a:spcAft>
-            </a:pPr>
-            <a:endParaRPr lang="en-US" altLang="zh-CN" dirty="0"/>
-          </a:p>
-          <a:p>
-            <a:endParaRPr lang="zh-CN" altLang="en-US" dirty="0"/>
+            <a:r>
+              <a:rPr lang="zh-CN" altLang="en-US" dirty="0"/>
+              <a:t>总结一下文献调研的结果，可以发现</a:t>
+            </a:r>
+            <a:r>
+              <a:rPr lang="en-US" altLang="zh-CN" dirty="0"/>
+              <a:t>……</a:t>
+            </a:r>
+          </a:p>
+          <a:p>
+            <a:r>
+              <a:rPr lang="zh-CN" altLang="en-US" dirty="0"/>
+              <a:t>而</a:t>
+            </a:r>
+            <a:r>
+              <a:rPr lang="en-US" altLang="zh-CN" dirty="0"/>
+              <a:t>oxide TFT</a:t>
+            </a:r>
+            <a:r>
+              <a:rPr lang="zh-CN" altLang="en-US" dirty="0"/>
+              <a:t>相对于</a:t>
+            </a:r>
+            <a:r>
+              <a:rPr lang="en-US" altLang="zh-CN" dirty="0"/>
+              <a:t>organic TFT</a:t>
+            </a:r>
+            <a:r>
+              <a:rPr lang="zh-CN" altLang="en-US" dirty="0"/>
+              <a:t>由于具有更高迁移率、更高精度工艺、更低成本，或许能够成为柔性电路的一个突破点</a:t>
+            </a:r>
           </a:p>
         </p:txBody>
       </p:sp>
@@ -2174,7 +2014,7 @@
     </p:spTree>
     <p:extLst>
       <p:ext uri="{BB962C8B-B14F-4D97-AF65-F5344CB8AC3E}">
-        <p14:creationId xmlns:p14="http://schemas.microsoft.com/office/powerpoint/2010/main" val="1154387684"/>
+        <p14:creationId xmlns:p14="http://schemas.microsoft.com/office/powerpoint/2010/main" val="695932727"/>
       </p:ext>
     </p:extLst>
   </p:cSld>
@@ -12779,7 +12619,7 @@
                   <a:srgbClr val="000000"/>
                 </a:solidFill>
               </a:rPr>
-              <a:t>1/14</a:t>
+              <a:t>1/13</a:t>
             </a:r>
             <a:endParaRPr lang="en-US" altLang="zh-CN" sz="1050" dirty="0">
               <a:solidFill>
@@ -12819,690 +12659,288 @@
           <a:chExt cx="0" cy="0"/>
         </a:xfrm>
       </p:grpSpPr>
-      <p:grpSp>
-        <p:nvGrpSpPr>
-          <p:cNvPr id="13" name="组合 12"/>
-          <p:cNvGrpSpPr/>
-          <p:nvPr/>
-        </p:nvGrpSpPr>
-        <p:grpSpPr>
-          <a:xfrm>
-            <a:off x="175491" y="2799335"/>
-            <a:ext cx="8876145" cy="7780921"/>
-            <a:chOff x="175491" y="2799335"/>
-            <a:chExt cx="8876145" cy="7780921"/>
-          </a:xfrm>
-        </p:grpSpPr>
-        <p:grpSp>
-          <p:nvGrpSpPr>
-            <p:cNvPr id="11" name="组合 10"/>
-            <p:cNvGrpSpPr/>
-            <p:nvPr/>
-          </p:nvGrpSpPr>
-          <p:grpSpPr>
-            <a:xfrm>
-              <a:off x="175491" y="2799335"/>
-              <a:ext cx="8876145" cy="5956738"/>
-              <a:chOff x="175491" y="2738582"/>
-              <a:chExt cx="8876145" cy="5956738"/>
-            </a:xfrm>
-          </p:grpSpPr>
-          <p:sp>
-            <p:nvSpPr>
-              <p:cNvPr id="7" name="文本框 6"/>
-              <p:cNvSpPr txBox="1"/>
-              <p:nvPr/>
-            </p:nvSpPr>
-            <p:spPr>
-              <a:xfrm>
-                <a:off x="175491" y="2738582"/>
-                <a:ext cx="8876145" cy="707886"/>
-              </a:xfrm>
-              <a:prstGeom prst="rect">
-                <a:avLst/>
-              </a:prstGeom>
-              <a:noFill/>
-            </p:spPr>
-            <p:txBody>
-              <a:bodyPr wrap="square" rtlCol="0">
-                <a:spAutoFit/>
-              </a:bodyPr>
-              <a:lstStyle/>
-              <a:p>
-                <a:r>
-                  <a:rPr lang="en-US" altLang="zh-CN" sz="2000" dirty="0"/>
-                  <a:t>[2] A direct digital frequency synthesizer with minimized tuning latency of 12ns</a:t>
-                </a:r>
-              </a:p>
-            </p:txBody>
-          </p:sp>
-          <p:sp>
-            <p:nvSpPr>
-              <p:cNvPr id="8" name="内容占位符 2"/>
-              <p:cNvSpPr txBox="1">
-                <a:spLocks/>
-              </p:cNvSpPr>
-              <p:nvPr/>
-            </p:nvSpPr>
-            <p:spPr bwMode="auto">
-              <a:xfrm>
-                <a:off x="217055" y="3529595"/>
-                <a:ext cx="8686800" cy="5165725"/>
-              </a:xfrm>
-              <a:prstGeom prst="rect">
-                <a:avLst/>
-              </a:prstGeom>
-              <a:noFill/>
-              <a:ln w="9525">
-                <a:noFill/>
-                <a:miter lim="800000"/>
-                <a:headEnd/>
-                <a:tailEnd/>
-              </a:ln>
-              <a:effectLst/>
-            </p:spPr>
-            <p:txBody>
-              <a:bodyPr vert="horz" wrap="square" lIns="91440" tIns="45720" rIns="91440" bIns="45720" numCol="1" anchor="t" anchorCtr="0" compatLnSpc="1">
-                <a:prstTxWarp prst="textNoShape">
-                  <a:avLst/>
-                </a:prstTxWarp>
-              </a:bodyPr>
-              <a:lstStyle>
-                <a:lvl1pPr marL="257175" indent="-257175" algn="l" rtl="0" fontAlgn="base">
-                  <a:spcBef>
-                    <a:spcPct val="20000"/>
-                  </a:spcBef>
-                  <a:spcAft>
-                    <a:spcPct val="0"/>
-                  </a:spcAft>
-                  <a:buChar char="•"/>
-                  <a:defRPr sz="2400">
-                    <a:solidFill>
-                      <a:schemeClr val="tx1"/>
-                    </a:solidFill>
-                    <a:latin typeface="Arial Unicode MS" pitchFamily="34" charset="-122"/>
-                    <a:ea typeface="Arial Unicode MS" pitchFamily="34" charset="-122"/>
-                    <a:cs typeface="Arial Unicode MS" pitchFamily="34" charset="-122"/>
-                  </a:defRPr>
-                </a:lvl1pPr>
-                <a:lvl2pPr marL="557213" indent="-214313" algn="l" rtl="0" fontAlgn="base">
-                  <a:spcBef>
-                    <a:spcPct val="20000"/>
-                  </a:spcBef>
-                  <a:spcAft>
-                    <a:spcPct val="0"/>
-                  </a:spcAft>
-                  <a:buChar char="–"/>
-                  <a:defRPr sz="2100">
-                    <a:solidFill>
-                      <a:schemeClr val="tx1"/>
-                    </a:solidFill>
-                    <a:latin typeface="Arial Unicode MS" pitchFamily="34" charset="-122"/>
-                    <a:ea typeface="Arial Unicode MS" pitchFamily="34" charset="-122"/>
-                    <a:cs typeface="Arial Unicode MS" pitchFamily="34" charset="-122"/>
-                  </a:defRPr>
-                </a:lvl2pPr>
-                <a:lvl3pPr marL="857250" indent="-171450" algn="l" rtl="0" fontAlgn="base">
-                  <a:spcBef>
-                    <a:spcPct val="20000"/>
-                  </a:spcBef>
-                  <a:spcAft>
-                    <a:spcPct val="0"/>
-                  </a:spcAft>
-                  <a:buChar char="•"/>
-                  <a:defRPr sz="1800">
-                    <a:solidFill>
-                      <a:schemeClr val="tx1"/>
-                    </a:solidFill>
-                    <a:latin typeface="Arial Unicode MS" pitchFamily="34" charset="-122"/>
-                    <a:ea typeface="Arial Unicode MS" pitchFamily="34" charset="-122"/>
-                    <a:cs typeface="Arial Unicode MS" pitchFamily="34" charset="-122"/>
-                  </a:defRPr>
-                </a:lvl3pPr>
-                <a:lvl4pPr marL="1200150" indent="-171450" algn="l" rtl="0" fontAlgn="base">
-                  <a:spcBef>
-                    <a:spcPct val="20000"/>
-                  </a:spcBef>
-                  <a:spcAft>
-                    <a:spcPct val="0"/>
-                  </a:spcAft>
-                  <a:buChar char="–"/>
-                  <a:defRPr sz="1500">
-                    <a:solidFill>
-                      <a:schemeClr val="tx1"/>
-                    </a:solidFill>
-                    <a:latin typeface="Arial Unicode MS" pitchFamily="34" charset="-122"/>
-                    <a:ea typeface="Arial Unicode MS" pitchFamily="34" charset="-122"/>
-                    <a:cs typeface="Arial Unicode MS" pitchFamily="34" charset="-122"/>
-                  </a:defRPr>
-                </a:lvl4pPr>
-                <a:lvl5pPr marL="1543050" indent="-171450" algn="l" rtl="0" fontAlgn="base">
-                  <a:spcBef>
-                    <a:spcPct val="20000"/>
-                  </a:spcBef>
-                  <a:spcAft>
-                    <a:spcPct val="0"/>
-                  </a:spcAft>
-                  <a:buChar char="»"/>
-                  <a:defRPr sz="1500">
-                    <a:solidFill>
-                      <a:schemeClr val="tx1"/>
-                    </a:solidFill>
-                    <a:latin typeface="Arial Unicode MS" pitchFamily="34" charset="-122"/>
-                    <a:ea typeface="Arial Unicode MS" pitchFamily="34" charset="-122"/>
-                    <a:cs typeface="Arial Unicode MS" pitchFamily="34" charset="-122"/>
-                  </a:defRPr>
-                </a:lvl5pPr>
-                <a:lvl6pPr marL="1885950" indent="-171450" algn="l" rtl="0" fontAlgn="base">
-                  <a:spcBef>
-                    <a:spcPct val="20000"/>
-                  </a:spcBef>
-                  <a:spcAft>
-                    <a:spcPct val="0"/>
-                  </a:spcAft>
-                  <a:buChar char="»"/>
-                  <a:defRPr sz="1500">
-                    <a:solidFill>
-                      <a:schemeClr val="tx1"/>
-                    </a:solidFill>
-                    <a:latin typeface="+mn-lt"/>
-                    <a:ea typeface="+mn-ea"/>
-                  </a:defRPr>
-                </a:lvl6pPr>
-                <a:lvl7pPr marL="2228850" indent="-171450" algn="l" rtl="0" fontAlgn="base">
-                  <a:spcBef>
-                    <a:spcPct val="20000"/>
-                  </a:spcBef>
-                  <a:spcAft>
-                    <a:spcPct val="0"/>
-                  </a:spcAft>
-                  <a:buChar char="»"/>
-                  <a:defRPr sz="1500">
-                    <a:solidFill>
-                      <a:schemeClr val="tx1"/>
-                    </a:solidFill>
-                    <a:latin typeface="+mn-lt"/>
-                    <a:ea typeface="+mn-ea"/>
-                  </a:defRPr>
-                </a:lvl7pPr>
-                <a:lvl8pPr marL="2571750" indent="-171450" algn="l" rtl="0" fontAlgn="base">
-                  <a:spcBef>
-                    <a:spcPct val="20000"/>
-                  </a:spcBef>
-                  <a:spcAft>
-                    <a:spcPct val="0"/>
-                  </a:spcAft>
-                  <a:buChar char="»"/>
-                  <a:defRPr sz="1500">
-                    <a:solidFill>
-                      <a:schemeClr val="tx1"/>
-                    </a:solidFill>
-                    <a:latin typeface="+mn-lt"/>
-                    <a:ea typeface="+mn-ea"/>
-                  </a:defRPr>
-                </a:lvl8pPr>
-                <a:lvl9pPr marL="2914650" indent="-171450" algn="l" rtl="0" fontAlgn="base">
-                  <a:spcBef>
-                    <a:spcPct val="20000"/>
-                  </a:spcBef>
-                  <a:spcAft>
-                    <a:spcPct val="0"/>
-                  </a:spcAft>
-                  <a:buChar char="»"/>
-                  <a:defRPr sz="1500">
-                    <a:solidFill>
-                      <a:schemeClr val="tx1"/>
-                    </a:solidFill>
-                    <a:latin typeface="+mn-lt"/>
-                    <a:ea typeface="+mn-ea"/>
-                  </a:defRPr>
-                </a:lvl9pPr>
-              </a:lstStyle>
-              <a:p>
-                <a:pPr>
-                  <a:spcBef>
-                    <a:spcPts val="0"/>
-                  </a:spcBef>
-                  <a:spcAft>
-                    <a:spcPts val="1200"/>
-                  </a:spcAft>
-                </a:pPr>
-                <a:r>
-                  <a:rPr lang="zh-CN" altLang="en-US" sz="2000" dirty="0"/>
-                  <a:t>面临问题：传统</a:t>
-                </a:r>
-                <a:r>
-                  <a:rPr lang="en-US" altLang="zh-CN" sz="2000" dirty="0"/>
-                  <a:t>CORDIC</a:t>
-                </a:r>
-                <a:r>
-                  <a:rPr lang="zh-CN" altLang="en-US" sz="2000" dirty="0"/>
-                  <a:t>方法流水级数长，导致切换延时很大</a:t>
-                </a:r>
-                <a:endParaRPr lang="en-US" altLang="zh-CN" sz="2000" dirty="0"/>
-              </a:p>
-              <a:p>
-                <a:pPr>
-                  <a:spcBef>
-                    <a:spcPts val="0"/>
-                  </a:spcBef>
-                  <a:spcAft>
-                    <a:spcPts val="1200"/>
-                  </a:spcAft>
-                </a:pPr>
-                <a:r>
-                  <a:rPr lang="zh-CN" altLang="en-US" sz="2000" dirty="0"/>
-                  <a:t>优化方法：使用混合策略，提出</a:t>
-                </a:r>
-                <a:r>
-                  <a:rPr lang="en-US" altLang="zh-CN" sz="2000" dirty="0"/>
-                  <a:t>excess-four</a:t>
-                </a:r>
-                <a:r>
-                  <a:rPr lang="zh-CN" altLang="en-US" sz="2000" dirty="0"/>
-                  <a:t>电路结构</a:t>
-                </a:r>
-                <a:endParaRPr lang="en-US" altLang="zh-CN" sz="2000" dirty="0"/>
-              </a:p>
-            </p:txBody>
-          </p:sp>
-        </p:grpSp>
-        <p:grpSp>
-          <p:nvGrpSpPr>
-            <p:cNvPr id="3" name="组合 2"/>
-            <p:cNvGrpSpPr/>
-            <p:nvPr/>
-          </p:nvGrpSpPr>
-          <p:grpSpPr>
-            <a:xfrm>
-              <a:off x="175491" y="4623518"/>
-              <a:ext cx="8876145" cy="5956738"/>
-              <a:chOff x="175491" y="4562765"/>
-              <a:chExt cx="8876145" cy="5956738"/>
-            </a:xfrm>
-          </p:grpSpPr>
-          <p:sp>
-            <p:nvSpPr>
-              <p:cNvPr id="9" name="文本框 8"/>
-              <p:cNvSpPr txBox="1"/>
-              <p:nvPr/>
-            </p:nvSpPr>
-            <p:spPr>
-              <a:xfrm>
-                <a:off x="175491" y="4562765"/>
-                <a:ext cx="8876145" cy="707886"/>
-              </a:xfrm>
-              <a:prstGeom prst="rect">
-                <a:avLst/>
-              </a:prstGeom>
-              <a:noFill/>
-            </p:spPr>
-            <p:txBody>
-              <a:bodyPr wrap="square" rtlCol="0">
-                <a:spAutoFit/>
-              </a:bodyPr>
-              <a:lstStyle/>
-              <a:p>
-                <a:r>
-                  <a:rPr lang="en-US" altLang="zh-CN" sz="2000" dirty="0"/>
-                  <a:t>[3] A 2 GHz 130 </a:t>
-                </a:r>
-                <a:r>
-                  <a:rPr lang="en-US" altLang="zh-CN" sz="2000" dirty="0" err="1"/>
-                  <a:t>mW</a:t>
-                </a:r>
-                <a:r>
-                  <a:rPr lang="en-US" altLang="zh-CN" sz="2000" dirty="0"/>
-                  <a:t> Direct-Digital Frequency Synthesizer With a Nonlinear DAC in 55 nm CMOS</a:t>
-                </a:r>
-              </a:p>
-            </p:txBody>
-          </p:sp>
-          <p:sp>
-            <p:nvSpPr>
-              <p:cNvPr id="10" name="内容占位符 2"/>
-              <p:cNvSpPr txBox="1">
-                <a:spLocks/>
-              </p:cNvSpPr>
-              <p:nvPr/>
-            </p:nvSpPr>
-            <p:spPr bwMode="auto">
-              <a:xfrm>
-                <a:off x="217055" y="5353778"/>
-                <a:ext cx="8686800" cy="5165725"/>
-              </a:xfrm>
-              <a:prstGeom prst="rect">
-                <a:avLst/>
-              </a:prstGeom>
-              <a:noFill/>
-              <a:ln w="9525">
-                <a:noFill/>
-                <a:miter lim="800000"/>
-                <a:headEnd/>
-                <a:tailEnd/>
-              </a:ln>
-              <a:effectLst/>
-            </p:spPr>
-            <p:txBody>
-              <a:bodyPr vert="horz" wrap="square" lIns="91440" tIns="45720" rIns="91440" bIns="45720" numCol="1" anchor="t" anchorCtr="0" compatLnSpc="1">
-                <a:prstTxWarp prst="textNoShape">
-                  <a:avLst/>
-                </a:prstTxWarp>
-              </a:bodyPr>
-              <a:lstStyle>
-                <a:lvl1pPr marL="257175" indent="-257175" algn="l" rtl="0" fontAlgn="base">
-                  <a:spcBef>
-                    <a:spcPct val="20000"/>
-                  </a:spcBef>
-                  <a:spcAft>
-                    <a:spcPct val="0"/>
-                  </a:spcAft>
-                  <a:buChar char="•"/>
-                  <a:defRPr sz="2400">
-                    <a:solidFill>
-                      <a:schemeClr val="tx1"/>
-                    </a:solidFill>
-                    <a:latin typeface="Arial Unicode MS" pitchFamily="34" charset="-122"/>
-                    <a:ea typeface="Arial Unicode MS" pitchFamily="34" charset="-122"/>
-                    <a:cs typeface="Arial Unicode MS" pitchFamily="34" charset="-122"/>
-                  </a:defRPr>
-                </a:lvl1pPr>
-                <a:lvl2pPr marL="557213" indent="-214313" algn="l" rtl="0" fontAlgn="base">
-                  <a:spcBef>
-                    <a:spcPct val="20000"/>
-                  </a:spcBef>
-                  <a:spcAft>
-                    <a:spcPct val="0"/>
-                  </a:spcAft>
-                  <a:buChar char="–"/>
-                  <a:defRPr sz="2100">
-                    <a:solidFill>
-                      <a:schemeClr val="tx1"/>
-                    </a:solidFill>
-                    <a:latin typeface="Arial Unicode MS" pitchFamily="34" charset="-122"/>
-                    <a:ea typeface="Arial Unicode MS" pitchFamily="34" charset="-122"/>
-                    <a:cs typeface="Arial Unicode MS" pitchFamily="34" charset="-122"/>
-                  </a:defRPr>
-                </a:lvl2pPr>
-                <a:lvl3pPr marL="857250" indent="-171450" algn="l" rtl="0" fontAlgn="base">
-                  <a:spcBef>
-                    <a:spcPct val="20000"/>
-                  </a:spcBef>
-                  <a:spcAft>
-                    <a:spcPct val="0"/>
-                  </a:spcAft>
-                  <a:buChar char="•"/>
-                  <a:defRPr sz="1800">
-                    <a:solidFill>
-                      <a:schemeClr val="tx1"/>
-                    </a:solidFill>
-                    <a:latin typeface="Arial Unicode MS" pitchFamily="34" charset="-122"/>
-                    <a:ea typeface="Arial Unicode MS" pitchFamily="34" charset="-122"/>
-                    <a:cs typeface="Arial Unicode MS" pitchFamily="34" charset="-122"/>
-                  </a:defRPr>
-                </a:lvl3pPr>
-                <a:lvl4pPr marL="1200150" indent="-171450" algn="l" rtl="0" fontAlgn="base">
-                  <a:spcBef>
-                    <a:spcPct val="20000"/>
-                  </a:spcBef>
-                  <a:spcAft>
-                    <a:spcPct val="0"/>
-                  </a:spcAft>
-                  <a:buChar char="–"/>
-                  <a:defRPr sz="1500">
-                    <a:solidFill>
-                      <a:schemeClr val="tx1"/>
-                    </a:solidFill>
-                    <a:latin typeface="Arial Unicode MS" pitchFamily="34" charset="-122"/>
-                    <a:ea typeface="Arial Unicode MS" pitchFamily="34" charset="-122"/>
-                    <a:cs typeface="Arial Unicode MS" pitchFamily="34" charset="-122"/>
-                  </a:defRPr>
-                </a:lvl4pPr>
-                <a:lvl5pPr marL="1543050" indent="-171450" algn="l" rtl="0" fontAlgn="base">
-                  <a:spcBef>
-                    <a:spcPct val="20000"/>
-                  </a:spcBef>
-                  <a:spcAft>
-                    <a:spcPct val="0"/>
-                  </a:spcAft>
-                  <a:buChar char="»"/>
-                  <a:defRPr sz="1500">
-                    <a:solidFill>
-                      <a:schemeClr val="tx1"/>
-                    </a:solidFill>
-                    <a:latin typeface="Arial Unicode MS" pitchFamily="34" charset="-122"/>
-                    <a:ea typeface="Arial Unicode MS" pitchFamily="34" charset="-122"/>
-                    <a:cs typeface="Arial Unicode MS" pitchFamily="34" charset="-122"/>
-                  </a:defRPr>
-                </a:lvl5pPr>
-                <a:lvl6pPr marL="1885950" indent="-171450" algn="l" rtl="0" fontAlgn="base">
-                  <a:spcBef>
-                    <a:spcPct val="20000"/>
-                  </a:spcBef>
-                  <a:spcAft>
-                    <a:spcPct val="0"/>
-                  </a:spcAft>
-                  <a:buChar char="»"/>
-                  <a:defRPr sz="1500">
-                    <a:solidFill>
-                      <a:schemeClr val="tx1"/>
-                    </a:solidFill>
-                    <a:latin typeface="+mn-lt"/>
-                    <a:ea typeface="+mn-ea"/>
-                  </a:defRPr>
-                </a:lvl6pPr>
-                <a:lvl7pPr marL="2228850" indent="-171450" algn="l" rtl="0" fontAlgn="base">
-                  <a:spcBef>
-                    <a:spcPct val="20000"/>
-                  </a:spcBef>
-                  <a:spcAft>
-                    <a:spcPct val="0"/>
-                  </a:spcAft>
-                  <a:buChar char="»"/>
-                  <a:defRPr sz="1500">
-                    <a:solidFill>
-                      <a:schemeClr val="tx1"/>
-                    </a:solidFill>
-                    <a:latin typeface="+mn-lt"/>
-                    <a:ea typeface="+mn-ea"/>
-                  </a:defRPr>
-                </a:lvl7pPr>
-                <a:lvl8pPr marL="2571750" indent="-171450" algn="l" rtl="0" fontAlgn="base">
-                  <a:spcBef>
-                    <a:spcPct val="20000"/>
-                  </a:spcBef>
-                  <a:spcAft>
-                    <a:spcPct val="0"/>
-                  </a:spcAft>
-                  <a:buChar char="»"/>
-                  <a:defRPr sz="1500">
-                    <a:solidFill>
-                      <a:schemeClr val="tx1"/>
-                    </a:solidFill>
-                    <a:latin typeface="+mn-lt"/>
-                    <a:ea typeface="+mn-ea"/>
-                  </a:defRPr>
-                </a:lvl8pPr>
-                <a:lvl9pPr marL="2914650" indent="-171450" algn="l" rtl="0" fontAlgn="base">
-                  <a:spcBef>
-                    <a:spcPct val="20000"/>
-                  </a:spcBef>
-                  <a:spcAft>
-                    <a:spcPct val="0"/>
-                  </a:spcAft>
-                  <a:buChar char="»"/>
-                  <a:defRPr sz="1500">
-                    <a:solidFill>
-                      <a:schemeClr val="tx1"/>
-                    </a:solidFill>
-                    <a:latin typeface="+mn-lt"/>
-                    <a:ea typeface="+mn-ea"/>
-                  </a:defRPr>
-                </a:lvl9pPr>
-              </a:lstStyle>
-              <a:p>
-                <a:pPr>
-                  <a:spcBef>
-                    <a:spcPts val="0"/>
-                  </a:spcBef>
-                  <a:spcAft>
-                    <a:spcPts val="1200"/>
-                  </a:spcAft>
-                </a:pPr>
-                <a:r>
-                  <a:rPr lang="zh-CN" altLang="en-US" sz="2000" dirty="0"/>
-                  <a:t>面临问题：查找表和角度旋转方法，最长路径延时仍然很大</a:t>
-                </a:r>
-                <a:endParaRPr lang="en-US" altLang="zh-CN" sz="2000" dirty="0"/>
-              </a:p>
-              <a:p>
-                <a:pPr>
-                  <a:spcBef>
-                    <a:spcPts val="0"/>
-                  </a:spcBef>
-                  <a:spcAft>
-                    <a:spcPts val="1200"/>
-                  </a:spcAft>
-                </a:pPr>
-                <a:r>
-                  <a:rPr lang="zh-CN" altLang="en-US" sz="2000" dirty="0"/>
-                  <a:t>使用方法：使用非线性的</a:t>
-                </a:r>
-                <a:r>
-                  <a:rPr lang="en-US" altLang="zh-CN" sz="2000" dirty="0"/>
-                  <a:t>DAC</a:t>
-                </a:r>
-                <a:r>
-                  <a:rPr lang="zh-CN" altLang="en-US" sz="2000" dirty="0"/>
-                  <a:t>，压缩</a:t>
-                </a:r>
-                <a:r>
-                  <a:rPr lang="en-US" altLang="zh-CN" sz="2000" dirty="0"/>
-                  <a:t>DAC</a:t>
-                </a:r>
-                <a:r>
-                  <a:rPr lang="zh-CN" altLang="en-US" sz="2000" dirty="0"/>
-                  <a:t>中编解码器复杂度</a:t>
-                </a:r>
-                <a:endParaRPr lang="en-US" altLang="zh-CN" sz="2000" dirty="0"/>
-              </a:p>
-            </p:txBody>
-          </p:sp>
-        </p:grpSp>
-      </p:grpSp>
-      <p:sp>
-        <p:nvSpPr>
-          <p:cNvPr id="5" name="文本框 4"/>
-          <p:cNvSpPr txBox="1"/>
-          <p:nvPr/>
-        </p:nvSpPr>
-        <p:spPr>
-          <a:xfrm>
-            <a:off x="175491" y="840509"/>
-            <a:ext cx="8876145" cy="707886"/>
-          </a:xfrm>
-          <a:prstGeom prst="rect">
-            <a:avLst/>
-          </a:prstGeom>
-          <a:noFill/>
-        </p:spPr>
-        <p:txBody>
-          <a:bodyPr wrap="square" rtlCol="0">
-            <a:spAutoFit/>
-          </a:bodyPr>
-          <a:lstStyle/>
-          <a:p>
-            <a:r>
-              <a:rPr lang="en-US" altLang="zh-CN" sz="2000" dirty="0"/>
-              <a:t>[1] Direct Digital Frequency Synthesizer Using Nonuniform Piecewise-Linear Approximation</a:t>
-            </a:r>
-          </a:p>
-        </p:txBody>
-      </p:sp>
-      <p:sp>
-        <p:nvSpPr>
-          <p:cNvPr id="6" name="内容占位符 2"/>
-          <p:cNvSpPr>
-            <a:spLocks noGrp="1"/>
-          </p:cNvSpPr>
-          <p:nvPr>
-            <p:ph idx="1"/>
-          </p:nvPr>
-        </p:nvSpPr>
-        <p:spPr>
-          <a:xfrm>
-            <a:off x="175492" y="1692275"/>
-            <a:ext cx="8876144" cy="5165725"/>
-          </a:xfrm>
-        </p:spPr>
+      <p:sp>
+        <p:nvSpPr>
+          <p:cNvPr id="2" name="标题 1"/>
+          <p:cNvSpPr>
+            <a:spLocks noGrp="1"/>
+          </p:cNvSpPr>
+          <p:nvPr>
+            <p:ph type="title"/>
+          </p:nvPr>
+        </p:nvSpPr>
+        <p:spPr/>
         <p:txBody>
           <a:bodyPr/>
           <a:lstStyle/>
           <a:p>
+            <a:r>
+              <a:rPr lang="zh-CN" altLang="en-US" sz="3600" dirty="0"/>
+              <a:t>前期调研结果</a:t>
+            </a:r>
+            <a:r>
+              <a:rPr lang="en-US" altLang="zh-CN" sz="3600" dirty="0"/>
+              <a:t>——</a:t>
+            </a:r>
+            <a:r>
+              <a:rPr lang="zh-CN" altLang="en-US" sz="3600" dirty="0"/>
+              <a:t>现状总结</a:t>
+            </a:r>
+          </a:p>
+        </p:txBody>
+      </p:sp>
+      <p:sp>
+        <p:nvSpPr>
+          <p:cNvPr id="3" name="内容占位符 2"/>
+          <p:cNvSpPr>
+            <a:spLocks noGrp="1"/>
+          </p:cNvSpPr>
+          <p:nvPr>
+            <p:ph idx="1"/>
+          </p:nvPr>
+        </p:nvSpPr>
+        <p:spPr/>
+        <p:txBody>
+          <a:bodyPr/>
+          <a:lstStyle/>
+          <a:p>
             <a:pPr>
               <a:spcBef>
-                <a:spcPts val="0"/>
+                <a:spcPts val="600"/>
               </a:spcBef>
               <a:spcAft>
                 <a:spcPts val="1200"/>
               </a:spcAft>
             </a:pPr>
             <a:r>
+              <a:rPr lang="zh-CN" altLang="en-US" dirty="0"/>
+              <a:t>基于查找表压缩、矩阵旋转和非线性</a:t>
+            </a:r>
+            <a:r>
+              <a:rPr lang="en-US" altLang="zh-CN" dirty="0"/>
+              <a:t>DAC</a:t>
+            </a:r>
+            <a:r>
+              <a:rPr lang="zh-CN" altLang="en-US" dirty="0"/>
+              <a:t>的改进型</a:t>
+            </a:r>
+            <a:r>
+              <a:rPr lang="en-US" altLang="zh-CN" dirty="0"/>
+              <a:t>NCO</a:t>
+            </a:r>
+            <a:r>
+              <a:rPr lang="zh-CN" altLang="en-US" dirty="0"/>
+              <a:t>，存在不同的特点：</a:t>
+            </a:r>
+            <a:endParaRPr lang="en-US" altLang="zh-CN" dirty="0"/>
+          </a:p>
+          <a:p>
+            <a:pPr lvl="1">
+              <a:spcBef>
+                <a:spcPts val="600"/>
+              </a:spcBef>
+              <a:spcAft>
+                <a:spcPts val="0"/>
+              </a:spcAft>
+            </a:pPr>
+            <a:r>
               <a:rPr lang="zh-CN" altLang="en-US" sz="2000" dirty="0"/>
-              <a:t>面临问题：传统构架无法进一步提高频率</a:t>
+              <a:t>查找表压缩优点：使用传统结构，通过减小存储器大小提升性能。</a:t>
+            </a:r>
+            <a:endParaRPr lang="en-US" altLang="zh-CN" sz="2000" dirty="0"/>
+          </a:p>
+          <a:p>
+            <a:pPr marL="342900" lvl="1" indent="0">
+              <a:spcBef>
+                <a:spcPts val="0"/>
+              </a:spcBef>
+              <a:spcAft>
+                <a:spcPts val="600"/>
+              </a:spcAft>
+              <a:buNone/>
+            </a:pPr>
+            <a:r>
+              <a:rPr lang="en-US" altLang="zh-CN" sz="2000" dirty="0"/>
+              <a:t>   </a:t>
+            </a:r>
+            <a:r>
+              <a:rPr lang="zh-CN" altLang="en-US" sz="2000" dirty="0"/>
+              <a:t>查找表压缩缺点：特点是实现简单，但是在原理上突破很难。</a:t>
+            </a:r>
+            <a:endParaRPr lang="en-US" altLang="zh-CN" sz="2000" dirty="0"/>
+          </a:p>
+          <a:p>
+            <a:pPr lvl="1">
+              <a:spcBef>
+                <a:spcPts val="600"/>
+              </a:spcBef>
+              <a:spcAft>
+                <a:spcPts val="0"/>
+              </a:spcAft>
+            </a:pPr>
+            <a:r>
+              <a:rPr lang="zh-CN" altLang="en-US" sz="2000" dirty="0"/>
+              <a:t>矩阵旋转优点：不需要存储器，杂散性能最好，可用流水线加速</a:t>
+            </a:r>
+            <a:endParaRPr lang="en-US" altLang="zh-CN" sz="2000" dirty="0"/>
+          </a:p>
+          <a:p>
+            <a:pPr marL="342900" lvl="1" indent="0">
+              <a:spcBef>
+                <a:spcPts val="0"/>
+              </a:spcBef>
+              <a:spcAft>
+                <a:spcPts val="600"/>
+              </a:spcAft>
+              <a:buNone/>
+            </a:pPr>
+            <a:r>
+              <a:rPr lang="en-US" altLang="zh-CN" sz="2000" dirty="0"/>
+              <a:t>   </a:t>
+            </a:r>
+            <a:r>
+              <a:rPr lang="zh-CN" altLang="en-US" sz="2000" dirty="0"/>
+              <a:t>矩阵旋转缺点：但是占用资源过多，速度仍然比较慢。</a:t>
+            </a:r>
+            <a:endParaRPr lang="en-US" altLang="zh-CN" sz="2000" dirty="0"/>
+          </a:p>
+          <a:p>
+            <a:pPr lvl="1">
+              <a:spcBef>
+                <a:spcPts val="600"/>
+              </a:spcBef>
+              <a:spcAft>
+                <a:spcPts val="0"/>
+              </a:spcAft>
+            </a:pPr>
+            <a:r>
+              <a:rPr lang="zh-CN" altLang="en-US" sz="2000" dirty="0"/>
+              <a:t>非线性</a:t>
+            </a:r>
+            <a:r>
+              <a:rPr lang="en-US" altLang="zh-CN" sz="2000" dirty="0"/>
+              <a:t>DAC</a:t>
+            </a:r>
+            <a:r>
+              <a:rPr lang="zh-CN" altLang="en-US" sz="2000" dirty="0"/>
+              <a:t>优点：不需要存储器，利用部分模拟器件优势提升性能。</a:t>
+            </a:r>
+            <a:endParaRPr lang="en-US" altLang="zh-CN" sz="2000" dirty="0"/>
+          </a:p>
+          <a:p>
+            <a:pPr marL="342900" lvl="1" indent="0">
+              <a:spcBef>
+                <a:spcPts val="0"/>
+              </a:spcBef>
+              <a:spcAft>
+                <a:spcPts val="600"/>
+              </a:spcAft>
+              <a:buNone/>
+            </a:pPr>
+            <a:r>
+              <a:rPr lang="en-US" altLang="zh-CN" sz="2000" dirty="0"/>
+              <a:t>   </a:t>
+            </a:r>
+            <a:r>
+              <a:rPr lang="zh-CN" altLang="en-US" sz="2000" dirty="0"/>
+              <a:t>非线性</a:t>
+            </a:r>
+            <a:r>
+              <a:rPr lang="en-US" altLang="zh-CN" sz="2000" dirty="0"/>
+              <a:t>DAC</a:t>
+            </a:r>
+            <a:r>
+              <a:rPr lang="zh-CN" altLang="en-US" sz="2000" dirty="0"/>
+              <a:t>缺点：大大增加了</a:t>
+            </a:r>
+            <a:r>
+              <a:rPr lang="en-US" altLang="zh-CN" sz="2000" dirty="0"/>
+              <a:t>DAC</a:t>
+            </a:r>
+            <a:r>
+              <a:rPr lang="zh-CN" altLang="en-US" sz="2000" dirty="0"/>
+              <a:t>的复杂度和功耗。</a:t>
             </a:r>
             <a:endParaRPr lang="en-US" altLang="zh-CN" sz="2000" dirty="0"/>
           </a:p>
           <a:p>
             <a:pPr>
               <a:spcBef>
-                <a:spcPts val="0"/>
+                <a:spcPts val="600"/>
               </a:spcBef>
               <a:spcAft>
                 <a:spcPts val="1200"/>
               </a:spcAft>
             </a:pPr>
             <a:r>
+              <a:rPr lang="zh-CN" altLang="en-US" dirty="0" smtClean="0"/>
+              <a:t>三</a:t>
+            </a:r>
+            <a:r>
+              <a:rPr lang="zh-CN" altLang="en-US" dirty="0"/>
+              <a:t>种优化方法</a:t>
+            </a:r>
+            <a:r>
+              <a:rPr lang="zh-CN" altLang="en-US"/>
+              <a:t>的</a:t>
+            </a:r>
+            <a:r>
+              <a:rPr lang="zh-CN" altLang="en-US" smtClean="0"/>
+              <a:t>融合的趋势：</a:t>
+            </a:r>
+            <a:endParaRPr lang="en-US" altLang="zh-CN" dirty="0"/>
+          </a:p>
+          <a:p>
+            <a:pPr lvl="1">
+              <a:spcBef>
+                <a:spcPts val="0"/>
+              </a:spcBef>
+              <a:spcAft>
+                <a:spcPts val="600"/>
+              </a:spcAft>
+            </a:pPr>
+            <a:r>
               <a:rPr lang="zh-CN" altLang="en-US" sz="2000" dirty="0"/>
-              <a:t>使用方法：在原有构架上实现非均匀分段的线性拟合法</a:t>
+              <a:t>查找表和</a:t>
+            </a:r>
+            <a:r>
+              <a:rPr lang="en-US" altLang="zh-CN" sz="2000" dirty="0"/>
+              <a:t>CORDIC</a:t>
+            </a:r>
+            <a:r>
+              <a:rPr lang="zh-CN" altLang="en-US" sz="2000" dirty="0"/>
+              <a:t>算法结合</a:t>
             </a:r>
             <a:endParaRPr lang="en-US" altLang="zh-CN" sz="2000" dirty="0"/>
           </a:p>
-        </p:txBody>
-      </p:sp>
-      <p:sp>
-        <p:nvSpPr>
-          <p:cNvPr id="2" name="标题 1"/>
-          <p:cNvSpPr>
-            <a:spLocks noGrp="1"/>
-          </p:cNvSpPr>
-          <p:nvPr>
-            <p:ph type="title"/>
-          </p:nvPr>
-        </p:nvSpPr>
-        <p:spPr/>
-        <p:txBody>
-          <a:bodyPr/>
-          <a:lstStyle/>
-          <a:p>
-            <a:r>
-              <a:rPr lang="zh-CN" altLang="en-US" sz="3600" dirty="0"/>
-              <a:t>前期调研结果</a:t>
-            </a:r>
-            <a:r>
-              <a:rPr lang="en-US" altLang="zh-CN" sz="3600" dirty="0"/>
-              <a:t>—</a:t>
-            </a:r>
-            <a:r>
-              <a:rPr lang="zh-CN" altLang="en-US" sz="3600" dirty="0"/>
-              <a:t>文献调研</a:t>
-            </a:r>
-          </a:p>
-        </p:txBody>
-      </p:sp>
-      <p:sp>
-        <p:nvSpPr>
-          <p:cNvPr id="4" name="页脚占位符 3"/>
+          <a:p>
+            <a:pPr lvl="1">
+              <a:spcBef>
+                <a:spcPts val="0"/>
+              </a:spcBef>
+              <a:spcAft>
+                <a:spcPts val="600"/>
+              </a:spcAft>
+            </a:pPr>
+            <a:r>
+              <a:rPr lang="zh-CN" altLang="en-US" sz="2000" dirty="0"/>
+              <a:t>针对非线性</a:t>
+            </a:r>
+            <a:r>
+              <a:rPr lang="en-US" altLang="zh-CN" sz="2000" dirty="0"/>
+              <a:t>DAC</a:t>
+            </a:r>
+            <a:r>
+              <a:rPr lang="zh-CN" altLang="en-US" sz="2000" dirty="0"/>
+              <a:t>设计，引入压缩优化方法</a:t>
+            </a:r>
+            <a:endParaRPr lang="en-US" altLang="zh-CN" sz="2000" dirty="0"/>
+          </a:p>
+        </p:txBody>
+      </p:sp>
+      <p:sp>
+        <p:nvSpPr>
+          <p:cNvPr id="10" name="页脚占位符 9"/>
           <p:cNvSpPr>
             <a:spLocks noGrp="1"/>
           </p:cNvSpPr>
@@ -13521,15 +12959,7 @@
                   <a:srgbClr val="000000"/>
                 </a:solidFill>
               </a:rPr>
-              <a:t>10</a:t>
-            </a:r>
-            <a:r>
-              <a:rPr lang="en-US" altLang="zh-CN" dirty="0" smtClean="0">
-                <a:solidFill>
-                  <a:srgbClr val="000000"/>
-                </a:solidFill>
-              </a:rPr>
-              <a:t>/14</a:t>
+              <a:t>10/13</a:t>
             </a:r>
             <a:endParaRPr lang="en-US" altLang="zh-CN" dirty="0">
               <a:solidFill>
@@ -13542,7 +12972,7 @@
     </p:spTree>
     <p:extLst>
       <p:ext uri="{BB962C8B-B14F-4D97-AF65-F5344CB8AC3E}">
-        <p14:creationId xmlns:p14="http://schemas.microsoft.com/office/powerpoint/2010/main" val="587883317"/>
+        <p14:creationId xmlns:p14="http://schemas.microsoft.com/office/powerpoint/2010/main" val="1730840355"/>
       </p:ext>
     </p:extLst>
   </p:cSld>
@@ -13586,61 +13016,167 @@
           <a:p>
             <a:r>
               <a:rPr lang="zh-CN" altLang="en-US" sz="3600" dirty="0"/>
-              <a:t>前期调研结果</a:t>
-            </a:r>
-            <a:r>
-              <a:rPr lang="en-US" altLang="zh-CN" sz="3600" dirty="0"/>
-              <a:t>——</a:t>
-            </a:r>
-            <a:r>
-              <a:rPr lang="zh-CN" altLang="en-US" sz="3600" dirty="0"/>
-              <a:t>现状总结</a:t>
-            </a:r>
-          </a:p>
-        </p:txBody>
-      </p:sp>
-      <p:sp>
-        <p:nvSpPr>
-          <p:cNvPr id="3" name="内容占位符 2"/>
-          <p:cNvSpPr>
-            <a:spLocks noGrp="1"/>
-          </p:cNvSpPr>
-          <p:nvPr>
-            <p:ph idx="1"/>
+              <a:t>实施方案</a:t>
+            </a:r>
+          </a:p>
+        </p:txBody>
+      </p:sp>
+      <p:sp>
+        <p:nvSpPr>
+          <p:cNvPr id="4" name="页脚占位符 3"/>
+          <p:cNvSpPr>
+            <a:spLocks noGrp="1"/>
+          </p:cNvSpPr>
+          <p:nvPr>
+            <p:ph type="ftr" sz="quarter" idx="11"/>
           </p:nvPr>
         </p:nvSpPr>
         <p:spPr/>
         <p:txBody>
           <a:bodyPr/>
           <a:lstStyle/>
+          <a:p>
+            <a:r>
+              <a:rPr lang="en-US" altLang="zh-CN" dirty="0" smtClean="0">
+                <a:solidFill>
+                  <a:srgbClr val="000000"/>
+                </a:solidFill>
+              </a:rPr>
+              <a:t>11/13</a:t>
+            </a:r>
+            <a:endParaRPr lang="en-US" altLang="zh-CN" dirty="0">
+              <a:solidFill>
+                <a:srgbClr val="000000"/>
+              </a:solidFill>
+            </a:endParaRPr>
+          </a:p>
+        </p:txBody>
+      </p:sp>
+      <p:pic>
+        <p:nvPicPr>
+          <p:cNvPr id="5" name="图片 4"/>
+          <p:cNvPicPr>
+            <a:picLocks noChangeAspect="1"/>
+          </p:cNvPicPr>
+          <p:nvPr/>
+        </p:nvPicPr>
+        <p:blipFill>
+          <a:blip r:embed="rId3"/>
+          <a:stretch>
+            <a:fillRect/>
+          </a:stretch>
+        </p:blipFill>
+        <p:spPr>
+          <a:xfrm>
+            <a:off x="1337452" y="4616496"/>
+            <a:ext cx="6525347" cy="1546468"/>
+          </a:xfrm>
+          <a:prstGeom prst="rect">
+            <a:avLst/>
+          </a:prstGeom>
+        </p:spPr>
+      </p:pic>
+      <p:sp>
+        <p:nvSpPr>
+          <p:cNvPr id="6" name="内容占位符 2"/>
+          <p:cNvSpPr>
+            <a:spLocks noGrp="1"/>
+          </p:cNvSpPr>
+          <p:nvPr>
+            <p:ph idx="1"/>
+          </p:nvPr>
+        </p:nvSpPr>
+        <p:spPr>
+          <a:xfrm>
+            <a:off x="403354" y="820133"/>
+            <a:ext cx="8393545" cy="3520864"/>
+          </a:xfrm>
+        </p:spPr>
+        <p:txBody>
+          <a:bodyPr/>
+          <a:lstStyle/>
+          <a:p>
+            <a:pPr marL="0" indent="0">
+              <a:spcBef>
+                <a:spcPts val="600"/>
+              </a:spcBef>
+              <a:spcAft>
+                <a:spcPts val="0"/>
+              </a:spcAft>
+              <a:buNone/>
+            </a:pPr>
+            <a:r>
+              <a:rPr lang="zh-CN" altLang="en-US" dirty="0"/>
+              <a:t>一、电路结构的设计和代码编写</a:t>
+            </a:r>
+            <a:endParaRPr lang="en-US" altLang="zh-CN" dirty="0"/>
+          </a:p>
           <a:p>
             <a:pPr>
               <a:spcBef>
                 <a:spcPts val="600"/>
               </a:spcBef>
               <a:spcAft>
-                <a:spcPts val="1200"/>
+                <a:spcPts val="0"/>
               </a:spcAft>
             </a:pPr>
             <a:r>
+              <a:rPr lang="en-US" altLang="zh-CN" dirty="0"/>
+              <a:t>1.1</a:t>
+            </a:r>
+            <a:r>
               <a:rPr lang="zh-CN" altLang="en-US" dirty="0"/>
-              <a:t>基于查找表压缩、矩阵旋转和非线性</a:t>
-            </a:r>
+              <a:t>设计高速、低功耗的相位累加器</a:t>
+            </a:r>
+            <a:endParaRPr lang="en-US" altLang="zh-CN" dirty="0"/>
+          </a:p>
+          <a:p>
+            <a:pPr lvl="1">
+              <a:spcBef>
+                <a:spcPts val="600"/>
+              </a:spcBef>
+              <a:spcAft>
+                <a:spcPts val="600"/>
+              </a:spcAft>
+            </a:pPr>
+            <a:r>
+              <a:rPr lang="zh-CN" altLang="en-US" sz="2000" dirty="0"/>
+              <a:t>在</a:t>
+            </a:r>
+            <a:r>
+              <a:rPr lang="en-US" altLang="zh-CN" sz="2000" dirty="0"/>
+              <a:t>CORDIC</a:t>
+            </a:r>
+            <a:r>
+              <a:rPr lang="zh-CN" altLang="en-US" sz="2000" dirty="0"/>
+              <a:t>设计中可以使用</a:t>
+            </a:r>
+            <a:endParaRPr lang="en-US" altLang="zh-CN" sz="2000" dirty="0"/>
+          </a:p>
+          <a:p>
+            <a:pPr>
+              <a:spcBef>
+                <a:spcPts val="600"/>
+              </a:spcBef>
+              <a:spcAft>
+                <a:spcPts val="0"/>
+              </a:spcAft>
+            </a:pPr>
             <a:r>
               <a:rPr lang="en-US" altLang="zh-CN" dirty="0"/>
-              <a:t>DAC</a:t>
+              <a:t>1.2 </a:t>
             </a:r>
             <a:r>
               <a:rPr lang="zh-CN" altLang="en-US" dirty="0"/>
-              <a:t>的改进型</a:t>
+              <a:t>设计相位</a:t>
             </a:r>
             <a:r>
               <a:rPr lang="en-US" altLang="zh-CN" dirty="0"/>
-              <a:t>NCO</a:t>
+              <a:t>-</a:t>
             </a:r>
             <a:r>
               <a:rPr lang="zh-CN" altLang="en-US" dirty="0"/>
-              <a:t>，存在不同的特点：</a:t>
+              <a:t>幅度转换器</a:t>
             </a:r>
             <a:endParaRPr lang="en-US" altLang="zh-CN" dirty="0"/>
           </a:p>
@@ -13654,33 +13190,37 @@
               </a:spcAft>
             </a:pPr>
             <a:r>
-              <a:rPr lang="zh-CN" altLang="en-US" sz="2000" dirty="0"/>
-              <a:t>查找表压缩优点：使用传统结构，通过减小存储器大小提升性能。</a:t>
-            </a:r>
-            <a:endParaRPr lang="en-US" altLang="zh-CN" sz="2000" dirty="0"/>
-          </a:p>
-          <a:p>
-            <a:pPr marL="342900" lvl="1" indent="0">
+              <a:rPr lang="zh-CN" altLang="en-US" dirty="0"/>
+              <a:t>结合查找表、</a:t>
+            </a:r>
+            <a:r>
+              <a:rPr lang="en-US" altLang="zh-CN" dirty="0"/>
+              <a:t>CORDIC</a:t>
+            </a:r>
+            <a:r>
+              <a:rPr lang="zh-CN" altLang="en-US" dirty="0"/>
+              <a:t>算法，实现速度上的提升</a:t>
+            </a:r>
+            <a:endParaRPr lang="en-US" altLang="zh-CN" dirty="0"/>
+          </a:p>
+          <a:p>
+            <a:pPr marL="0" indent="0">
               <a:spcBef>
-                <a:spcPts val="0"/>
+                <a:spcPts val="600"/>
               </a:spcBef>
               <a:spcAft>
-                <a:spcPts val="600"/>
+                <a:spcPts val="0"/>
               </a:spcAft>
               <a:buNone/>
             </a:pPr>
             <a:r>
-              <a:rPr lang="en-US" altLang="zh-CN" sz="2000" dirty="0"/>
-              <a:t>   </a:t>
-            </a:r>
-            <a:r>
-              <a:rPr lang="zh-CN" altLang="en-US" sz="2000" dirty="0"/>
-              <a:t>查找表压缩缺点：特点是实现简单，但是在原理上突破很难。</a:t>
-            </a:r>
-            <a:endParaRPr lang="en-US" altLang="zh-CN" sz="2000" dirty="0"/>
-          </a:p>
-          <a:p>
-            <a:pPr lvl="1">
+              <a:rPr lang="zh-CN" altLang="en-US" dirty="0"/>
+              <a:t>二、电路仿真检查</a:t>
+            </a:r>
+            <a:endParaRPr lang="en-US" altLang="zh-CN" dirty="0"/>
+          </a:p>
+          <a:p>
+            <a:pPr>
               <a:spcBef>
                 <a:spcPts val="600"/>
               </a:spcBef>
@@ -13689,33 +13229,17 @@
               </a:spcAft>
             </a:pPr>
             <a:r>
-              <a:rPr lang="zh-CN" altLang="en-US" sz="2000" dirty="0"/>
-              <a:t>矩阵旋转优点：不需要存储器，杂散性能最好，可用流水线加速</a:t>
-            </a:r>
-            <a:endParaRPr lang="en-US" altLang="zh-CN" sz="2000" dirty="0"/>
-          </a:p>
-          <a:p>
-            <a:pPr marL="342900" lvl="1" indent="0">
-              <a:spcBef>
-                <a:spcPts val="0"/>
-              </a:spcBef>
-              <a:spcAft>
-                <a:spcPts val="600"/>
-              </a:spcAft>
-              <a:buNone/>
-            </a:pPr>
-            <a:r>
-              <a:rPr lang="en-US" altLang="zh-CN" sz="2000" dirty="0"/>
-              <a:t>   </a:t>
-            </a:r>
-            <a:r>
-              <a:rPr lang="zh-CN" altLang="en-US" sz="2000" dirty="0"/>
-              <a:t>矩阵旋转缺点：但是占用资源过多，速度仍然比较慢。</a:t>
-            </a:r>
-            <a:endParaRPr lang="en-US" altLang="zh-CN" sz="2000" dirty="0"/>
-          </a:p>
-          <a:p>
-            <a:pPr lvl="1">
+              <a:rPr lang="en-US" altLang="zh-CN" dirty="0"/>
+              <a:t>2.1 </a:t>
+            </a:r>
+            <a:r>
+              <a:rPr lang="zh-CN" altLang="en-US" dirty="0"/>
+              <a:t>寻找系统瓶颈，减少最长路径延时</a:t>
+            </a:r>
+            <a:endParaRPr lang="en-US" altLang="zh-CN" dirty="0"/>
+          </a:p>
+          <a:p>
+            <a:pPr>
               <a:spcBef>
                 <a:spcPts val="600"/>
               </a:spcBef>
@@ -13724,173 +13248,68 @@
               </a:spcAft>
             </a:pPr>
             <a:r>
-              <a:rPr lang="zh-CN" altLang="en-US" sz="2000" dirty="0"/>
-              <a:t>非线性</a:t>
-            </a:r>
-            <a:r>
-              <a:rPr lang="en-US" altLang="zh-CN" sz="2000" dirty="0"/>
-              <a:t>DAC</a:t>
-            </a:r>
-            <a:r>
-              <a:rPr lang="zh-CN" altLang="en-US" sz="2000" dirty="0"/>
-              <a:t>优点：不需要存储器，利用部分模拟器件优势提升性能。</a:t>
-            </a:r>
-            <a:endParaRPr lang="en-US" altLang="zh-CN" sz="2000" dirty="0"/>
+              <a:rPr lang="en-US" altLang="zh-CN" dirty="0"/>
+              <a:t>2.2 </a:t>
+            </a:r>
+            <a:r>
+              <a:rPr lang="zh-CN" altLang="en-US" dirty="0"/>
+              <a:t>探索混合方法中合理的资源配置方案</a:t>
+            </a:r>
+            <a:endParaRPr lang="en-US" altLang="zh-CN" dirty="0"/>
+          </a:p>
+          <a:p>
+            <a:pPr marL="0" indent="0">
+              <a:spcBef>
+                <a:spcPts val="600"/>
+              </a:spcBef>
+              <a:spcAft>
+                <a:spcPts val="0"/>
+              </a:spcAft>
+              <a:buNone/>
+            </a:pPr>
+            <a:endParaRPr lang="en-US" altLang="zh-CN" dirty="0"/>
+          </a:p>
+          <a:p>
+            <a:pPr marL="0" indent="0">
+              <a:spcBef>
+                <a:spcPts val="600"/>
+              </a:spcBef>
+              <a:spcAft>
+                <a:spcPts val="0"/>
+              </a:spcAft>
+              <a:buNone/>
+            </a:pPr>
+            <a:endParaRPr lang="en-US" altLang="zh-CN" dirty="0"/>
+          </a:p>
+          <a:p>
+            <a:pPr>
+              <a:spcBef>
+                <a:spcPts val="600"/>
+              </a:spcBef>
+              <a:spcAft>
+                <a:spcPts val="0"/>
+              </a:spcAft>
+            </a:pPr>
+            <a:endParaRPr lang="en-US" altLang="zh-CN" dirty="0"/>
           </a:p>
           <a:p>
             <a:pPr marL="342900" lvl="1" indent="0">
               <a:spcBef>
-                <a:spcPts val="0"/>
+                <a:spcPts val="600"/>
               </a:spcBef>
               <a:spcAft>
                 <a:spcPts val="600"/>
               </a:spcAft>
               <a:buNone/>
             </a:pPr>
-            <a:r>
-              <a:rPr lang="en-US" altLang="zh-CN" sz="2000" dirty="0"/>
-              <a:t>   </a:t>
-            </a:r>
-            <a:r>
-              <a:rPr lang="zh-CN" altLang="en-US" sz="2000" dirty="0"/>
-              <a:t>非线性</a:t>
-            </a:r>
-            <a:r>
-              <a:rPr lang="en-US" altLang="zh-CN" sz="2000" dirty="0"/>
-              <a:t>DAC</a:t>
-            </a:r>
-            <a:r>
-              <a:rPr lang="zh-CN" altLang="en-US" sz="2000" dirty="0"/>
-              <a:t>缺点：大大增加了</a:t>
-            </a:r>
-            <a:r>
-              <a:rPr lang="en-US" altLang="zh-CN" sz="2000" dirty="0"/>
-              <a:t>DAC</a:t>
-            </a:r>
-            <a:r>
-              <a:rPr lang="zh-CN" altLang="en-US" sz="2000" dirty="0"/>
-              <a:t>的复杂度和功耗。</a:t>
-            </a:r>
-            <a:endParaRPr lang="en-US" altLang="zh-CN" sz="2000" dirty="0"/>
-          </a:p>
-          <a:p>
-            <a:pPr>
-              <a:spcBef>
-                <a:spcPts val="600"/>
-              </a:spcBef>
-              <a:spcAft>
-                <a:spcPts val="1200"/>
-              </a:spcAft>
-            </a:pPr>
-            <a:r>
-              <a:rPr lang="zh-CN" altLang="en-US" dirty="0" smtClean="0"/>
-              <a:t>三</a:t>
-            </a:r>
-            <a:r>
-              <a:rPr lang="zh-CN" altLang="en-US" dirty="0"/>
-              <a:t>种优化方法</a:t>
-            </a:r>
-            <a:r>
-              <a:rPr lang="zh-CN" altLang="en-US"/>
-              <a:t>的</a:t>
-            </a:r>
-            <a:r>
-              <a:rPr lang="zh-CN" altLang="en-US" smtClean="0"/>
-              <a:t>融合</a:t>
-            </a:r>
-            <a:r>
-              <a:rPr lang="zh-CN" altLang="en-US" smtClean="0"/>
-              <a:t>的趋势</a:t>
-            </a:r>
-            <a:r>
-              <a:rPr lang="zh-CN" altLang="en-US" smtClean="0"/>
-              <a:t>：</a:t>
-            </a:r>
             <a:endParaRPr lang="en-US" altLang="zh-CN" dirty="0"/>
-          </a:p>
-          <a:p>
-            <a:pPr lvl="1">
-              <a:spcBef>
-                <a:spcPts val="0"/>
-              </a:spcBef>
-              <a:spcAft>
-                <a:spcPts val="600"/>
-              </a:spcAft>
-            </a:pPr>
-            <a:r>
-              <a:rPr lang="zh-CN" altLang="en-US" sz="2000" dirty="0"/>
-              <a:t>查找表和</a:t>
-            </a:r>
-            <a:r>
-              <a:rPr lang="en-US" altLang="zh-CN" sz="2000" dirty="0"/>
-              <a:t>CORDIC</a:t>
-            </a:r>
-            <a:r>
-              <a:rPr lang="zh-CN" altLang="en-US" sz="2000" dirty="0"/>
-              <a:t>算法结合</a:t>
-            </a:r>
-            <a:endParaRPr lang="en-US" altLang="zh-CN" sz="2000" dirty="0"/>
-          </a:p>
-          <a:p>
-            <a:pPr lvl="1">
-              <a:spcBef>
-                <a:spcPts val="0"/>
-              </a:spcBef>
-              <a:spcAft>
-                <a:spcPts val="600"/>
-              </a:spcAft>
-            </a:pPr>
-            <a:r>
-              <a:rPr lang="zh-CN" altLang="en-US" sz="2000" dirty="0"/>
-              <a:t>针对非线性</a:t>
-            </a:r>
-            <a:r>
-              <a:rPr lang="en-US" altLang="zh-CN" sz="2000" dirty="0"/>
-              <a:t>DAC</a:t>
-            </a:r>
-            <a:r>
-              <a:rPr lang="zh-CN" altLang="en-US" sz="2000" dirty="0"/>
-              <a:t>设计，引入压缩优化方法</a:t>
-            </a:r>
-            <a:endParaRPr lang="en-US" altLang="zh-CN" sz="2000" dirty="0"/>
-          </a:p>
-        </p:txBody>
-      </p:sp>
-      <p:sp>
-        <p:nvSpPr>
-          <p:cNvPr id="10" name="页脚占位符 9"/>
-          <p:cNvSpPr>
-            <a:spLocks noGrp="1"/>
-          </p:cNvSpPr>
-          <p:nvPr>
-            <p:ph type="ftr" sz="quarter" idx="11"/>
-          </p:nvPr>
-        </p:nvSpPr>
-        <p:spPr/>
-        <p:txBody>
-          <a:bodyPr/>
-          <a:lstStyle/>
-          <a:p>
-            <a:r>
-              <a:rPr lang="en-US" altLang="zh-CN" dirty="0" smtClean="0">
-                <a:solidFill>
-                  <a:srgbClr val="000000"/>
-                </a:solidFill>
-              </a:rPr>
-              <a:t>11/14</a:t>
-            </a:r>
-            <a:endParaRPr lang="en-US" altLang="zh-CN" dirty="0">
-              <a:solidFill>
-                <a:srgbClr val="000000"/>
-              </a:solidFill>
-            </a:endParaRPr>
           </a:p>
         </p:txBody>
       </p:sp>
     </p:spTree>
     <p:extLst>
       <p:ext uri="{BB962C8B-B14F-4D97-AF65-F5344CB8AC3E}">
-        <p14:creationId xmlns:p14="http://schemas.microsoft.com/office/powerpoint/2010/main" val="1730840355"/>
+        <p14:creationId xmlns:p14="http://schemas.microsoft.com/office/powerpoint/2010/main" val="1545020754"/>
       </p:ext>
     </p:extLst>
   </p:cSld>
@@ -13934,14 +13353,225 @@
           <a:p>
             <a:r>
               <a:rPr lang="zh-CN" altLang="en-US" sz="3600" dirty="0"/>
-              <a:t>实施方案</a:t>
-            </a:r>
-          </a:p>
-        </p:txBody>
-      </p:sp>
-      <p:sp>
-        <p:nvSpPr>
-          <p:cNvPr id="4" name="页脚占位符 3"/>
+              <a:t>计划安排</a:t>
+            </a:r>
+          </a:p>
+        </p:txBody>
+      </p:sp>
+      <p:sp>
+        <p:nvSpPr>
+          <p:cNvPr id="3" name="内容占位符 2"/>
+          <p:cNvSpPr>
+            <a:spLocks noGrp="1"/>
+          </p:cNvSpPr>
+          <p:nvPr>
+            <p:ph idx="1"/>
+          </p:nvPr>
+        </p:nvSpPr>
+        <p:spPr>
+          <a:xfrm>
+            <a:off x="206663" y="1066800"/>
+            <a:ext cx="8578273" cy="5165725"/>
+          </a:xfrm>
+        </p:spPr>
+        <p:txBody>
+          <a:bodyPr/>
+          <a:lstStyle/>
+          <a:p>
+            <a:r>
+              <a:rPr lang="en-US" altLang="zh-CN" dirty="0"/>
+              <a:t>2015</a:t>
+            </a:r>
+            <a:r>
+              <a:rPr lang="zh-CN" altLang="en-US" dirty="0"/>
+              <a:t>年秋季学期</a:t>
+            </a:r>
+            <a:endParaRPr lang="en-US" altLang="zh-CN" dirty="0"/>
+          </a:p>
+          <a:p>
+            <a:pPr lvl="1"/>
+            <a:r>
+              <a:rPr lang="zh-CN" altLang="en-US" sz="2000" dirty="0"/>
+              <a:t>第</a:t>
+            </a:r>
+            <a:r>
+              <a:rPr lang="en-US" altLang="zh-CN" sz="2000" dirty="0"/>
+              <a:t>12~13</a:t>
+            </a:r>
+            <a:r>
+              <a:rPr lang="zh-CN" altLang="en-US" sz="2000" dirty="0"/>
+              <a:t>周：前期文献调研、课题背景了解</a:t>
+            </a:r>
+            <a:endParaRPr lang="en-US" altLang="zh-CN" sz="2000" dirty="0"/>
+          </a:p>
+          <a:p>
+            <a:pPr lvl="1"/>
+            <a:r>
+              <a:rPr lang="zh-CN" altLang="en-US" sz="2000" dirty="0"/>
+              <a:t>第</a:t>
+            </a:r>
+            <a:r>
+              <a:rPr lang="en-US" altLang="zh-CN" sz="2000" dirty="0"/>
+              <a:t>14~15</a:t>
+            </a:r>
+            <a:r>
+              <a:rPr lang="zh-CN" altLang="en-US" sz="2000" dirty="0"/>
+              <a:t>周：</a:t>
+            </a:r>
+            <a:r>
+              <a:rPr lang="en-US" altLang="zh-CN" sz="2000" dirty="0" err="1"/>
+              <a:t>Matlab</a:t>
+            </a:r>
+            <a:r>
+              <a:rPr lang="zh-CN" altLang="en-US" sz="2000" dirty="0"/>
+              <a:t>和</a:t>
+            </a:r>
+            <a:r>
+              <a:rPr lang="en-US" altLang="zh-CN" sz="2000" dirty="0" err="1"/>
+              <a:t>Modelsim</a:t>
+            </a:r>
+            <a:r>
+              <a:rPr lang="zh-CN" altLang="en-US" sz="2000" dirty="0"/>
+              <a:t>上搭建</a:t>
+            </a:r>
+            <a:r>
+              <a:rPr lang="en-US" altLang="zh-CN" sz="2000" dirty="0"/>
+              <a:t>NCO</a:t>
+            </a:r>
+            <a:r>
+              <a:rPr lang="zh-CN" altLang="en-US" sz="2000" dirty="0"/>
+              <a:t>基本模型，进行理论分析和功能仿真</a:t>
+            </a:r>
+            <a:endParaRPr lang="en-US" altLang="zh-CN" sz="2000" dirty="0"/>
+          </a:p>
+          <a:p>
+            <a:pPr lvl="1"/>
+            <a:r>
+              <a:rPr lang="zh-CN" altLang="en-US" sz="2000" dirty="0"/>
+              <a:t>第</a:t>
+            </a:r>
+            <a:r>
+              <a:rPr lang="en-US" altLang="zh-CN" sz="2000" dirty="0"/>
+              <a:t>15~16</a:t>
+            </a:r>
+            <a:r>
+              <a:rPr lang="zh-CN" altLang="en-US" sz="2000" dirty="0"/>
+              <a:t>周：总结调研结果，准备开题报告</a:t>
+            </a:r>
+            <a:endParaRPr lang="en-US" altLang="zh-CN" sz="2000" dirty="0"/>
+          </a:p>
+          <a:p>
+            <a:r>
+              <a:rPr lang="en-US" altLang="zh-CN" dirty="0"/>
+              <a:t>2016</a:t>
+            </a:r>
+            <a:r>
+              <a:rPr lang="zh-CN" altLang="en-US" dirty="0"/>
+              <a:t>年春季学期：</a:t>
+            </a:r>
+            <a:endParaRPr lang="en-US" altLang="zh-CN" dirty="0"/>
+          </a:p>
+          <a:p>
+            <a:pPr lvl="1"/>
+            <a:r>
+              <a:rPr lang="zh-CN" altLang="en-US" sz="2000" dirty="0"/>
+              <a:t>第 </a:t>
+            </a:r>
+            <a:r>
+              <a:rPr lang="en-US" altLang="zh-CN" sz="2000" dirty="0"/>
+              <a:t>1 ~ 2 </a:t>
+            </a:r>
+            <a:r>
+              <a:rPr lang="zh-CN" altLang="en-US" sz="2000" dirty="0"/>
+              <a:t>周：在电路层面对各模块进行仿真，寻找合理配置方案</a:t>
+            </a:r>
+            <a:endParaRPr lang="en-US" altLang="zh-CN" sz="2000" dirty="0"/>
+          </a:p>
+          <a:p>
+            <a:pPr lvl="1"/>
+            <a:r>
+              <a:rPr lang="zh-CN" altLang="en-US" sz="2000" dirty="0"/>
+              <a:t>第 </a:t>
+            </a:r>
+            <a:r>
+              <a:rPr lang="en-US" altLang="zh-CN" sz="2000" dirty="0"/>
+              <a:t>3 ~ 6 </a:t>
+            </a:r>
+            <a:r>
+              <a:rPr lang="zh-CN" altLang="en-US" sz="2000" dirty="0"/>
+              <a:t>周：确定查找表、矩阵旋转的混合方案，完成电路设计和仿真</a:t>
+            </a:r>
+            <a:endParaRPr lang="en-US" altLang="zh-CN" sz="2000" dirty="0"/>
+          </a:p>
+          <a:p>
+            <a:pPr lvl="1"/>
+            <a:r>
+              <a:rPr lang="zh-CN" altLang="en-US" sz="2000" dirty="0"/>
+              <a:t>第 </a:t>
+            </a:r>
+            <a:r>
+              <a:rPr lang="en-US" altLang="zh-CN" sz="2000" dirty="0"/>
+              <a:t>7 ~ 8 </a:t>
+            </a:r>
+            <a:r>
+              <a:rPr lang="zh-CN" altLang="en-US" sz="2000" dirty="0"/>
+              <a:t>周：讨论改进方案，准备中期答辩</a:t>
+            </a:r>
+            <a:endParaRPr lang="en-US" altLang="zh-CN" sz="2000" dirty="0"/>
+          </a:p>
+          <a:p>
+            <a:pPr lvl="1"/>
+            <a:r>
+              <a:rPr lang="zh-CN" altLang="en-US" sz="2000" dirty="0"/>
+              <a:t>第 </a:t>
+            </a:r>
+            <a:r>
+              <a:rPr lang="en-US" altLang="zh-CN" sz="2000" dirty="0"/>
+              <a:t>9 </a:t>
+            </a:r>
+            <a:r>
+              <a:rPr lang="en-US" altLang="zh-CN" sz="2000"/>
+              <a:t>~13</a:t>
+            </a:r>
+            <a:r>
+              <a:rPr lang="zh-CN" altLang="en-US" sz="2000"/>
+              <a:t>周</a:t>
+            </a:r>
+            <a:r>
+              <a:rPr lang="zh-CN" altLang="en-US" sz="2000" dirty="0"/>
+              <a:t>：关键电路寻找突破点，进一步优化</a:t>
+            </a:r>
+            <a:r>
+              <a:rPr lang="en-US" altLang="zh-CN" sz="2000" dirty="0"/>
+              <a:t>NCO</a:t>
+            </a:r>
+            <a:r>
+              <a:rPr lang="zh-CN" altLang="en-US" sz="2000" dirty="0"/>
+              <a:t>性能</a:t>
+            </a:r>
+            <a:endParaRPr lang="en-US" altLang="zh-CN" sz="2000" dirty="0"/>
+          </a:p>
+          <a:p>
+            <a:pPr lvl="1"/>
+            <a:r>
+              <a:rPr lang="zh-CN" altLang="en-US" sz="2000" dirty="0"/>
+              <a:t>第</a:t>
+            </a:r>
+            <a:r>
+              <a:rPr lang="en-US" altLang="zh-CN" sz="2000" dirty="0"/>
+              <a:t>14~16</a:t>
+            </a:r>
+            <a:r>
+              <a:rPr lang="zh-CN" altLang="en-US" sz="2000" dirty="0"/>
+              <a:t>周：进行最后的仿真验证，完成毕业论文，准备论文答辩</a:t>
+            </a:r>
+            <a:endParaRPr lang="en-US" altLang="zh-CN" sz="2000" dirty="0"/>
+          </a:p>
+        </p:txBody>
+      </p:sp>
+      <p:sp>
+        <p:nvSpPr>
+          <p:cNvPr id="6" name="页脚占位符 5"/>
           <p:cNvSpPr>
             <a:spLocks noGrp="1"/>
           </p:cNvSpPr>
@@ -13960,7 +13590,7 @@
                   <a:srgbClr val="000000"/>
                 </a:solidFill>
               </a:rPr>
-              <a:t>12/14</a:t>
+              <a:t>12/13</a:t>
             </a:r>
             <a:endParaRPr lang="en-US" altLang="zh-CN" dirty="0">
               <a:solidFill>
@@ -13970,264 +13600,10 @@
           </a:p>
         </p:txBody>
       </p:sp>
-      <p:pic>
-        <p:nvPicPr>
-          <p:cNvPr id="5" name="图片 4"/>
-          <p:cNvPicPr>
-            <a:picLocks noChangeAspect="1"/>
-          </p:cNvPicPr>
-          <p:nvPr/>
-        </p:nvPicPr>
-        <p:blipFill>
-          <a:blip r:embed="rId3"/>
-          <a:stretch>
-            <a:fillRect/>
-          </a:stretch>
-        </p:blipFill>
-        <p:spPr>
-          <a:xfrm>
-            <a:off x="1337452" y="4616496"/>
-            <a:ext cx="6525347" cy="1546468"/>
-          </a:xfrm>
-          <a:prstGeom prst="rect">
-            <a:avLst/>
-          </a:prstGeom>
-        </p:spPr>
-      </p:pic>
-      <p:sp>
-        <p:nvSpPr>
-          <p:cNvPr id="6" name="内容占位符 2"/>
-          <p:cNvSpPr>
-            <a:spLocks noGrp="1"/>
-          </p:cNvSpPr>
-          <p:nvPr>
-            <p:ph idx="1"/>
-          </p:nvPr>
-        </p:nvSpPr>
-        <p:spPr>
-          <a:xfrm>
-            <a:off x="403354" y="820133"/>
-            <a:ext cx="8393545" cy="3520864"/>
-          </a:xfrm>
-        </p:spPr>
-        <p:txBody>
-          <a:bodyPr/>
-          <a:lstStyle/>
-          <a:p>
-            <a:pPr marL="0" indent="0">
-              <a:spcBef>
-                <a:spcPts val="600"/>
-              </a:spcBef>
-              <a:spcAft>
-                <a:spcPts val="0"/>
-              </a:spcAft>
-              <a:buNone/>
-            </a:pPr>
-            <a:r>
-              <a:rPr lang="zh-CN" altLang="en-US" dirty="0"/>
-              <a:t>一、电路结构的设计和代码编写</a:t>
-            </a:r>
-            <a:endParaRPr lang="en-US" altLang="zh-CN" dirty="0"/>
-          </a:p>
-          <a:p>
-            <a:pPr>
-              <a:spcBef>
-                <a:spcPts val="600"/>
-              </a:spcBef>
-              <a:spcAft>
-                <a:spcPts val="0"/>
-              </a:spcAft>
-            </a:pPr>
-            <a:r>
-              <a:rPr lang="en-US" altLang="zh-CN" dirty="0"/>
-              <a:t>1.1</a:t>
-            </a:r>
-            <a:r>
-              <a:rPr lang="zh-CN" altLang="en-US" dirty="0"/>
-              <a:t>设计高速、低功耗的相位累加器</a:t>
-            </a:r>
-            <a:endParaRPr lang="en-US" altLang="zh-CN" dirty="0"/>
-          </a:p>
-          <a:p>
-            <a:pPr lvl="1">
-              <a:spcBef>
-                <a:spcPts val="600"/>
-              </a:spcBef>
-              <a:spcAft>
-                <a:spcPts val="600"/>
-              </a:spcAft>
-            </a:pPr>
-            <a:r>
-              <a:rPr lang="zh-CN" altLang="en-US" sz="2000" dirty="0"/>
-              <a:t>在</a:t>
-            </a:r>
-            <a:r>
-              <a:rPr lang="en-US" altLang="zh-CN" sz="2000" dirty="0"/>
-              <a:t>CORDIC</a:t>
-            </a:r>
-            <a:r>
-              <a:rPr lang="zh-CN" altLang="en-US" sz="2000" dirty="0"/>
-              <a:t>设计中可以使用</a:t>
-            </a:r>
-            <a:endParaRPr lang="en-US" altLang="zh-CN" sz="2000" dirty="0"/>
-          </a:p>
-          <a:p>
-            <a:pPr>
-              <a:spcBef>
-                <a:spcPts val="600"/>
-              </a:spcBef>
-              <a:spcAft>
-                <a:spcPts val="0"/>
-              </a:spcAft>
-            </a:pPr>
-            <a:r>
-              <a:rPr lang="en-US" altLang="zh-CN" dirty="0"/>
-              <a:t>1.2 </a:t>
-            </a:r>
-            <a:r>
-              <a:rPr lang="zh-CN" altLang="en-US" dirty="0"/>
-              <a:t>设计相位</a:t>
-            </a:r>
-            <a:r>
-              <a:rPr lang="en-US" altLang="zh-CN" dirty="0"/>
-              <a:t>-</a:t>
-            </a:r>
-            <a:r>
-              <a:rPr lang="zh-CN" altLang="en-US" dirty="0"/>
-              <a:t>幅度转换器</a:t>
-            </a:r>
-            <a:endParaRPr lang="en-US" altLang="zh-CN" dirty="0"/>
-          </a:p>
-          <a:p>
-            <a:pPr lvl="1">
-              <a:spcBef>
-                <a:spcPts val="600"/>
-              </a:spcBef>
-              <a:spcAft>
-                <a:spcPts val="0"/>
-              </a:spcAft>
-            </a:pPr>
-            <a:r>
-              <a:rPr lang="zh-CN" altLang="en-US" dirty="0"/>
-              <a:t>结合查找表、</a:t>
-            </a:r>
-            <a:r>
-              <a:rPr lang="en-US" altLang="zh-CN" dirty="0"/>
-              <a:t>CORDIC</a:t>
-            </a:r>
-            <a:r>
-              <a:rPr lang="zh-CN" altLang="en-US" dirty="0"/>
-              <a:t>算法，实现速度上的提升</a:t>
-            </a:r>
-            <a:endParaRPr lang="en-US" altLang="zh-CN" dirty="0"/>
-          </a:p>
-          <a:p>
-            <a:pPr marL="0" indent="0">
-              <a:spcBef>
-                <a:spcPts val="600"/>
-              </a:spcBef>
-              <a:spcAft>
-                <a:spcPts val="0"/>
-              </a:spcAft>
-              <a:buNone/>
-            </a:pPr>
-            <a:r>
-              <a:rPr lang="zh-CN" altLang="en-US" dirty="0"/>
-              <a:t>二、电路仿真检查</a:t>
-            </a:r>
-            <a:endParaRPr lang="en-US" altLang="zh-CN" dirty="0"/>
-          </a:p>
-          <a:p>
-            <a:pPr>
-              <a:spcBef>
-                <a:spcPts val="600"/>
-              </a:spcBef>
-              <a:spcAft>
-                <a:spcPts val="0"/>
-              </a:spcAft>
-            </a:pPr>
-            <a:r>
-              <a:rPr lang="en-US" altLang="zh-CN" dirty="0"/>
-              <a:t>2.1 </a:t>
-            </a:r>
-            <a:r>
-              <a:rPr lang="zh-CN" altLang="en-US" dirty="0"/>
-              <a:t>寻找系统瓶颈，减少最长路径延时</a:t>
-            </a:r>
-            <a:endParaRPr lang="en-US" altLang="zh-CN" dirty="0"/>
-          </a:p>
-          <a:p>
-            <a:pPr>
-              <a:spcBef>
-                <a:spcPts val="600"/>
-              </a:spcBef>
-              <a:spcAft>
-                <a:spcPts val="0"/>
-              </a:spcAft>
-            </a:pPr>
-            <a:r>
-              <a:rPr lang="en-US" altLang="zh-CN" dirty="0"/>
-              <a:t>2.2 </a:t>
-            </a:r>
-            <a:r>
-              <a:rPr lang="zh-CN" altLang="en-US" dirty="0"/>
-              <a:t>探索混合方法中合理的资源配置方案</a:t>
-            </a:r>
-            <a:endParaRPr lang="en-US" altLang="zh-CN" dirty="0"/>
-          </a:p>
-          <a:p>
-            <a:pPr marL="0" indent="0">
-              <a:spcBef>
-                <a:spcPts val="600"/>
-              </a:spcBef>
-              <a:spcAft>
-                <a:spcPts val="0"/>
-              </a:spcAft>
-              <a:buNone/>
-            </a:pPr>
-            <a:endParaRPr lang="en-US" altLang="zh-CN" dirty="0"/>
-          </a:p>
-          <a:p>
-            <a:pPr marL="0" indent="0">
-              <a:spcBef>
-                <a:spcPts val="600"/>
-              </a:spcBef>
-              <a:spcAft>
-                <a:spcPts val="0"/>
-              </a:spcAft>
-              <a:buNone/>
-            </a:pPr>
-            <a:endParaRPr lang="en-US" altLang="zh-CN" dirty="0"/>
-          </a:p>
-          <a:p>
-            <a:pPr>
-              <a:spcBef>
-                <a:spcPts val="600"/>
-              </a:spcBef>
-              <a:spcAft>
-                <a:spcPts val="0"/>
-              </a:spcAft>
-            </a:pPr>
-            <a:endParaRPr lang="en-US" altLang="zh-CN" dirty="0"/>
-          </a:p>
-          <a:p>
-            <a:pPr marL="342900" lvl="1" indent="0">
-              <a:spcBef>
-                <a:spcPts val="600"/>
-              </a:spcBef>
-              <a:spcAft>
-                <a:spcPts val="600"/>
-              </a:spcAft>
-              <a:buNone/>
-            </a:pPr>
-            <a:endParaRPr lang="en-US" altLang="zh-CN" dirty="0"/>
-          </a:p>
-        </p:txBody>
-      </p:sp>
     </p:spTree>
     <p:extLst>
       <p:ext uri="{BB962C8B-B14F-4D97-AF65-F5344CB8AC3E}">
-        <p14:creationId xmlns:p14="http://schemas.microsoft.com/office/powerpoint/2010/main" val="1545020754"/>
+        <p14:creationId xmlns:p14="http://schemas.microsoft.com/office/powerpoint/2010/main" val="82874609"/>
       </p:ext>
     </p:extLst>
   </p:cSld>
@@ -14264,300 +13640,6 @@
             <p:ph type="title"/>
           </p:nvPr>
         </p:nvSpPr>
-        <p:spPr/>
-        <p:txBody>
-          <a:bodyPr/>
-          <a:lstStyle/>
-          <a:p>
-            <a:r>
-              <a:rPr lang="zh-CN" altLang="en-US" sz="3600" dirty="0"/>
-              <a:t>计划安排</a:t>
-            </a:r>
-          </a:p>
-        </p:txBody>
-      </p:sp>
-      <p:sp>
-        <p:nvSpPr>
-          <p:cNvPr id="3" name="内容占位符 2"/>
-          <p:cNvSpPr>
-            <a:spLocks noGrp="1"/>
-          </p:cNvSpPr>
-          <p:nvPr>
-            <p:ph idx="1"/>
-          </p:nvPr>
-        </p:nvSpPr>
-        <p:spPr>
-          <a:xfrm>
-            <a:off x="206663" y="1066800"/>
-            <a:ext cx="8578273" cy="5165725"/>
-          </a:xfrm>
-        </p:spPr>
-        <p:txBody>
-          <a:bodyPr/>
-          <a:lstStyle/>
-          <a:p>
-            <a:r>
-              <a:rPr lang="en-US" altLang="zh-CN" dirty="0"/>
-              <a:t>2015</a:t>
-            </a:r>
-            <a:r>
-              <a:rPr lang="zh-CN" altLang="en-US" dirty="0"/>
-              <a:t>年秋季学期</a:t>
-            </a:r>
-            <a:endParaRPr lang="en-US" altLang="zh-CN" dirty="0"/>
-          </a:p>
-          <a:p>
-            <a:pPr lvl="1"/>
-            <a:r>
-              <a:rPr lang="zh-CN" altLang="en-US" sz="2000" dirty="0"/>
-              <a:t>第</a:t>
-            </a:r>
-            <a:r>
-              <a:rPr lang="en-US" altLang="zh-CN" sz="2000" dirty="0"/>
-              <a:t>12~13</a:t>
-            </a:r>
-            <a:r>
-              <a:rPr lang="zh-CN" altLang="en-US" sz="2000" dirty="0"/>
-              <a:t>周：前期文献调研、课题背景了解</a:t>
-            </a:r>
-            <a:endParaRPr lang="en-US" altLang="zh-CN" sz="2000" dirty="0"/>
-          </a:p>
-          <a:p>
-            <a:pPr lvl="1"/>
-            <a:r>
-              <a:rPr lang="zh-CN" altLang="en-US" sz="2000" dirty="0"/>
-              <a:t>第</a:t>
-            </a:r>
-            <a:r>
-              <a:rPr lang="en-US" altLang="zh-CN" sz="2000" dirty="0"/>
-              <a:t>14~15</a:t>
-            </a:r>
-            <a:r>
-              <a:rPr lang="zh-CN" altLang="en-US" sz="2000" dirty="0"/>
-              <a:t>周：</a:t>
-            </a:r>
-            <a:r>
-              <a:rPr lang="en-US" altLang="zh-CN" sz="2000" dirty="0" err="1"/>
-              <a:t>Matlab</a:t>
-            </a:r>
-            <a:r>
-              <a:rPr lang="zh-CN" altLang="en-US" sz="2000" dirty="0"/>
-              <a:t>和</a:t>
-            </a:r>
-            <a:r>
-              <a:rPr lang="en-US" altLang="zh-CN" sz="2000" dirty="0" err="1"/>
-              <a:t>Modelsim</a:t>
-            </a:r>
-            <a:r>
-              <a:rPr lang="zh-CN" altLang="en-US" sz="2000" dirty="0"/>
-              <a:t>上搭建</a:t>
-            </a:r>
-            <a:r>
-              <a:rPr lang="en-US" altLang="zh-CN" sz="2000" dirty="0"/>
-              <a:t>NCO</a:t>
-            </a:r>
-            <a:r>
-              <a:rPr lang="zh-CN" altLang="en-US" sz="2000" dirty="0"/>
-              <a:t>基本模型，进行理论分析和功能仿真</a:t>
-            </a:r>
-            <a:endParaRPr lang="en-US" altLang="zh-CN" sz="2000" dirty="0"/>
-          </a:p>
-          <a:p>
-            <a:pPr lvl="1"/>
-            <a:r>
-              <a:rPr lang="zh-CN" altLang="en-US" sz="2000" dirty="0"/>
-              <a:t>第</a:t>
-            </a:r>
-            <a:r>
-              <a:rPr lang="en-US" altLang="zh-CN" sz="2000" dirty="0"/>
-              <a:t>15~16</a:t>
-            </a:r>
-            <a:r>
-              <a:rPr lang="zh-CN" altLang="en-US" sz="2000" dirty="0"/>
-              <a:t>周：总结调研结果，准备开题报告</a:t>
-            </a:r>
-            <a:endParaRPr lang="en-US" altLang="zh-CN" sz="2000" dirty="0"/>
-          </a:p>
-          <a:p>
-            <a:r>
-              <a:rPr lang="en-US" altLang="zh-CN" dirty="0"/>
-              <a:t>2016</a:t>
-            </a:r>
-            <a:r>
-              <a:rPr lang="zh-CN" altLang="en-US" dirty="0"/>
-              <a:t>年春季学期：</a:t>
-            </a:r>
-            <a:endParaRPr lang="en-US" altLang="zh-CN" dirty="0"/>
-          </a:p>
-          <a:p>
-            <a:pPr lvl="1"/>
-            <a:r>
-              <a:rPr lang="zh-CN" altLang="en-US" sz="2000" dirty="0"/>
-              <a:t>第 </a:t>
-            </a:r>
-            <a:r>
-              <a:rPr lang="en-US" altLang="zh-CN" sz="2000" dirty="0"/>
-              <a:t>1 ~ 2 </a:t>
-            </a:r>
-            <a:r>
-              <a:rPr lang="zh-CN" altLang="en-US" sz="2000" dirty="0"/>
-              <a:t>周：在电路层面对各模块进行仿真，寻找合理配置方案</a:t>
-            </a:r>
-            <a:endParaRPr lang="en-US" altLang="zh-CN" sz="2000" dirty="0"/>
-          </a:p>
-          <a:p>
-            <a:pPr lvl="1"/>
-            <a:r>
-              <a:rPr lang="zh-CN" altLang="en-US" sz="2000" dirty="0"/>
-              <a:t>第 </a:t>
-            </a:r>
-            <a:r>
-              <a:rPr lang="en-US" altLang="zh-CN" sz="2000" dirty="0"/>
-              <a:t>3 ~ 6 </a:t>
-            </a:r>
-            <a:r>
-              <a:rPr lang="zh-CN" altLang="en-US" sz="2000" dirty="0"/>
-              <a:t>周：确定查找表、矩阵旋转的混合方案，完成电路设计和仿真</a:t>
-            </a:r>
-            <a:endParaRPr lang="en-US" altLang="zh-CN" sz="2000" dirty="0"/>
-          </a:p>
-          <a:p>
-            <a:pPr lvl="1"/>
-            <a:r>
-              <a:rPr lang="zh-CN" altLang="en-US" sz="2000" dirty="0"/>
-              <a:t>第 </a:t>
-            </a:r>
-            <a:r>
-              <a:rPr lang="en-US" altLang="zh-CN" sz="2000" dirty="0"/>
-              <a:t>7 ~ 8 </a:t>
-            </a:r>
-            <a:r>
-              <a:rPr lang="zh-CN" altLang="en-US" sz="2000" dirty="0"/>
-              <a:t>周：讨论改进方案，准备中期答辩</a:t>
-            </a:r>
-            <a:endParaRPr lang="en-US" altLang="zh-CN" sz="2000" dirty="0"/>
-          </a:p>
-          <a:p>
-            <a:pPr lvl="1"/>
-            <a:r>
-              <a:rPr lang="zh-CN" altLang="en-US" sz="2000" dirty="0"/>
-              <a:t>第 </a:t>
-            </a:r>
-            <a:r>
-              <a:rPr lang="en-US" altLang="zh-CN" sz="2000" dirty="0"/>
-              <a:t>9 </a:t>
-            </a:r>
-            <a:r>
-              <a:rPr lang="en-US" altLang="zh-CN" sz="2000"/>
-              <a:t>~13</a:t>
-            </a:r>
-            <a:r>
-              <a:rPr lang="zh-CN" altLang="en-US" sz="2000"/>
-              <a:t>周</a:t>
-            </a:r>
-            <a:r>
-              <a:rPr lang="zh-CN" altLang="en-US" sz="2000" dirty="0"/>
-              <a:t>：关键电路寻找突破点，进一步优化</a:t>
-            </a:r>
-            <a:r>
-              <a:rPr lang="en-US" altLang="zh-CN" sz="2000" dirty="0"/>
-              <a:t>NCO</a:t>
-            </a:r>
-            <a:r>
-              <a:rPr lang="zh-CN" altLang="en-US" sz="2000" dirty="0"/>
-              <a:t>性能</a:t>
-            </a:r>
-            <a:endParaRPr lang="en-US" altLang="zh-CN" sz="2000" dirty="0"/>
-          </a:p>
-          <a:p>
-            <a:pPr lvl="1"/>
-            <a:r>
-              <a:rPr lang="zh-CN" altLang="en-US" sz="2000" dirty="0"/>
-              <a:t>第</a:t>
-            </a:r>
-            <a:r>
-              <a:rPr lang="en-US" altLang="zh-CN" sz="2000" dirty="0"/>
-              <a:t>14~16</a:t>
-            </a:r>
-            <a:r>
-              <a:rPr lang="zh-CN" altLang="en-US" sz="2000" dirty="0"/>
-              <a:t>周：进行最后的仿真验证，完成毕业论文，准备论文答辩</a:t>
-            </a:r>
-            <a:endParaRPr lang="en-US" altLang="zh-CN" sz="2000" dirty="0"/>
-          </a:p>
-        </p:txBody>
-      </p:sp>
-      <p:sp>
-        <p:nvSpPr>
-          <p:cNvPr id="6" name="页脚占位符 5"/>
-          <p:cNvSpPr>
-            <a:spLocks noGrp="1"/>
-          </p:cNvSpPr>
-          <p:nvPr>
-            <p:ph type="ftr" sz="quarter" idx="11"/>
-          </p:nvPr>
-        </p:nvSpPr>
-        <p:spPr/>
-        <p:txBody>
-          <a:bodyPr/>
-          <a:lstStyle/>
-          <a:p>
-            <a:r>
-              <a:rPr lang="en-US" altLang="zh-CN" dirty="0" smtClean="0">
-                <a:solidFill>
-                  <a:srgbClr val="000000"/>
-                </a:solidFill>
-              </a:rPr>
-              <a:t>13/14</a:t>
-            </a:r>
-            <a:endParaRPr lang="en-US" altLang="zh-CN" dirty="0">
-              <a:solidFill>
-                <a:srgbClr val="000000"/>
-              </a:solidFill>
-            </a:endParaRPr>
-          </a:p>
-        </p:txBody>
-      </p:sp>
-    </p:spTree>
-    <p:extLst>
-      <p:ext uri="{BB962C8B-B14F-4D97-AF65-F5344CB8AC3E}">
-        <p14:creationId xmlns:p14="http://schemas.microsoft.com/office/powerpoint/2010/main" val="82874609"/>
-      </p:ext>
-    </p:extLst>
-  </p:cSld>
-  <p:clrMapOvr>
-    <a:masterClrMapping/>
-  </p:clrMapOvr>
-</p:sld>
-</file>
-
-<file path=ppt/slides/slide14.xml><?xml version="1.0" encoding="utf-8"?>
-<p:sld xmlns:a="http://schemas.openxmlformats.org/drawingml/2006/main" xmlns:r="http://schemas.openxmlformats.org/officeDocument/2006/relationships" xmlns:p="http://schemas.openxmlformats.org/presentationml/2006/main">
-  <p:cSld>
-    <p:spTree>
-      <p:nvGrpSpPr>
-        <p:cNvPr id="1" name=""/>
-        <p:cNvGrpSpPr/>
-        <p:nvPr/>
-      </p:nvGrpSpPr>
-      <p:grpSpPr>
-        <a:xfrm>
-          <a:off x="0" y="0"/>
-          <a:ext cx="0" cy="0"/>
-          <a:chOff x="0" y="0"/>
-          <a:chExt cx="0" cy="0"/>
-        </a:xfrm>
-      </p:grpSpPr>
-      <p:sp>
-        <p:nvSpPr>
-          <p:cNvPr id="2" name="标题 1"/>
-          <p:cNvSpPr>
-            <a:spLocks noGrp="1"/>
-          </p:cNvSpPr>
-          <p:nvPr>
-            <p:ph type="title"/>
-          </p:nvPr>
-        </p:nvSpPr>
         <p:spPr>
           <a:xfrm>
             <a:off x="551688" y="2892552"/>
@@ -14596,7 +13678,7 @@
                   <a:srgbClr val="000000"/>
                 </a:solidFill>
               </a:rPr>
-              <a:t>14/14</a:t>
+              <a:t>13/13</a:t>
             </a:r>
             <a:endParaRPr lang="en-US" altLang="zh-CN" dirty="0">
               <a:solidFill>
@@ -14735,7 +13817,7 @@
                   <a:srgbClr val="000000"/>
                 </a:solidFill>
               </a:rPr>
-              <a:t>2/14</a:t>
+              <a:t>2/13</a:t>
             </a:r>
             <a:endParaRPr lang="en-US" altLang="zh-CN" dirty="0">
               <a:solidFill>
@@ -14882,7 +13964,7 @@
                   <a:srgbClr val="000000"/>
                 </a:solidFill>
               </a:rPr>
-              <a:t>3/14</a:t>
+              <a:t>3/13</a:t>
             </a:r>
             <a:endParaRPr lang="en-US" altLang="zh-CN" dirty="0">
               <a:solidFill>
@@ -15528,15 +14610,7 @@
                   <a:srgbClr val="000000"/>
                 </a:solidFill>
               </a:rPr>
-              <a:t>4</a:t>
-            </a:r>
-            <a:r>
-              <a:rPr lang="en-US" altLang="zh-CN" dirty="0" smtClean="0">
-                <a:solidFill>
-                  <a:srgbClr val="000000"/>
-                </a:solidFill>
-              </a:rPr>
-              <a:t>/14</a:t>
+              <a:t>4/13</a:t>
             </a:r>
             <a:endParaRPr lang="en-US" altLang="zh-CN" dirty="0">
               <a:solidFill>
@@ -16093,15 +15167,7 @@
                   <a:srgbClr val="000000"/>
                 </a:solidFill>
               </a:rPr>
-              <a:t>5</a:t>
-            </a:r>
-            <a:r>
-              <a:rPr lang="en-US" altLang="zh-CN" dirty="0" smtClean="0">
-                <a:solidFill>
-                  <a:srgbClr val="000000"/>
-                </a:solidFill>
-              </a:rPr>
-              <a:t>/14</a:t>
+              <a:t>5/13</a:t>
             </a:r>
             <a:endParaRPr lang="en-US" altLang="zh-CN" dirty="0">
               <a:solidFill>
@@ -16111,44 +15177,20 @@
           </a:p>
         </p:txBody>
       </p:sp>
-      <p:pic>
-        <p:nvPicPr>
-          <p:cNvPr id="15" name="图片 14"/>
-          <p:cNvPicPr>
-            <a:picLocks noChangeAspect="1"/>
-          </p:cNvPicPr>
-          <p:nvPr/>
-        </p:nvPicPr>
-        <p:blipFill>
-          <a:blip r:embed="rId3"/>
-          <a:stretch>
-            <a:fillRect/>
-          </a:stretch>
-        </p:blipFill>
+      <p:sp>
+        <p:nvSpPr>
+          <p:cNvPr id="16" name="内容占位符 2"/>
+          <p:cNvSpPr>
+            <a:spLocks noGrp="1"/>
+          </p:cNvSpPr>
+          <p:nvPr>
+            <p:ph idx="1"/>
+          </p:nvPr>
+        </p:nvSpPr>
         <p:spPr>
           <a:xfrm>
-            <a:off x="403354" y="3731491"/>
-            <a:ext cx="8184892" cy="1939770"/>
-          </a:xfrm>
-          <a:prstGeom prst="rect">
-            <a:avLst/>
-          </a:prstGeom>
-        </p:spPr>
-      </p:pic>
-      <p:sp>
-        <p:nvSpPr>
-          <p:cNvPr id="16" name="内容占位符 2"/>
-          <p:cNvSpPr>
-            <a:spLocks noGrp="1"/>
-          </p:cNvSpPr>
-          <p:nvPr>
-            <p:ph idx="1"/>
-          </p:nvPr>
-        </p:nvSpPr>
-        <p:spPr>
-          <a:xfrm>
-            <a:off x="381000" y="1066800"/>
-            <a:ext cx="8763000" cy="2664691"/>
+            <a:off x="381000" y="1066801"/>
+            <a:ext cx="8763000" cy="1109472"/>
           </a:xfrm>
         </p:spPr>
         <p:txBody>
@@ -16186,109 +15228,32 @@
             </a:pPr>
             <a:r>
               <a:rPr lang="zh-CN" altLang="en-US" dirty="0"/>
-              <a:t>由三部分构成：相位累加器、相位幅度转换器、数模转换器</a:t>
+              <a:t>由三部分构成：相位累加器、相位幅度转换器、</a:t>
+            </a:r>
+            <a:r>
+              <a:rPr lang="zh-CN" altLang="en-US" dirty="0" smtClean="0"/>
+              <a:t>数模转换器</a:t>
             </a:r>
             <a:endParaRPr lang="en-US" altLang="zh-CN" dirty="0"/>
-          </a:p>
-          <a:p>
-            <a:pPr>
-              <a:lnSpc>
-                <a:spcPct val="130000"/>
-              </a:lnSpc>
-            </a:pPr>
-            <a:r>
-              <a:rPr lang="zh-CN" altLang="en-US" dirty="0"/>
-              <a:t>直接数字综合的优点有：频率分辨率高，频率切换快，相位连续变化，易于集成等</a:t>
-            </a:r>
-            <a:endParaRPr lang="en-US" altLang="zh-CN" dirty="0"/>
-          </a:p>
-          <a:p>
-            <a:pPr>
-              <a:lnSpc>
-                <a:spcPct val="130000"/>
-              </a:lnSpc>
-            </a:pPr>
-            <a:endParaRPr lang="en-US" altLang="zh-CN" dirty="0"/>
-          </a:p>
-        </p:txBody>
-      </p:sp>
-    </p:spTree>
-    <p:extLst>
-      <p:ext uri="{BB962C8B-B14F-4D97-AF65-F5344CB8AC3E}">
-        <p14:creationId xmlns:p14="http://schemas.microsoft.com/office/powerpoint/2010/main" val="494088992"/>
-      </p:ext>
-    </p:extLst>
-  </p:cSld>
-  <p:clrMapOvr>
-    <a:masterClrMapping/>
-  </p:clrMapOvr>
-</p:sld>
-</file>
-
-<file path=ppt/slides/slide6.xml><?xml version="1.0" encoding="utf-8"?>
-<p:sld xmlns:a="http://schemas.openxmlformats.org/drawingml/2006/main" xmlns:r="http://schemas.openxmlformats.org/officeDocument/2006/relationships" xmlns:p="http://schemas.openxmlformats.org/presentationml/2006/main">
-  <p:cSld>
-    <p:spTree>
-      <p:nvGrpSpPr>
-        <p:cNvPr id="1" name=""/>
-        <p:cNvGrpSpPr/>
-        <p:nvPr/>
-      </p:nvGrpSpPr>
-      <p:grpSpPr>
-        <a:xfrm>
-          <a:off x="0" y="0"/>
-          <a:ext cx="0" cy="0"/>
-          <a:chOff x="0" y="0"/>
-          <a:chExt cx="0" cy="0"/>
-        </a:xfrm>
-      </p:grpSpPr>
-      <p:sp>
-        <p:nvSpPr>
-          <p:cNvPr id="2" name="标题 1"/>
-          <p:cNvSpPr>
-            <a:spLocks noGrp="1"/>
-          </p:cNvSpPr>
-          <p:nvPr>
-            <p:ph type="title"/>
-          </p:nvPr>
-        </p:nvSpPr>
-        <p:spPr/>
-        <p:txBody>
-          <a:bodyPr/>
-          <a:lstStyle/>
-          <a:p>
-            <a:r>
-              <a:rPr lang="zh-CN" altLang="en-US" sz="3600" dirty="0"/>
-              <a:t>研究背景</a:t>
-            </a:r>
-            <a:r>
-              <a:rPr lang="en-US" altLang="zh-CN" sz="3600" dirty="0"/>
-              <a:t>——</a:t>
-            </a:r>
-            <a:r>
-              <a:rPr lang="zh-CN" altLang="en-US" sz="3600" dirty="0"/>
-              <a:t>直接数字综合</a:t>
-            </a:r>
           </a:p>
         </p:txBody>
       </p:sp>
       <p:graphicFrame>
         <p:nvGraphicFramePr>
-          <p:cNvPr id="4" name="内容占位符 3"/>
+          <p:cNvPr id="6" name="内容占位符 3"/>
           <p:cNvGraphicFramePr>
-            <a:graphicFrameLocks noGrp="1"/>
+            <a:graphicFrameLocks/>
           </p:cNvGraphicFramePr>
           <p:nvPr>
-            <p:ph idx="1"/>
             <p:extLst>
               <p:ext uri="{D42A27DB-BD31-4B8C-83A1-F6EECF244321}">
-                <p14:modId xmlns:p14="http://schemas.microsoft.com/office/powerpoint/2010/main" val="892520362"/>
+                <p14:modId xmlns:p14="http://schemas.microsoft.com/office/powerpoint/2010/main" val="3502898032"/>
               </p:ext>
             </p:extLst>
           </p:nvPr>
         </p:nvGraphicFramePr>
         <p:xfrm>
-          <a:off x="173736" y="1704263"/>
+          <a:off x="173736" y="2850221"/>
           <a:ext cx="8883178" cy="1763068"/>
         </p:xfrm>
         <a:graphic>
@@ -18322,46 +17287,13 @@
       </p:graphicFrame>
       <p:sp>
         <p:nvSpPr>
-          <p:cNvPr id="8" name="文本框 7"/>
+          <p:cNvPr id="7" name="文本框 6"/>
           <p:cNvSpPr txBox="1"/>
           <p:nvPr/>
         </p:nvSpPr>
         <p:spPr>
           <a:xfrm>
-            <a:off x="977048" y="1006882"/>
-            <a:ext cx="7037504" cy="523220"/>
-          </a:xfrm>
-          <a:prstGeom prst="rect">
-            <a:avLst/>
-          </a:prstGeom>
-          <a:noFill/>
-        </p:spPr>
-        <p:txBody>
-          <a:bodyPr wrap="none" rtlCol="0">
-            <a:spAutoFit/>
-          </a:bodyPr>
-          <a:lstStyle/>
-          <a:p>
-            <a:r>
-              <a:rPr lang="zh-CN" altLang="en-US" sz="2800" b="1" dirty="0">
-                <a:solidFill>
-                  <a:srgbClr val="FF0000"/>
-                </a:solidFill>
-              </a:rPr>
-              <a:t>实现频率综合器的三种方法相互之间的比较</a:t>
-            </a:r>
-          </a:p>
-        </p:txBody>
-      </p:sp>
-      <p:sp>
-        <p:nvSpPr>
-          <p:cNvPr id="9" name="文本框 8"/>
-          <p:cNvSpPr txBox="1"/>
-          <p:nvPr/>
-        </p:nvSpPr>
-        <p:spPr>
-          <a:xfrm>
-            <a:off x="173734" y="3828819"/>
+            <a:off x="173734" y="4777389"/>
             <a:ext cx="5657087" cy="1477328"/>
           </a:xfrm>
           <a:prstGeom prst="rect">
@@ -18497,7 +17429,105 @@
       </p:sp>
       <p:sp>
         <p:nvSpPr>
-          <p:cNvPr id="6" name="页脚占位符 5"/>
+          <p:cNvPr id="3" name="文本框 2"/>
+          <p:cNvSpPr txBox="1"/>
+          <p:nvPr/>
+        </p:nvSpPr>
+        <p:spPr>
+          <a:xfrm>
+            <a:off x="630936" y="2328674"/>
+            <a:ext cx="5385816" cy="461665"/>
+          </a:xfrm>
+          <a:prstGeom prst="rect">
+            <a:avLst/>
+          </a:prstGeom>
+          <a:noFill/>
+        </p:spPr>
+        <p:txBody>
+          <a:bodyPr wrap="square" rtlCol="0">
+            <a:spAutoFit/>
+          </a:bodyPr>
+          <a:lstStyle/>
+          <a:p>
+            <a:r>
+              <a:rPr lang="zh-CN" altLang="en-US" sz="2400" dirty="0">
+                <a:latin typeface="Arial Unicode MS" pitchFamily="34" charset="-122"/>
+                <a:ea typeface="Arial Unicode MS" pitchFamily="34" charset="-122"/>
+                <a:cs typeface="Arial Unicode MS" pitchFamily="34" charset="-122"/>
+              </a:rPr>
+              <a:t>同锁相环技术</a:t>
+            </a:r>
+            <a:r>
+              <a:rPr lang="zh-CN" altLang="en-US" sz="2400" dirty="0" smtClean="0">
+                <a:latin typeface="Arial Unicode MS" pitchFamily="34" charset="-122"/>
+                <a:ea typeface="Arial Unicode MS" pitchFamily="34" charset="-122"/>
+                <a:cs typeface="Arial Unicode MS" pitchFamily="34" charset="-122"/>
+              </a:rPr>
+              <a:t>比较：</a:t>
+            </a:r>
+            <a:endParaRPr lang="zh-CN" altLang="en-US" sz="2400" dirty="0">
+              <a:latin typeface="Arial Unicode MS" pitchFamily="34" charset="-122"/>
+              <a:ea typeface="Arial Unicode MS" pitchFamily="34" charset="-122"/>
+              <a:cs typeface="Arial Unicode MS" pitchFamily="34" charset="-122"/>
+            </a:endParaRPr>
+          </a:p>
+        </p:txBody>
+      </p:sp>
+    </p:spTree>
+    <p:extLst>
+      <p:ext uri="{BB962C8B-B14F-4D97-AF65-F5344CB8AC3E}">
+        <p14:creationId xmlns:p14="http://schemas.microsoft.com/office/powerpoint/2010/main" val="494088992"/>
+      </p:ext>
+    </p:extLst>
+  </p:cSld>
+  <p:clrMapOvr>
+    <a:masterClrMapping/>
+  </p:clrMapOvr>
+</p:sld>
+</file>
+
+<file path=ppt/slides/slide6.xml><?xml version="1.0" encoding="utf-8"?>
+<p:sld xmlns:a="http://schemas.openxmlformats.org/drawingml/2006/main" xmlns:r="http://schemas.openxmlformats.org/officeDocument/2006/relationships" xmlns:p="http://schemas.openxmlformats.org/presentationml/2006/main">
+  <p:cSld>
+    <p:spTree>
+      <p:nvGrpSpPr>
+        <p:cNvPr id="1" name=""/>
+        <p:cNvGrpSpPr/>
+        <p:nvPr/>
+      </p:nvGrpSpPr>
+      <p:grpSpPr>
+        <a:xfrm>
+          <a:off x="0" y="0"/>
+          <a:ext cx="0" cy="0"/>
+          <a:chOff x="0" y="0"/>
+          <a:chExt cx="0" cy="0"/>
+        </a:xfrm>
+      </p:grpSpPr>
+      <p:sp>
+        <p:nvSpPr>
+          <p:cNvPr id="2" name="标题 1"/>
+          <p:cNvSpPr>
+            <a:spLocks noGrp="1"/>
+          </p:cNvSpPr>
+          <p:nvPr>
+            <p:ph type="title"/>
+          </p:nvPr>
+        </p:nvSpPr>
+        <p:spPr/>
+        <p:txBody>
+          <a:bodyPr/>
+          <a:lstStyle/>
+          <a:p>
+            <a:r>
+              <a:rPr lang="zh-CN" altLang="en-US" sz="3600" dirty="0"/>
+              <a:t>课程目标</a:t>
+            </a:r>
+          </a:p>
+        </p:txBody>
+      </p:sp>
+      <p:sp>
+        <p:nvSpPr>
+          <p:cNvPr id="4" name="页脚占位符 3"/>
           <p:cNvSpPr>
             <a:spLocks noGrp="1"/>
           </p:cNvSpPr>
@@ -18516,7 +17546,15 @@
                   <a:srgbClr val="000000"/>
                 </a:solidFill>
               </a:rPr>
-              <a:t>6/14</a:t>
+              <a:t>6</a:t>
+            </a:r>
+            <a:r>
+              <a:rPr lang="en-US" altLang="zh-CN" dirty="0" smtClean="0">
+                <a:solidFill>
+                  <a:srgbClr val="000000"/>
+                </a:solidFill>
+              </a:rPr>
+              <a:t>/13</a:t>
             </a:r>
             <a:endParaRPr lang="en-US" altLang="zh-CN" dirty="0">
               <a:solidFill>
@@ -18526,10 +17564,282 @@
           </a:p>
         </p:txBody>
       </p:sp>
+      <p:sp>
+        <p:nvSpPr>
+          <p:cNvPr id="5" name="文本框 4"/>
+          <p:cNvSpPr txBox="1"/>
+          <p:nvPr/>
+        </p:nvSpPr>
+        <p:spPr>
+          <a:xfrm>
+            <a:off x="591127" y="1163782"/>
+            <a:ext cx="8019473" cy="5139869"/>
+          </a:xfrm>
+          <a:prstGeom prst="rect">
+            <a:avLst/>
+          </a:prstGeom>
+          <a:noFill/>
+        </p:spPr>
+        <p:txBody>
+          <a:bodyPr wrap="square" rtlCol="0">
+            <a:spAutoFit/>
+          </a:bodyPr>
+          <a:lstStyle/>
+          <a:p>
+            <a:pPr>
+              <a:spcAft>
+                <a:spcPts val="1200"/>
+              </a:spcAft>
+            </a:pPr>
+            <a:r>
+              <a:rPr lang="zh-CN" altLang="en-US" sz="2800" dirty="0" smtClean="0">
+                <a:ea typeface="Arial Unicode MS" pitchFamily="34" charset="-122"/>
+              </a:rPr>
+              <a:t>目标</a:t>
+            </a:r>
+            <a:r>
+              <a:rPr lang="zh-CN" altLang="en-US" sz="2800" dirty="0">
+                <a:ea typeface="Arial Unicode MS" pitchFamily="34" charset="-122"/>
+              </a:rPr>
+              <a:t>：设计高速、高精度数控振荡器</a:t>
+            </a:r>
+            <a:endParaRPr lang="en-US" altLang="zh-CN" sz="2800" dirty="0">
+              <a:ea typeface="Arial Unicode MS" pitchFamily="34" charset="-122"/>
+            </a:endParaRPr>
+          </a:p>
+          <a:p>
+            <a:pPr marL="342900" indent="-342900">
+              <a:spcBef>
+                <a:spcPts val="600"/>
+              </a:spcBef>
+              <a:buAutoNum type="arabicPeriod"/>
+            </a:pPr>
+            <a:r>
+              <a:rPr lang="zh-CN" altLang="en-US" sz="2000" dirty="0"/>
+              <a:t>利用直接数字综合方法实现数控振荡器</a:t>
+            </a:r>
+            <a:endParaRPr lang="en-US" altLang="zh-CN" sz="2000" dirty="0"/>
+          </a:p>
+          <a:p>
+            <a:pPr marL="342900" indent="-342900">
+              <a:spcBef>
+                <a:spcPts val="600"/>
+              </a:spcBef>
+              <a:buAutoNum type="arabicPeriod"/>
+            </a:pPr>
+            <a:r>
+              <a:rPr lang="zh-CN" altLang="en-US" sz="2000" dirty="0"/>
+              <a:t>理论上解释数控振荡器的误差来源，仿真中找到性能瓶颈</a:t>
+            </a:r>
+            <a:endParaRPr lang="en-US" altLang="zh-CN" sz="2000" dirty="0"/>
+          </a:p>
+          <a:p>
+            <a:pPr marL="342900" indent="-342900">
+              <a:spcBef>
+                <a:spcPts val="600"/>
+              </a:spcBef>
+              <a:buAutoNum type="arabicPeriod"/>
+            </a:pPr>
+            <a:r>
+              <a:rPr lang="zh-CN" altLang="en-US" sz="2000" dirty="0"/>
+              <a:t>根据场景，结合压缩算法、非线性</a:t>
+            </a:r>
+            <a:r>
+              <a:rPr lang="en-US" altLang="zh-CN" sz="2000" dirty="0"/>
+              <a:t>DAC</a:t>
+            </a:r>
+            <a:r>
+              <a:rPr lang="zh-CN" altLang="en-US" sz="2000" dirty="0"/>
+              <a:t>、</a:t>
+            </a:r>
+            <a:r>
+              <a:rPr lang="en-US" altLang="zh-CN" sz="2000" dirty="0"/>
+              <a:t>CORDIC</a:t>
+            </a:r>
+            <a:r>
+              <a:rPr lang="zh-CN" altLang="en-US" sz="2000" dirty="0"/>
+              <a:t>算法，合理优化</a:t>
+            </a:r>
+            <a:endParaRPr lang="en-US" altLang="zh-CN" sz="2000" dirty="0"/>
+          </a:p>
+          <a:p>
+            <a:pPr marL="342900" indent="-342900">
+              <a:spcBef>
+                <a:spcPts val="600"/>
+              </a:spcBef>
+              <a:buAutoNum type="arabicPeriod"/>
+            </a:pPr>
+            <a:r>
+              <a:rPr lang="zh-CN" altLang="en-US" sz="2000" dirty="0"/>
+              <a:t>提出新的</a:t>
+            </a:r>
+            <a:r>
+              <a:rPr lang="en-US" altLang="zh-CN" sz="2000" dirty="0"/>
+              <a:t>NCO</a:t>
+            </a:r>
+            <a:r>
+              <a:rPr lang="zh-CN" altLang="en-US" sz="2000" dirty="0"/>
+              <a:t>电路设计，在仿真中达到以下主要指标：</a:t>
+            </a:r>
+            <a:endParaRPr lang="en-US" altLang="zh-CN" sz="2000" dirty="0"/>
+          </a:p>
+          <a:p>
+            <a:pPr>
+              <a:spcBef>
+                <a:spcPts val="600"/>
+              </a:spcBef>
+            </a:pPr>
+            <a:r>
+              <a:rPr lang="en-US" altLang="zh-CN" sz="2000" dirty="0"/>
+              <a:t>       —</a:t>
+            </a:r>
+            <a:r>
+              <a:rPr lang="zh-CN" altLang="en-US" sz="2000" dirty="0"/>
+              <a:t>频率分辨率：</a:t>
+            </a:r>
+            <a:r>
+              <a:rPr lang="en-US" altLang="zh-CN" sz="2000" dirty="0" err="1"/>
+              <a:t>subHz</a:t>
+            </a:r>
+            <a:r>
+              <a:rPr lang="en-US" altLang="zh-CN" sz="2000" dirty="0"/>
+              <a:t> </a:t>
+            </a:r>
+            <a:r>
+              <a:rPr lang="zh-CN" altLang="en-US" sz="2000" dirty="0"/>
+              <a:t>数量级</a:t>
+            </a:r>
+            <a:endParaRPr lang="en-US" altLang="zh-CN" sz="2000" dirty="0"/>
+          </a:p>
+          <a:p>
+            <a:pPr>
+              <a:spcBef>
+                <a:spcPts val="600"/>
+              </a:spcBef>
+            </a:pPr>
+            <a:r>
+              <a:rPr lang="en-US" altLang="zh-CN" sz="2000" dirty="0"/>
+              <a:t>       —</a:t>
+            </a:r>
+            <a:r>
+              <a:rPr lang="zh-CN" altLang="en-US" sz="2000" dirty="0"/>
+              <a:t>时钟频率：</a:t>
+            </a:r>
+            <a:r>
+              <a:rPr lang="en-US" altLang="zh-CN" sz="2000" dirty="0"/>
+              <a:t>1 GHz </a:t>
+            </a:r>
+            <a:r>
+              <a:rPr lang="zh-CN" altLang="en-US" sz="2000" dirty="0"/>
+              <a:t>以上</a:t>
+            </a:r>
+            <a:endParaRPr lang="en-US" altLang="zh-CN" sz="2000" dirty="0"/>
+          </a:p>
+          <a:p>
+            <a:pPr>
+              <a:spcBef>
+                <a:spcPts val="600"/>
+              </a:spcBef>
+            </a:pPr>
+            <a:r>
+              <a:rPr lang="en-US" altLang="zh-CN" sz="2000" dirty="0"/>
+              <a:t>       —</a:t>
+            </a:r>
+            <a:r>
+              <a:rPr lang="zh-CN" altLang="en-US" sz="2000" dirty="0"/>
+              <a:t>杂散性能：</a:t>
+            </a:r>
+            <a:r>
+              <a:rPr lang="en-US" altLang="zh-CN" sz="2000" dirty="0"/>
+              <a:t>50 </a:t>
+            </a:r>
+            <a:r>
+              <a:rPr lang="en-US" altLang="zh-CN" sz="2000" dirty="0" err="1"/>
+              <a:t>dBc</a:t>
+            </a:r>
+            <a:endParaRPr lang="en-US" altLang="zh-CN" sz="2000" dirty="0"/>
+          </a:p>
+          <a:p>
+            <a:pPr>
+              <a:spcBef>
+                <a:spcPts val="600"/>
+              </a:spcBef>
+            </a:pPr>
+            <a:r>
+              <a:rPr lang="en-US" altLang="zh-CN" sz="2000" dirty="0"/>
+              <a:t>       —</a:t>
+            </a:r>
+            <a:r>
+              <a:rPr lang="zh-CN" altLang="en-US" sz="2000" dirty="0"/>
+              <a:t>切换延时：</a:t>
+            </a:r>
+            <a:r>
+              <a:rPr lang="en-US" altLang="zh-CN" sz="2000" dirty="0"/>
+              <a:t>10 ns </a:t>
+            </a:r>
+            <a:r>
+              <a:rPr lang="zh-CN" altLang="en-US" sz="2000" dirty="0"/>
+              <a:t>数量级</a:t>
+            </a:r>
+            <a:endParaRPr lang="en-US" altLang="zh-CN" sz="2000" dirty="0"/>
+          </a:p>
+          <a:p>
+            <a:pPr>
+              <a:spcBef>
+                <a:spcPts val="600"/>
+              </a:spcBef>
+            </a:pPr>
+            <a:r>
+              <a:rPr lang="en-US" altLang="zh-CN" sz="2000" dirty="0"/>
+              <a:t>5. </a:t>
+            </a:r>
+            <a:r>
+              <a:rPr lang="zh-CN" altLang="en-US" sz="2000" dirty="0"/>
+              <a:t>谋求在电路层面创新，利用高速低功耗的电路进一步提高</a:t>
+            </a:r>
+            <a:r>
+              <a:rPr lang="en-US" altLang="zh-CN" sz="2000" dirty="0"/>
+              <a:t>NCO</a:t>
+            </a:r>
+            <a:r>
+              <a:rPr lang="zh-CN" altLang="en-US" sz="2000" dirty="0"/>
+              <a:t>性能</a:t>
+            </a:r>
+            <a:endParaRPr lang="en-US" altLang="zh-CN" sz="2000" dirty="0"/>
+          </a:p>
+          <a:p>
+            <a:pPr marL="342900" indent="-342900">
+              <a:spcBef>
+                <a:spcPts val="600"/>
+              </a:spcBef>
+              <a:buAutoNum type="arabicPeriod"/>
+            </a:pPr>
+            <a:endParaRPr lang="en-US" altLang="zh-CN" sz="2000" dirty="0">
+              <a:ea typeface="Arial Unicode MS" pitchFamily="34" charset="-122"/>
+            </a:endParaRPr>
+          </a:p>
+          <a:p>
+            <a:pPr marL="342900" indent="-342900">
+              <a:buAutoNum type="arabicPeriod"/>
+            </a:pPr>
+            <a:endParaRPr lang="en-US" altLang="zh-CN" sz="2000" dirty="0">
+              <a:ea typeface="Arial Unicode MS" pitchFamily="34" charset="-122"/>
+            </a:endParaRPr>
+          </a:p>
+          <a:p>
+            <a:pPr marL="342900" indent="-342900">
+              <a:buAutoNum type="arabicPeriod"/>
+            </a:pPr>
+            <a:endParaRPr lang="en-US" altLang="zh-CN" sz="2000" dirty="0">
+              <a:ea typeface="Arial Unicode MS" pitchFamily="34" charset="-122"/>
+            </a:endParaRPr>
+          </a:p>
+        </p:txBody>
+      </p:sp>
     </p:spTree>
     <p:extLst>
       <p:ext uri="{BB962C8B-B14F-4D97-AF65-F5344CB8AC3E}">
-        <p14:creationId xmlns:p14="http://schemas.microsoft.com/office/powerpoint/2010/main" val="1981578094"/>
+        <p14:creationId xmlns:p14="http://schemas.microsoft.com/office/powerpoint/2010/main" val="241809917"/>
       </p:ext>
     </p:extLst>
   </p:cSld>
@@ -18573,14 +17883,14 @@
           <a:p>
             <a:r>
               <a:rPr lang="zh-CN" altLang="en-US" sz="3600" dirty="0"/>
-              <a:t>课程目标</a:t>
-            </a:r>
-          </a:p>
-        </p:txBody>
-      </p:sp>
-      <p:sp>
-        <p:nvSpPr>
-          <p:cNvPr id="4" name="页脚占位符 3"/>
+              <a:t>前期调研结果</a:t>
+            </a:r>
+          </a:p>
+        </p:txBody>
+      </p:sp>
+      <p:sp>
+        <p:nvSpPr>
+          <p:cNvPr id="8" name="页脚占位符 7"/>
           <p:cNvSpPr>
             <a:spLocks noGrp="1"/>
           </p:cNvSpPr>
@@ -18607,7 +17917,7 @@
                   <a:srgbClr val="000000"/>
                 </a:solidFill>
               </a:rPr>
-              <a:t>/14</a:t>
+              <a:t>/13</a:t>
             </a:r>
             <a:endParaRPr lang="en-US" altLang="zh-CN" dirty="0">
               <a:solidFill>
@@ -18619,280 +17929,225 @@
       </p:sp>
       <p:sp>
         <p:nvSpPr>
-          <p:cNvPr id="5" name="文本框 4"/>
-          <p:cNvSpPr txBox="1"/>
-          <p:nvPr/>
+          <p:cNvPr id="9" name="内容占位符 2"/>
+          <p:cNvSpPr>
+            <a:spLocks noGrp="1"/>
+          </p:cNvSpPr>
+          <p:nvPr>
+            <p:ph idx="1"/>
+          </p:nvPr>
         </p:nvSpPr>
         <p:spPr>
           <a:xfrm>
-            <a:off x="591127" y="1163782"/>
-            <a:ext cx="8019473" cy="5139869"/>
+            <a:off x="381000" y="1065212"/>
+            <a:ext cx="8393545" cy="5165725"/>
           </a:xfrm>
-          <a:prstGeom prst="rect">
-            <a:avLst/>
-          </a:prstGeom>
-          <a:noFill/>
         </p:spPr>
         <p:txBody>
-          <a:bodyPr wrap="square" rtlCol="0">
-            <a:spAutoFit/>
-          </a:bodyPr>
+          <a:bodyPr/>
           <a:lstStyle/>
           <a:p>
             <a:pPr>
+              <a:spcBef>
+                <a:spcPts val="600"/>
+              </a:spcBef>
+              <a:spcAft>
+                <a:spcPts val="600"/>
+              </a:spcAft>
+            </a:pPr>
+            <a:r>
+              <a:rPr lang="zh-CN" altLang="en-US" dirty="0"/>
+              <a:t>调研发现，</a:t>
+            </a:r>
+            <a:r>
+              <a:rPr lang="en-US" altLang="zh-CN" dirty="0"/>
+              <a:t>NCO</a:t>
+            </a:r>
+            <a:r>
+              <a:rPr lang="zh-CN" altLang="en-US" dirty="0"/>
+              <a:t>性能主要受到时钟、存储器和</a:t>
+            </a:r>
+            <a:r>
+              <a:rPr lang="en-US" altLang="zh-CN" dirty="0"/>
+              <a:t>DAC</a:t>
+            </a:r>
+            <a:r>
+              <a:rPr lang="zh-CN" altLang="en-US" dirty="0"/>
+              <a:t>的制约</a:t>
+            </a:r>
+            <a:endParaRPr lang="en-US" altLang="zh-CN" dirty="0"/>
+          </a:p>
+          <a:p>
+            <a:pPr lvl="1">
+              <a:spcBef>
+                <a:spcPts val="0"/>
+              </a:spcBef>
               <a:spcAft>
                 <a:spcPts val="1200"/>
               </a:spcAft>
             </a:pPr>
             <a:r>
-              <a:rPr lang="zh-CN" altLang="en-US" sz="2800" dirty="0" smtClean="0">
-                <a:ea typeface="Arial Unicode MS" pitchFamily="34" charset="-122"/>
-              </a:rPr>
-              <a:t>目标</a:t>
-            </a:r>
-            <a:r>
-              <a:rPr lang="zh-CN" altLang="en-US" sz="2800" dirty="0">
-                <a:ea typeface="Arial Unicode MS" pitchFamily="34" charset="-122"/>
-              </a:rPr>
-              <a:t>：设计高速、高精度数控振荡器</a:t>
-            </a:r>
-            <a:endParaRPr lang="en-US" altLang="zh-CN" sz="2800" dirty="0">
-              <a:ea typeface="Arial Unicode MS" pitchFamily="34" charset="-122"/>
-            </a:endParaRPr>
-          </a:p>
-          <a:p>
-            <a:pPr marL="342900" indent="-342900">
+              <a:rPr lang="zh-CN" altLang="en-US" dirty="0"/>
+              <a:t>时钟局限：很难产生超高频、高纯度的时钟信号</a:t>
+            </a:r>
+            <a:endParaRPr lang="en-US" altLang="zh-CN" dirty="0"/>
+          </a:p>
+          <a:p>
+            <a:pPr lvl="1">
               <a:spcBef>
-                <a:spcPts val="600"/>
+                <a:spcPts val="0"/>
               </a:spcBef>
-              <a:buAutoNum type="arabicPeriod"/>
+              <a:spcAft>
+                <a:spcPts val="1200"/>
+              </a:spcAft>
             </a:pPr>
             <a:r>
-              <a:rPr lang="zh-CN" altLang="en-US" sz="2000" dirty="0"/>
-              <a:t>利用直接数字综合方法实现数控振荡器</a:t>
-            </a:r>
-            <a:endParaRPr lang="en-US" altLang="zh-CN" sz="2000" dirty="0"/>
-          </a:p>
-          <a:p>
-            <a:pPr marL="342900" indent="-342900">
+              <a:rPr lang="zh-CN" altLang="en-US" dirty="0"/>
+              <a:t>存储局限：访问速度受容量限制，截断数据则引入周期性噪声</a:t>
+            </a:r>
+            <a:endParaRPr lang="en-US" altLang="zh-CN" dirty="0"/>
+          </a:p>
+          <a:p>
+            <a:pPr lvl="1">
               <a:spcBef>
-                <a:spcPts val="600"/>
+                <a:spcPts val="0"/>
               </a:spcBef>
-              <a:buAutoNum type="arabicPeriod"/>
+              <a:spcAft>
+                <a:spcPts val="1200"/>
+              </a:spcAft>
             </a:pPr>
             <a:r>
-              <a:rPr lang="zh-CN" altLang="en-US" sz="2000" dirty="0"/>
-              <a:t>理论上解释数控振荡器的误差来源，仿真中找到性能瓶颈</a:t>
-            </a:r>
-            <a:endParaRPr lang="en-US" altLang="zh-CN" sz="2000" dirty="0"/>
-          </a:p>
-          <a:p>
-            <a:pPr marL="342900" indent="-342900">
+              <a:rPr lang="en-US" altLang="zh-CN" dirty="0"/>
+              <a:t>DAC</a:t>
+            </a:r>
+            <a:r>
+              <a:rPr lang="zh-CN" altLang="en-US" dirty="0"/>
+              <a:t>局限：</a:t>
+            </a:r>
+            <a:r>
+              <a:rPr lang="en-US" altLang="zh-CN" dirty="0"/>
+              <a:t>DAC</a:t>
+            </a:r>
+            <a:r>
+              <a:rPr lang="zh-CN" altLang="en-US" dirty="0"/>
+              <a:t>速率普遍在</a:t>
+            </a:r>
+            <a:r>
+              <a:rPr lang="en-US" altLang="zh-CN" dirty="0"/>
+              <a:t>10Gbs</a:t>
+            </a:r>
+            <a:r>
+              <a:rPr lang="zh-CN" altLang="en-US" dirty="0"/>
+              <a:t>以下</a:t>
+            </a:r>
+            <a:endParaRPr lang="en-US" altLang="zh-CN" dirty="0"/>
+          </a:p>
+          <a:p>
+            <a:pPr marL="342900" lvl="1" indent="0">
               <a:spcBef>
-                <a:spcPts val="600"/>
+                <a:spcPts val="0"/>
               </a:spcBef>
-              <a:buAutoNum type="arabicPeriod"/>
+              <a:spcAft>
+                <a:spcPts val="1200"/>
+              </a:spcAft>
+              <a:buNone/>
             </a:pPr>
             <a:r>
-              <a:rPr lang="zh-CN" altLang="en-US" sz="2000" dirty="0"/>
-              <a:t>根据场景，结合压缩算法、非线性</a:t>
-            </a:r>
-            <a:r>
-              <a:rPr lang="en-US" altLang="zh-CN" sz="2000" dirty="0"/>
-              <a:t>DAC</a:t>
-            </a:r>
-            <a:r>
-              <a:rPr lang="zh-CN" altLang="en-US" sz="2000" dirty="0"/>
-              <a:t>、</a:t>
-            </a:r>
-            <a:r>
-              <a:rPr lang="en-US" altLang="zh-CN" sz="2000" dirty="0"/>
-              <a:t>CORDIC</a:t>
-            </a:r>
-            <a:r>
-              <a:rPr lang="zh-CN" altLang="en-US" sz="2000" dirty="0"/>
-              <a:t>算法，合理优化</a:t>
-            </a:r>
-            <a:endParaRPr lang="en-US" altLang="zh-CN" sz="2000" dirty="0"/>
-          </a:p>
-          <a:p>
-            <a:pPr marL="342900" indent="-342900">
-              <a:spcBef>
-                <a:spcPts val="600"/>
-              </a:spcBef>
-              <a:buAutoNum type="arabicPeriod"/>
-            </a:pPr>
-            <a:r>
-              <a:rPr lang="zh-CN" altLang="en-US" sz="2000" dirty="0"/>
-              <a:t>提出新的</a:t>
-            </a:r>
-            <a:r>
-              <a:rPr lang="en-US" altLang="zh-CN" sz="2000" dirty="0"/>
-              <a:t>NCO</a:t>
-            </a:r>
-            <a:r>
-              <a:rPr lang="zh-CN" altLang="en-US" sz="2000" dirty="0"/>
-              <a:t>电路设计，在仿真中达到以下主要指标：</a:t>
-            </a:r>
-            <a:endParaRPr lang="en-US" altLang="zh-CN" sz="2000" dirty="0"/>
+              <a:rPr lang="zh-CN" altLang="en-US" dirty="0"/>
+              <a:t>目前的系统瓶颈是存储器访问速度比较慢</a:t>
+            </a:r>
+            <a:endParaRPr lang="en-US" altLang="zh-CN" dirty="0"/>
           </a:p>
           <a:p>
             <a:pPr>
               <a:spcBef>
                 <a:spcPts val="600"/>
               </a:spcBef>
+              <a:spcAft>
+                <a:spcPts val="600"/>
+              </a:spcAft>
             </a:pPr>
             <a:r>
-              <a:rPr lang="en-US" altLang="zh-CN" sz="2000" dirty="0"/>
-              <a:t>       —</a:t>
-            </a:r>
-            <a:r>
-              <a:rPr lang="zh-CN" altLang="en-US" sz="2000" dirty="0"/>
-              <a:t>频率分辨率：</a:t>
-            </a:r>
-            <a:r>
-              <a:rPr lang="en-US" altLang="zh-CN" sz="2000" dirty="0" err="1"/>
-              <a:t>subHz</a:t>
-            </a:r>
-            <a:r>
-              <a:rPr lang="en-US" altLang="zh-CN" sz="2000" dirty="0"/>
-              <a:t> </a:t>
-            </a:r>
-            <a:r>
-              <a:rPr lang="zh-CN" altLang="en-US" sz="2000" dirty="0"/>
-              <a:t>数量级</a:t>
-            </a:r>
-            <a:endParaRPr lang="en-US" altLang="zh-CN" sz="2000" dirty="0"/>
-          </a:p>
-          <a:p>
-            <a:pPr>
+              <a:rPr lang="zh-CN" altLang="en-US" dirty="0"/>
+              <a:t>重点解决存储器的访问速度问题，主要有三种优化方法</a:t>
+            </a:r>
+            <a:endParaRPr lang="en-US" altLang="zh-CN" dirty="0"/>
+          </a:p>
+          <a:p>
+            <a:pPr lvl="1">
               <a:spcBef>
-                <a:spcPts val="600"/>
+                <a:spcPts val="0"/>
               </a:spcBef>
+              <a:spcAft>
+                <a:spcPts val="1200"/>
+              </a:spcAft>
             </a:pPr>
             <a:r>
-              <a:rPr lang="en-US" altLang="zh-CN" sz="2000" dirty="0"/>
-              <a:t>       —</a:t>
-            </a:r>
-            <a:r>
-              <a:rPr lang="zh-CN" altLang="en-US" sz="2000" dirty="0"/>
-              <a:t>时钟频率：</a:t>
-            </a:r>
-            <a:r>
-              <a:rPr lang="en-US" altLang="zh-CN" sz="2000" dirty="0"/>
-              <a:t>1 GHz </a:t>
-            </a:r>
-            <a:r>
-              <a:rPr lang="zh-CN" altLang="en-US" sz="2000" dirty="0"/>
-              <a:t>以上</a:t>
-            </a:r>
-            <a:endParaRPr lang="en-US" altLang="zh-CN" sz="2000" dirty="0"/>
-          </a:p>
-          <a:p>
-            <a:pPr>
+              <a:rPr lang="zh-CN" altLang="en-US" dirty="0"/>
+              <a:t>压缩方法：利用对称性压缩、</a:t>
+            </a:r>
+            <a:r>
+              <a:rPr lang="en-US" altLang="zh-CN" dirty="0"/>
+              <a:t>Nicholas</a:t>
+            </a:r>
+            <a:r>
+              <a:rPr lang="zh-CN" altLang="en-US" dirty="0"/>
+              <a:t>构架、分段方法等</a:t>
+            </a:r>
+            <a:endParaRPr lang="en-US" altLang="zh-CN" dirty="0"/>
+          </a:p>
+          <a:p>
+            <a:pPr lvl="1">
               <a:spcBef>
-                <a:spcPts val="600"/>
+                <a:spcPts val="0"/>
               </a:spcBef>
+              <a:spcAft>
+                <a:spcPts val="1200"/>
+              </a:spcAft>
             </a:pPr>
             <a:r>
-              <a:rPr lang="en-US" altLang="zh-CN" sz="2000" dirty="0"/>
-              <a:t>       —</a:t>
-            </a:r>
-            <a:r>
-              <a:rPr lang="zh-CN" altLang="en-US" sz="2000" dirty="0"/>
-              <a:t>杂散性能：</a:t>
-            </a:r>
-            <a:r>
-              <a:rPr lang="en-US" altLang="zh-CN" sz="2000" dirty="0"/>
-              <a:t>50 </a:t>
-            </a:r>
-            <a:r>
-              <a:rPr lang="en-US" altLang="zh-CN" sz="2000" dirty="0" err="1"/>
-              <a:t>dBc</a:t>
-            </a:r>
-            <a:endParaRPr lang="en-US" altLang="zh-CN" sz="2000" dirty="0"/>
-          </a:p>
-          <a:p>
-            <a:pPr>
+              <a:rPr lang="zh-CN" altLang="en-US" dirty="0"/>
+              <a:t>旋转法：通过</a:t>
+            </a:r>
+            <a:r>
+              <a:rPr lang="en-US" altLang="zh-CN" dirty="0"/>
+              <a:t>CORDIC</a:t>
+            </a:r>
+            <a:r>
+              <a:rPr lang="zh-CN" altLang="en-US" dirty="0"/>
+              <a:t>算法进行矩阵旋转，生产正弦、余弦值</a:t>
+            </a:r>
+            <a:endParaRPr lang="en-US" altLang="zh-CN" dirty="0"/>
+          </a:p>
+          <a:p>
+            <a:pPr lvl="1">
               <a:spcBef>
-                <a:spcPts val="600"/>
+                <a:spcPts val="0"/>
               </a:spcBef>
+              <a:spcAft>
+                <a:spcPts val="1200"/>
+              </a:spcAft>
             </a:pPr>
             <a:r>
-              <a:rPr lang="en-US" altLang="zh-CN" sz="2000" dirty="0"/>
-              <a:t>       —</a:t>
-            </a:r>
-            <a:r>
-              <a:rPr lang="zh-CN" altLang="en-US" sz="2000" dirty="0"/>
-              <a:t>切换延时：</a:t>
-            </a:r>
-            <a:r>
-              <a:rPr lang="en-US" altLang="zh-CN" sz="2000" dirty="0"/>
-              <a:t>10 ns </a:t>
-            </a:r>
-            <a:r>
-              <a:rPr lang="zh-CN" altLang="en-US" sz="2000" dirty="0"/>
-              <a:t>数量级</a:t>
-            </a:r>
-            <a:endParaRPr lang="en-US" altLang="zh-CN" sz="2000" dirty="0"/>
-          </a:p>
-          <a:p>
-            <a:pPr>
-              <a:spcBef>
-                <a:spcPts val="600"/>
-              </a:spcBef>
-            </a:pPr>
-            <a:r>
-              <a:rPr lang="en-US" altLang="zh-CN" sz="2000" dirty="0"/>
-              <a:t>5. </a:t>
-            </a:r>
-            <a:r>
-              <a:rPr lang="zh-CN" altLang="en-US" sz="2000" dirty="0"/>
-              <a:t>谋求在电路层面创新，利用高速低功耗的电路进一步提高</a:t>
-            </a:r>
-            <a:r>
-              <a:rPr lang="en-US" altLang="zh-CN" sz="2000" dirty="0"/>
-              <a:t>NCO</a:t>
-            </a:r>
-            <a:r>
-              <a:rPr lang="zh-CN" altLang="en-US" sz="2000" dirty="0"/>
-              <a:t>性能</a:t>
-            </a:r>
-            <a:endParaRPr lang="en-US" altLang="zh-CN" sz="2000" dirty="0"/>
-          </a:p>
-          <a:p>
-            <a:pPr marL="342900" indent="-342900">
-              <a:spcBef>
-                <a:spcPts val="600"/>
-              </a:spcBef>
-              <a:buAutoNum type="arabicPeriod"/>
-            </a:pPr>
-            <a:endParaRPr lang="en-US" altLang="zh-CN" sz="2000" dirty="0">
-              <a:ea typeface="Arial Unicode MS" pitchFamily="34" charset="-122"/>
-            </a:endParaRPr>
-          </a:p>
-          <a:p>
-            <a:pPr marL="342900" indent="-342900">
-              <a:buAutoNum type="arabicPeriod"/>
-            </a:pPr>
-            <a:endParaRPr lang="en-US" altLang="zh-CN" sz="2000" dirty="0">
-              <a:ea typeface="Arial Unicode MS" pitchFamily="34" charset="-122"/>
-            </a:endParaRPr>
-          </a:p>
-          <a:p>
-            <a:pPr marL="342900" indent="-342900">
-              <a:buAutoNum type="arabicPeriod"/>
-            </a:pPr>
-            <a:endParaRPr lang="en-US" altLang="zh-CN" sz="2000" dirty="0">
-              <a:ea typeface="Arial Unicode MS" pitchFamily="34" charset="-122"/>
-            </a:endParaRPr>
+              <a:rPr lang="zh-CN" altLang="en-US" dirty="0"/>
+              <a:t>非线性</a:t>
+            </a:r>
+            <a:r>
+              <a:rPr lang="en-US" altLang="zh-CN" dirty="0"/>
+              <a:t>DAC</a:t>
+            </a:r>
+            <a:r>
+              <a:rPr lang="zh-CN" altLang="en-US" dirty="0"/>
+              <a:t>：在模拟器件内实现正弦函数映射</a:t>
+            </a:r>
+            <a:endParaRPr lang="en-US" altLang="zh-CN" dirty="0"/>
           </a:p>
         </p:txBody>
       </p:sp>
     </p:spTree>
     <p:extLst>
       <p:ext uri="{BB962C8B-B14F-4D97-AF65-F5344CB8AC3E}">
-        <p14:creationId xmlns:p14="http://schemas.microsoft.com/office/powerpoint/2010/main" val="241809917"/>
+        <p14:creationId xmlns:p14="http://schemas.microsoft.com/office/powerpoint/2010/main" val="1979913971"/>
       </p:ext>
     </p:extLst>
   </p:cSld>
@@ -18938,306 +18193,6 @@
               <a:rPr lang="zh-CN" altLang="en-US" sz="3600" dirty="0"/>
               <a:t>前期调研结果</a:t>
             </a:r>
-          </a:p>
-        </p:txBody>
-      </p:sp>
-      <p:sp>
-        <p:nvSpPr>
-          <p:cNvPr id="8" name="页脚占位符 7"/>
-          <p:cNvSpPr>
-            <a:spLocks noGrp="1"/>
-          </p:cNvSpPr>
-          <p:nvPr>
-            <p:ph type="ftr" sz="quarter" idx="11"/>
-          </p:nvPr>
-        </p:nvSpPr>
-        <p:spPr/>
-        <p:txBody>
-          <a:bodyPr/>
-          <a:lstStyle/>
-          <a:p>
-            <a:r>
-              <a:rPr lang="en-US" altLang="zh-CN" dirty="0" smtClean="0">
-                <a:solidFill>
-                  <a:srgbClr val="000000"/>
-                </a:solidFill>
-              </a:rPr>
-              <a:t>8/14</a:t>
-            </a:r>
-            <a:endParaRPr lang="en-US" altLang="zh-CN" dirty="0">
-              <a:solidFill>
-                <a:srgbClr val="000000"/>
-              </a:solidFill>
-            </a:endParaRPr>
-          </a:p>
-        </p:txBody>
-      </p:sp>
-      <p:sp>
-        <p:nvSpPr>
-          <p:cNvPr id="9" name="内容占位符 2"/>
-          <p:cNvSpPr>
-            <a:spLocks noGrp="1"/>
-          </p:cNvSpPr>
-          <p:nvPr>
-            <p:ph idx="1"/>
-          </p:nvPr>
-        </p:nvSpPr>
-        <p:spPr>
-          <a:xfrm>
-            <a:off x="381000" y="1065212"/>
-            <a:ext cx="8393545" cy="5165725"/>
-          </a:xfrm>
-        </p:spPr>
-        <p:txBody>
-          <a:bodyPr/>
-          <a:lstStyle/>
-          <a:p>
-            <a:pPr>
-              <a:spcBef>
-                <a:spcPts val="600"/>
-              </a:spcBef>
-              <a:spcAft>
-                <a:spcPts val="600"/>
-              </a:spcAft>
-            </a:pPr>
-            <a:r>
-              <a:rPr lang="zh-CN" altLang="en-US" dirty="0"/>
-              <a:t>调研发现，</a:t>
-            </a:r>
-            <a:r>
-              <a:rPr lang="en-US" altLang="zh-CN" dirty="0"/>
-              <a:t>NCO</a:t>
-            </a:r>
-            <a:r>
-              <a:rPr lang="zh-CN" altLang="en-US" dirty="0"/>
-              <a:t>性能主要受到时钟、存储器和</a:t>
-            </a:r>
-            <a:r>
-              <a:rPr lang="en-US" altLang="zh-CN" dirty="0"/>
-              <a:t>DAC</a:t>
-            </a:r>
-            <a:r>
-              <a:rPr lang="zh-CN" altLang="en-US" dirty="0"/>
-              <a:t>的制约</a:t>
-            </a:r>
-            <a:endParaRPr lang="en-US" altLang="zh-CN" dirty="0"/>
-          </a:p>
-          <a:p>
-            <a:pPr lvl="1">
-              <a:spcBef>
-                <a:spcPts val="0"/>
-              </a:spcBef>
-              <a:spcAft>
-                <a:spcPts val="1200"/>
-              </a:spcAft>
-            </a:pPr>
-            <a:r>
-              <a:rPr lang="zh-CN" altLang="en-US" dirty="0"/>
-              <a:t>时钟局限：很难产生超高频、高纯度的时钟信号</a:t>
-            </a:r>
-            <a:endParaRPr lang="en-US" altLang="zh-CN" dirty="0"/>
-          </a:p>
-          <a:p>
-            <a:pPr lvl="1">
-              <a:spcBef>
-                <a:spcPts val="0"/>
-              </a:spcBef>
-              <a:spcAft>
-                <a:spcPts val="1200"/>
-              </a:spcAft>
-            </a:pPr>
-            <a:r>
-              <a:rPr lang="zh-CN" altLang="en-US" dirty="0"/>
-              <a:t>存储局限：访问速度受容量限制，截断数据则引入周期性噪声</a:t>
-            </a:r>
-            <a:endParaRPr lang="en-US" altLang="zh-CN" dirty="0"/>
-          </a:p>
-          <a:p>
-            <a:pPr lvl="1">
-              <a:spcBef>
-                <a:spcPts val="0"/>
-              </a:spcBef>
-              <a:spcAft>
-                <a:spcPts val="1200"/>
-              </a:spcAft>
-            </a:pPr>
-            <a:r>
-              <a:rPr lang="en-US" altLang="zh-CN" dirty="0"/>
-              <a:t>DAC</a:t>
-            </a:r>
-            <a:r>
-              <a:rPr lang="zh-CN" altLang="en-US" dirty="0"/>
-              <a:t>局限：</a:t>
-            </a:r>
-            <a:r>
-              <a:rPr lang="en-US" altLang="zh-CN" dirty="0"/>
-              <a:t>DAC</a:t>
-            </a:r>
-            <a:r>
-              <a:rPr lang="zh-CN" altLang="en-US" dirty="0"/>
-              <a:t>速率普遍在</a:t>
-            </a:r>
-            <a:r>
-              <a:rPr lang="en-US" altLang="zh-CN" dirty="0"/>
-              <a:t>10Gbs</a:t>
-            </a:r>
-            <a:r>
-              <a:rPr lang="zh-CN" altLang="en-US" dirty="0"/>
-              <a:t>以下</a:t>
-            </a:r>
-            <a:endParaRPr lang="en-US" altLang="zh-CN" dirty="0"/>
-          </a:p>
-          <a:p>
-            <a:pPr marL="342900" lvl="1" indent="0">
-              <a:spcBef>
-                <a:spcPts val="0"/>
-              </a:spcBef>
-              <a:spcAft>
-                <a:spcPts val="1200"/>
-              </a:spcAft>
-              <a:buNone/>
-            </a:pPr>
-            <a:r>
-              <a:rPr lang="zh-CN" altLang="en-US" dirty="0"/>
-              <a:t>目前的系统瓶颈是存储器访问速度比较慢</a:t>
-            </a:r>
-            <a:endParaRPr lang="en-US" altLang="zh-CN" dirty="0"/>
-          </a:p>
-          <a:p>
-            <a:pPr>
-              <a:spcBef>
-                <a:spcPts val="600"/>
-              </a:spcBef>
-              <a:spcAft>
-                <a:spcPts val="600"/>
-              </a:spcAft>
-            </a:pPr>
-            <a:r>
-              <a:rPr lang="zh-CN" altLang="en-US" dirty="0"/>
-              <a:t>重点解决存储器的访问速度问题，主要有三种优化方法</a:t>
-            </a:r>
-            <a:endParaRPr lang="en-US" altLang="zh-CN" dirty="0"/>
-          </a:p>
-          <a:p>
-            <a:pPr lvl="1">
-              <a:spcBef>
-                <a:spcPts val="0"/>
-              </a:spcBef>
-              <a:spcAft>
-                <a:spcPts val="1200"/>
-              </a:spcAft>
-            </a:pPr>
-            <a:r>
-              <a:rPr lang="zh-CN" altLang="en-US" dirty="0"/>
-              <a:t>压缩方法：利用对称性压缩、</a:t>
-            </a:r>
-            <a:r>
-              <a:rPr lang="en-US" altLang="zh-CN" dirty="0"/>
-              <a:t>Nicholas</a:t>
-            </a:r>
-            <a:r>
-              <a:rPr lang="zh-CN" altLang="en-US" dirty="0"/>
-              <a:t>构架、分段方法等</a:t>
-            </a:r>
-            <a:endParaRPr lang="en-US" altLang="zh-CN" dirty="0"/>
-          </a:p>
-          <a:p>
-            <a:pPr lvl="1">
-              <a:spcBef>
-                <a:spcPts val="0"/>
-              </a:spcBef>
-              <a:spcAft>
-                <a:spcPts val="1200"/>
-              </a:spcAft>
-            </a:pPr>
-            <a:r>
-              <a:rPr lang="zh-CN" altLang="en-US" dirty="0"/>
-              <a:t>旋转法：通过</a:t>
-            </a:r>
-            <a:r>
-              <a:rPr lang="en-US" altLang="zh-CN" dirty="0"/>
-              <a:t>CORDIC</a:t>
-            </a:r>
-            <a:r>
-              <a:rPr lang="zh-CN" altLang="en-US" dirty="0"/>
-              <a:t>算法进行矩阵旋转，生产正弦、余弦值</a:t>
-            </a:r>
-            <a:endParaRPr lang="en-US" altLang="zh-CN" dirty="0"/>
-          </a:p>
-          <a:p>
-            <a:pPr lvl="1">
-              <a:spcBef>
-                <a:spcPts val="0"/>
-              </a:spcBef>
-              <a:spcAft>
-                <a:spcPts val="1200"/>
-              </a:spcAft>
-            </a:pPr>
-            <a:r>
-              <a:rPr lang="zh-CN" altLang="en-US" dirty="0"/>
-              <a:t>非线性</a:t>
-            </a:r>
-            <a:r>
-              <a:rPr lang="en-US" altLang="zh-CN" dirty="0"/>
-              <a:t>DAC</a:t>
-            </a:r>
-            <a:r>
-              <a:rPr lang="zh-CN" altLang="en-US" dirty="0"/>
-              <a:t>：在模拟器件内实现正弦函数映射</a:t>
-            </a:r>
-            <a:endParaRPr lang="en-US" altLang="zh-CN" dirty="0"/>
-          </a:p>
-        </p:txBody>
-      </p:sp>
-    </p:spTree>
-    <p:extLst>
-      <p:ext uri="{BB962C8B-B14F-4D97-AF65-F5344CB8AC3E}">
-        <p14:creationId xmlns:p14="http://schemas.microsoft.com/office/powerpoint/2010/main" val="1979913971"/>
-      </p:ext>
-    </p:extLst>
-  </p:cSld>
-  <p:clrMapOvr>
-    <a:masterClrMapping/>
-  </p:clrMapOvr>
-</p:sld>
-</file>
-
-<file path=ppt/slides/slide9.xml><?xml version="1.0" encoding="utf-8"?>
-<p:sld xmlns:a="http://schemas.openxmlformats.org/drawingml/2006/main" xmlns:r="http://schemas.openxmlformats.org/officeDocument/2006/relationships" xmlns:p="http://schemas.openxmlformats.org/presentationml/2006/main">
-  <p:cSld>
-    <p:spTree>
-      <p:nvGrpSpPr>
-        <p:cNvPr id="1" name=""/>
-        <p:cNvGrpSpPr/>
-        <p:nvPr/>
-      </p:nvGrpSpPr>
-      <p:grpSpPr>
-        <a:xfrm>
-          <a:off x="0" y="0"/>
-          <a:ext cx="0" cy="0"/>
-          <a:chOff x="0" y="0"/>
-          <a:chExt cx="0" cy="0"/>
-        </a:xfrm>
-      </p:grpSpPr>
-      <p:sp>
-        <p:nvSpPr>
-          <p:cNvPr id="2" name="标题 1"/>
-          <p:cNvSpPr>
-            <a:spLocks noGrp="1"/>
-          </p:cNvSpPr>
-          <p:nvPr>
-            <p:ph type="title"/>
-          </p:nvPr>
-        </p:nvSpPr>
-        <p:spPr/>
-        <p:txBody>
-          <a:bodyPr/>
-          <a:lstStyle/>
-          <a:p>
-            <a:r>
-              <a:rPr lang="zh-CN" altLang="en-US" sz="3600" dirty="0"/>
-              <a:t>前期调研结果</a:t>
-            </a:r>
             <a:r>
               <a:rPr lang="en-US" altLang="zh-CN" sz="3600" dirty="0"/>
               <a:t>—</a:t>
@@ -19437,7 +18392,15 @@
                   <a:srgbClr val="000000"/>
                 </a:solidFill>
               </a:rPr>
-              <a:t>9/14</a:t>
+              <a:t>8</a:t>
+            </a:r>
+            <a:r>
+              <a:rPr lang="en-US" altLang="zh-CN" dirty="0" smtClean="0">
+                <a:solidFill>
+                  <a:srgbClr val="000000"/>
+                </a:solidFill>
+              </a:rPr>
+              <a:t>/13</a:t>
             </a:r>
             <a:endParaRPr lang="en-US" altLang="zh-CN" dirty="0">
               <a:solidFill>
@@ -20360,6 +19323,756 @@
     <p:extLst>
       <p:ext uri="{BB962C8B-B14F-4D97-AF65-F5344CB8AC3E}">
         <p14:creationId xmlns:p14="http://schemas.microsoft.com/office/powerpoint/2010/main" val="525120234"/>
+      </p:ext>
+    </p:extLst>
+  </p:cSld>
+  <p:clrMapOvr>
+    <a:masterClrMapping/>
+  </p:clrMapOvr>
+</p:sld>
+</file>
+
+<file path=ppt/slides/slide9.xml><?xml version="1.0" encoding="utf-8"?>
+<p:sld xmlns:a="http://schemas.openxmlformats.org/drawingml/2006/main" xmlns:r="http://schemas.openxmlformats.org/officeDocument/2006/relationships" xmlns:p="http://schemas.openxmlformats.org/presentationml/2006/main">
+  <p:cSld>
+    <p:spTree>
+      <p:nvGrpSpPr>
+        <p:cNvPr id="1" name=""/>
+        <p:cNvGrpSpPr/>
+        <p:nvPr/>
+      </p:nvGrpSpPr>
+      <p:grpSpPr>
+        <a:xfrm>
+          <a:off x="0" y="0"/>
+          <a:ext cx="0" cy="0"/>
+          <a:chOff x="0" y="0"/>
+          <a:chExt cx="0" cy="0"/>
+        </a:xfrm>
+      </p:grpSpPr>
+      <p:grpSp>
+        <p:nvGrpSpPr>
+          <p:cNvPr id="13" name="组合 12"/>
+          <p:cNvGrpSpPr/>
+          <p:nvPr/>
+        </p:nvGrpSpPr>
+        <p:grpSpPr>
+          <a:xfrm>
+            <a:off x="175491" y="2799335"/>
+            <a:ext cx="8876145" cy="7780921"/>
+            <a:chOff x="175491" y="2799335"/>
+            <a:chExt cx="8876145" cy="7780921"/>
+          </a:xfrm>
+        </p:grpSpPr>
+        <p:grpSp>
+          <p:nvGrpSpPr>
+            <p:cNvPr id="11" name="组合 10"/>
+            <p:cNvGrpSpPr/>
+            <p:nvPr/>
+          </p:nvGrpSpPr>
+          <p:grpSpPr>
+            <a:xfrm>
+              <a:off x="175491" y="2799335"/>
+              <a:ext cx="8876145" cy="5956738"/>
+              <a:chOff x="175491" y="2738582"/>
+              <a:chExt cx="8876145" cy="5956738"/>
+            </a:xfrm>
+          </p:grpSpPr>
+          <p:sp>
+            <p:nvSpPr>
+              <p:cNvPr id="7" name="文本框 6"/>
+              <p:cNvSpPr txBox="1"/>
+              <p:nvPr/>
+            </p:nvSpPr>
+            <p:spPr>
+              <a:xfrm>
+                <a:off x="175491" y="2738582"/>
+                <a:ext cx="8876145" cy="707886"/>
+              </a:xfrm>
+              <a:prstGeom prst="rect">
+                <a:avLst/>
+              </a:prstGeom>
+              <a:noFill/>
+            </p:spPr>
+            <p:txBody>
+              <a:bodyPr wrap="square" rtlCol="0">
+                <a:spAutoFit/>
+              </a:bodyPr>
+              <a:lstStyle/>
+              <a:p>
+                <a:r>
+                  <a:rPr lang="en-US" altLang="zh-CN" sz="2000" dirty="0"/>
+                  <a:t>[2] A direct digital frequency synthesizer with minimized tuning latency of 12ns</a:t>
+                </a:r>
+              </a:p>
+            </p:txBody>
+          </p:sp>
+          <p:sp>
+            <p:nvSpPr>
+              <p:cNvPr id="8" name="内容占位符 2"/>
+              <p:cNvSpPr txBox="1">
+                <a:spLocks/>
+              </p:cNvSpPr>
+              <p:nvPr/>
+            </p:nvSpPr>
+            <p:spPr bwMode="auto">
+              <a:xfrm>
+                <a:off x="217055" y="3529595"/>
+                <a:ext cx="8686800" cy="5165725"/>
+              </a:xfrm>
+              <a:prstGeom prst="rect">
+                <a:avLst/>
+              </a:prstGeom>
+              <a:noFill/>
+              <a:ln w="9525">
+                <a:noFill/>
+                <a:miter lim="800000"/>
+                <a:headEnd/>
+                <a:tailEnd/>
+              </a:ln>
+              <a:effectLst/>
+            </p:spPr>
+            <p:txBody>
+              <a:bodyPr vert="horz" wrap="square" lIns="91440" tIns="45720" rIns="91440" bIns="45720" numCol="1" anchor="t" anchorCtr="0" compatLnSpc="1">
+                <a:prstTxWarp prst="textNoShape">
+                  <a:avLst/>
+                </a:prstTxWarp>
+              </a:bodyPr>
+              <a:lstStyle>
+                <a:lvl1pPr marL="257175" indent="-257175" algn="l" rtl="0" fontAlgn="base">
+                  <a:spcBef>
+                    <a:spcPct val="20000"/>
+                  </a:spcBef>
+                  <a:spcAft>
+                    <a:spcPct val="0"/>
+                  </a:spcAft>
+                  <a:buChar char="•"/>
+                  <a:defRPr sz="2400">
+                    <a:solidFill>
+                      <a:schemeClr val="tx1"/>
+                    </a:solidFill>
+                    <a:latin typeface="Arial Unicode MS" pitchFamily="34" charset="-122"/>
+                    <a:ea typeface="Arial Unicode MS" pitchFamily="34" charset="-122"/>
+                    <a:cs typeface="Arial Unicode MS" pitchFamily="34" charset="-122"/>
+                  </a:defRPr>
+                </a:lvl1pPr>
+                <a:lvl2pPr marL="557213" indent="-214313" algn="l" rtl="0" fontAlgn="base">
+                  <a:spcBef>
+                    <a:spcPct val="20000"/>
+                  </a:spcBef>
+                  <a:spcAft>
+                    <a:spcPct val="0"/>
+                  </a:spcAft>
+                  <a:buChar char="–"/>
+                  <a:defRPr sz="2100">
+                    <a:solidFill>
+                      <a:schemeClr val="tx1"/>
+                    </a:solidFill>
+                    <a:latin typeface="Arial Unicode MS" pitchFamily="34" charset="-122"/>
+                    <a:ea typeface="Arial Unicode MS" pitchFamily="34" charset="-122"/>
+                    <a:cs typeface="Arial Unicode MS" pitchFamily="34" charset="-122"/>
+                  </a:defRPr>
+                </a:lvl2pPr>
+                <a:lvl3pPr marL="857250" indent="-171450" algn="l" rtl="0" fontAlgn="base">
+                  <a:spcBef>
+                    <a:spcPct val="20000"/>
+                  </a:spcBef>
+                  <a:spcAft>
+                    <a:spcPct val="0"/>
+                  </a:spcAft>
+                  <a:buChar char="•"/>
+                  <a:defRPr sz="1800">
+                    <a:solidFill>
+                      <a:schemeClr val="tx1"/>
+                    </a:solidFill>
+                    <a:latin typeface="Arial Unicode MS" pitchFamily="34" charset="-122"/>
+                    <a:ea typeface="Arial Unicode MS" pitchFamily="34" charset="-122"/>
+                    <a:cs typeface="Arial Unicode MS" pitchFamily="34" charset="-122"/>
+                  </a:defRPr>
+                </a:lvl3pPr>
+                <a:lvl4pPr marL="1200150" indent="-171450" algn="l" rtl="0" fontAlgn="base">
+                  <a:spcBef>
+                    <a:spcPct val="20000"/>
+                  </a:spcBef>
+                  <a:spcAft>
+                    <a:spcPct val="0"/>
+                  </a:spcAft>
+                  <a:buChar char="–"/>
+                  <a:defRPr sz="1500">
+                    <a:solidFill>
+                      <a:schemeClr val="tx1"/>
+                    </a:solidFill>
+                    <a:latin typeface="Arial Unicode MS" pitchFamily="34" charset="-122"/>
+                    <a:ea typeface="Arial Unicode MS" pitchFamily="34" charset="-122"/>
+                    <a:cs typeface="Arial Unicode MS" pitchFamily="34" charset="-122"/>
+                  </a:defRPr>
+                </a:lvl4pPr>
+                <a:lvl5pPr marL="1543050" indent="-171450" algn="l" rtl="0" fontAlgn="base">
+                  <a:spcBef>
+                    <a:spcPct val="20000"/>
+                  </a:spcBef>
+                  <a:spcAft>
+                    <a:spcPct val="0"/>
+                  </a:spcAft>
+                  <a:buChar char="»"/>
+                  <a:defRPr sz="1500">
+                    <a:solidFill>
+                      <a:schemeClr val="tx1"/>
+                    </a:solidFill>
+                    <a:latin typeface="Arial Unicode MS" pitchFamily="34" charset="-122"/>
+                    <a:ea typeface="Arial Unicode MS" pitchFamily="34" charset="-122"/>
+                    <a:cs typeface="Arial Unicode MS" pitchFamily="34" charset="-122"/>
+                  </a:defRPr>
+                </a:lvl5pPr>
+                <a:lvl6pPr marL="1885950" indent="-171450" algn="l" rtl="0" fontAlgn="base">
+                  <a:spcBef>
+                    <a:spcPct val="20000"/>
+                  </a:spcBef>
+                  <a:spcAft>
+                    <a:spcPct val="0"/>
+                  </a:spcAft>
+                  <a:buChar char="»"/>
+                  <a:defRPr sz="1500">
+                    <a:solidFill>
+                      <a:schemeClr val="tx1"/>
+                    </a:solidFill>
+                    <a:latin typeface="+mn-lt"/>
+                    <a:ea typeface="+mn-ea"/>
+                  </a:defRPr>
+                </a:lvl6pPr>
+                <a:lvl7pPr marL="2228850" indent="-171450" algn="l" rtl="0" fontAlgn="base">
+                  <a:spcBef>
+                    <a:spcPct val="20000"/>
+                  </a:spcBef>
+                  <a:spcAft>
+                    <a:spcPct val="0"/>
+                  </a:spcAft>
+                  <a:buChar char="»"/>
+                  <a:defRPr sz="1500">
+                    <a:solidFill>
+                      <a:schemeClr val="tx1"/>
+                    </a:solidFill>
+                    <a:latin typeface="+mn-lt"/>
+                    <a:ea typeface="+mn-ea"/>
+                  </a:defRPr>
+                </a:lvl7pPr>
+                <a:lvl8pPr marL="2571750" indent="-171450" algn="l" rtl="0" fontAlgn="base">
+                  <a:spcBef>
+                    <a:spcPct val="20000"/>
+                  </a:spcBef>
+                  <a:spcAft>
+                    <a:spcPct val="0"/>
+                  </a:spcAft>
+                  <a:buChar char="»"/>
+                  <a:defRPr sz="1500">
+                    <a:solidFill>
+                      <a:schemeClr val="tx1"/>
+                    </a:solidFill>
+                    <a:latin typeface="+mn-lt"/>
+                    <a:ea typeface="+mn-ea"/>
+                  </a:defRPr>
+                </a:lvl8pPr>
+                <a:lvl9pPr marL="2914650" indent="-171450" algn="l" rtl="0" fontAlgn="base">
+                  <a:spcBef>
+                    <a:spcPct val="20000"/>
+                  </a:spcBef>
+                  <a:spcAft>
+                    <a:spcPct val="0"/>
+                  </a:spcAft>
+                  <a:buChar char="»"/>
+                  <a:defRPr sz="1500">
+                    <a:solidFill>
+                      <a:schemeClr val="tx1"/>
+                    </a:solidFill>
+                    <a:latin typeface="+mn-lt"/>
+                    <a:ea typeface="+mn-ea"/>
+                  </a:defRPr>
+                </a:lvl9pPr>
+              </a:lstStyle>
+              <a:p>
+                <a:pPr>
+                  <a:spcBef>
+                    <a:spcPts val="0"/>
+                  </a:spcBef>
+                  <a:spcAft>
+                    <a:spcPts val="1200"/>
+                  </a:spcAft>
+                </a:pPr>
+                <a:r>
+                  <a:rPr lang="zh-CN" altLang="en-US" sz="2000" dirty="0"/>
+                  <a:t>面临问题：传统</a:t>
+                </a:r>
+                <a:r>
+                  <a:rPr lang="en-US" altLang="zh-CN" sz="2000" dirty="0"/>
+                  <a:t>CORDIC</a:t>
+                </a:r>
+                <a:r>
+                  <a:rPr lang="zh-CN" altLang="en-US" sz="2000" dirty="0"/>
+                  <a:t>方法流水级数长，导致切换延时很大</a:t>
+                </a:r>
+                <a:endParaRPr lang="en-US" altLang="zh-CN" sz="2000" dirty="0"/>
+              </a:p>
+              <a:p>
+                <a:pPr>
+                  <a:spcBef>
+                    <a:spcPts val="0"/>
+                  </a:spcBef>
+                  <a:spcAft>
+                    <a:spcPts val="1200"/>
+                  </a:spcAft>
+                </a:pPr>
+                <a:r>
+                  <a:rPr lang="zh-CN" altLang="en-US" sz="2000" dirty="0"/>
+                  <a:t>优化方法：使用混合策略，提出</a:t>
+                </a:r>
+                <a:r>
+                  <a:rPr lang="en-US" altLang="zh-CN" sz="2000" dirty="0"/>
+                  <a:t>excess-four</a:t>
+                </a:r>
+                <a:r>
+                  <a:rPr lang="zh-CN" altLang="en-US" sz="2000" dirty="0"/>
+                  <a:t>电路结构</a:t>
+                </a:r>
+                <a:endParaRPr lang="en-US" altLang="zh-CN" sz="2000" dirty="0"/>
+              </a:p>
+            </p:txBody>
+          </p:sp>
+        </p:grpSp>
+        <p:grpSp>
+          <p:nvGrpSpPr>
+            <p:cNvPr id="3" name="组合 2"/>
+            <p:cNvGrpSpPr/>
+            <p:nvPr/>
+          </p:nvGrpSpPr>
+          <p:grpSpPr>
+            <a:xfrm>
+              <a:off x="175491" y="4623518"/>
+              <a:ext cx="8876145" cy="5956738"/>
+              <a:chOff x="175491" y="4562765"/>
+              <a:chExt cx="8876145" cy="5956738"/>
+            </a:xfrm>
+          </p:grpSpPr>
+          <p:sp>
+            <p:nvSpPr>
+              <p:cNvPr id="9" name="文本框 8"/>
+              <p:cNvSpPr txBox="1"/>
+              <p:nvPr/>
+            </p:nvSpPr>
+            <p:spPr>
+              <a:xfrm>
+                <a:off x="175491" y="4562765"/>
+                <a:ext cx="8876145" cy="707886"/>
+              </a:xfrm>
+              <a:prstGeom prst="rect">
+                <a:avLst/>
+              </a:prstGeom>
+              <a:noFill/>
+            </p:spPr>
+            <p:txBody>
+              <a:bodyPr wrap="square" rtlCol="0">
+                <a:spAutoFit/>
+              </a:bodyPr>
+              <a:lstStyle/>
+              <a:p>
+                <a:r>
+                  <a:rPr lang="en-US" altLang="zh-CN" sz="2000" dirty="0"/>
+                  <a:t>[3] A 2 GHz 130 </a:t>
+                </a:r>
+                <a:r>
+                  <a:rPr lang="en-US" altLang="zh-CN" sz="2000" dirty="0" err="1"/>
+                  <a:t>mW</a:t>
+                </a:r>
+                <a:r>
+                  <a:rPr lang="en-US" altLang="zh-CN" sz="2000" dirty="0"/>
+                  <a:t> Direct-Digital Frequency Synthesizer With a Nonlinear DAC in 55 nm CMOS</a:t>
+                </a:r>
+              </a:p>
+            </p:txBody>
+          </p:sp>
+          <p:sp>
+            <p:nvSpPr>
+              <p:cNvPr id="10" name="内容占位符 2"/>
+              <p:cNvSpPr txBox="1">
+                <a:spLocks/>
+              </p:cNvSpPr>
+              <p:nvPr/>
+            </p:nvSpPr>
+            <p:spPr bwMode="auto">
+              <a:xfrm>
+                <a:off x="217055" y="5353778"/>
+                <a:ext cx="8686800" cy="5165725"/>
+              </a:xfrm>
+              <a:prstGeom prst="rect">
+                <a:avLst/>
+              </a:prstGeom>
+              <a:noFill/>
+              <a:ln w="9525">
+                <a:noFill/>
+                <a:miter lim="800000"/>
+                <a:headEnd/>
+                <a:tailEnd/>
+              </a:ln>
+              <a:effectLst/>
+            </p:spPr>
+            <p:txBody>
+              <a:bodyPr vert="horz" wrap="square" lIns="91440" tIns="45720" rIns="91440" bIns="45720" numCol="1" anchor="t" anchorCtr="0" compatLnSpc="1">
+                <a:prstTxWarp prst="textNoShape">
+                  <a:avLst/>
+                </a:prstTxWarp>
+              </a:bodyPr>
+              <a:lstStyle>
+                <a:lvl1pPr marL="257175" indent="-257175" algn="l" rtl="0" fontAlgn="base">
+                  <a:spcBef>
+                    <a:spcPct val="20000"/>
+                  </a:spcBef>
+                  <a:spcAft>
+                    <a:spcPct val="0"/>
+                  </a:spcAft>
+                  <a:buChar char="•"/>
+                  <a:defRPr sz="2400">
+                    <a:solidFill>
+                      <a:schemeClr val="tx1"/>
+                    </a:solidFill>
+                    <a:latin typeface="Arial Unicode MS" pitchFamily="34" charset="-122"/>
+                    <a:ea typeface="Arial Unicode MS" pitchFamily="34" charset="-122"/>
+                    <a:cs typeface="Arial Unicode MS" pitchFamily="34" charset="-122"/>
+                  </a:defRPr>
+                </a:lvl1pPr>
+                <a:lvl2pPr marL="557213" indent="-214313" algn="l" rtl="0" fontAlgn="base">
+                  <a:spcBef>
+                    <a:spcPct val="20000"/>
+                  </a:spcBef>
+                  <a:spcAft>
+                    <a:spcPct val="0"/>
+                  </a:spcAft>
+                  <a:buChar char="–"/>
+                  <a:defRPr sz="2100">
+                    <a:solidFill>
+                      <a:schemeClr val="tx1"/>
+                    </a:solidFill>
+                    <a:latin typeface="Arial Unicode MS" pitchFamily="34" charset="-122"/>
+                    <a:ea typeface="Arial Unicode MS" pitchFamily="34" charset="-122"/>
+                    <a:cs typeface="Arial Unicode MS" pitchFamily="34" charset="-122"/>
+                  </a:defRPr>
+                </a:lvl2pPr>
+                <a:lvl3pPr marL="857250" indent="-171450" algn="l" rtl="0" fontAlgn="base">
+                  <a:spcBef>
+                    <a:spcPct val="20000"/>
+                  </a:spcBef>
+                  <a:spcAft>
+                    <a:spcPct val="0"/>
+                  </a:spcAft>
+                  <a:buChar char="•"/>
+                  <a:defRPr sz="1800">
+                    <a:solidFill>
+                      <a:schemeClr val="tx1"/>
+                    </a:solidFill>
+                    <a:latin typeface="Arial Unicode MS" pitchFamily="34" charset="-122"/>
+                    <a:ea typeface="Arial Unicode MS" pitchFamily="34" charset="-122"/>
+                    <a:cs typeface="Arial Unicode MS" pitchFamily="34" charset="-122"/>
+                  </a:defRPr>
+                </a:lvl3pPr>
+                <a:lvl4pPr marL="1200150" indent="-171450" algn="l" rtl="0" fontAlgn="base">
+                  <a:spcBef>
+                    <a:spcPct val="20000"/>
+                  </a:spcBef>
+                  <a:spcAft>
+                    <a:spcPct val="0"/>
+                  </a:spcAft>
+                  <a:buChar char="–"/>
+                  <a:defRPr sz="1500">
+                    <a:solidFill>
+                      <a:schemeClr val="tx1"/>
+                    </a:solidFill>
+                    <a:latin typeface="Arial Unicode MS" pitchFamily="34" charset="-122"/>
+                    <a:ea typeface="Arial Unicode MS" pitchFamily="34" charset="-122"/>
+                    <a:cs typeface="Arial Unicode MS" pitchFamily="34" charset="-122"/>
+                  </a:defRPr>
+                </a:lvl4pPr>
+                <a:lvl5pPr marL="1543050" indent="-171450" algn="l" rtl="0" fontAlgn="base">
+                  <a:spcBef>
+                    <a:spcPct val="20000"/>
+                  </a:spcBef>
+                  <a:spcAft>
+                    <a:spcPct val="0"/>
+                  </a:spcAft>
+                  <a:buChar char="»"/>
+                  <a:defRPr sz="1500">
+                    <a:solidFill>
+                      <a:schemeClr val="tx1"/>
+                    </a:solidFill>
+                    <a:latin typeface="Arial Unicode MS" pitchFamily="34" charset="-122"/>
+                    <a:ea typeface="Arial Unicode MS" pitchFamily="34" charset="-122"/>
+                    <a:cs typeface="Arial Unicode MS" pitchFamily="34" charset="-122"/>
+                  </a:defRPr>
+                </a:lvl5pPr>
+                <a:lvl6pPr marL="1885950" indent="-171450" algn="l" rtl="0" fontAlgn="base">
+                  <a:spcBef>
+                    <a:spcPct val="20000"/>
+                  </a:spcBef>
+                  <a:spcAft>
+                    <a:spcPct val="0"/>
+                  </a:spcAft>
+                  <a:buChar char="»"/>
+                  <a:defRPr sz="1500">
+                    <a:solidFill>
+                      <a:schemeClr val="tx1"/>
+                    </a:solidFill>
+                    <a:latin typeface="+mn-lt"/>
+                    <a:ea typeface="+mn-ea"/>
+                  </a:defRPr>
+                </a:lvl6pPr>
+                <a:lvl7pPr marL="2228850" indent="-171450" algn="l" rtl="0" fontAlgn="base">
+                  <a:spcBef>
+                    <a:spcPct val="20000"/>
+                  </a:spcBef>
+                  <a:spcAft>
+                    <a:spcPct val="0"/>
+                  </a:spcAft>
+                  <a:buChar char="»"/>
+                  <a:defRPr sz="1500">
+                    <a:solidFill>
+                      <a:schemeClr val="tx1"/>
+                    </a:solidFill>
+                    <a:latin typeface="+mn-lt"/>
+                    <a:ea typeface="+mn-ea"/>
+                  </a:defRPr>
+                </a:lvl7pPr>
+                <a:lvl8pPr marL="2571750" indent="-171450" algn="l" rtl="0" fontAlgn="base">
+                  <a:spcBef>
+                    <a:spcPct val="20000"/>
+                  </a:spcBef>
+                  <a:spcAft>
+                    <a:spcPct val="0"/>
+                  </a:spcAft>
+                  <a:buChar char="»"/>
+                  <a:defRPr sz="1500">
+                    <a:solidFill>
+                      <a:schemeClr val="tx1"/>
+                    </a:solidFill>
+                    <a:latin typeface="+mn-lt"/>
+                    <a:ea typeface="+mn-ea"/>
+                  </a:defRPr>
+                </a:lvl8pPr>
+                <a:lvl9pPr marL="2914650" indent="-171450" algn="l" rtl="0" fontAlgn="base">
+                  <a:spcBef>
+                    <a:spcPct val="20000"/>
+                  </a:spcBef>
+                  <a:spcAft>
+                    <a:spcPct val="0"/>
+                  </a:spcAft>
+                  <a:buChar char="»"/>
+                  <a:defRPr sz="1500">
+                    <a:solidFill>
+                      <a:schemeClr val="tx1"/>
+                    </a:solidFill>
+                    <a:latin typeface="+mn-lt"/>
+                    <a:ea typeface="+mn-ea"/>
+                  </a:defRPr>
+                </a:lvl9pPr>
+              </a:lstStyle>
+              <a:p>
+                <a:pPr>
+                  <a:spcBef>
+                    <a:spcPts val="0"/>
+                  </a:spcBef>
+                  <a:spcAft>
+                    <a:spcPts val="1200"/>
+                  </a:spcAft>
+                </a:pPr>
+                <a:r>
+                  <a:rPr lang="zh-CN" altLang="en-US" sz="2000" dirty="0"/>
+                  <a:t>面临问题：查找表和角度旋转方法，最长路径延时仍然很大</a:t>
+                </a:r>
+                <a:endParaRPr lang="en-US" altLang="zh-CN" sz="2000" dirty="0"/>
+              </a:p>
+              <a:p>
+                <a:pPr>
+                  <a:spcBef>
+                    <a:spcPts val="0"/>
+                  </a:spcBef>
+                  <a:spcAft>
+                    <a:spcPts val="1200"/>
+                  </a:spcAft>
+                </a:pPr>
+                <a:r>
+                  <a:rPr lang="zh-CN" altLang="en-US" sz="2000" dirty="0"/>
+                  <a:t>使用方法：使用非线性的</a:t>
+                </a:r>
+                <a:r>
+                  <a:rPr lang="en-US" altLang="zh-CN" sz="2000" dirty="0"/>
+                  <a:t>DAC</a:t>
+                </a:r>
+                <a:r>
+                  <a:rPr lang="zh-CN" altLang="en-US" sz="2000" dirty="0"/>
+                  <a:t>，压缩</a:t>
+                </a:r>
+                <a:r>
+                  <a:rPr lang="en-US" altLang="zh-CN" sz="2000" dirty="0"/>
+                  <a:t>DAC</a:t>
+                </a:r>
+                <a:r>
+                  <a:rPr lang="zh-CN" altLang="en-US" sz="2000" dirty="0"/>
+                  <a:t>中编解码器复杂度</a:t>
+                </a:r>
+                <a:endParaRPr lang="en-US" altLang="zh-CN" sz="2000" dirty="0"/>
+              </a:p>
+            </p:txBody>
+          </p:sp>
+        </p:grpSp>
+      </p:grpSp>
+      <p:sp>
+        <p:nvSpPr>
+          <p:cNvPr id="5" name="文本框 4"/>
+          <p:cNvSpPr txBox="1"/>
+          <p:nvPr/>
+        </p:nvSpPr>
+        <p:spPr>
+          <a:xfrm>
+            <a:off x="175491" y="840509"/>
+            <a:ext cx="8876145" cy="707886"/>
+          </a:xfrm>
+          <a:prstGeom prst="rect">
+            <a:avLst/>
+          </a:prstGeom>
+          <a:noFill/>
+        </p:spPr>
+        <p:txBody>
+          <a:bodyPr wrap="square" rtlCol="0">
+            <a:spAutoFit/>
+          </a:bodyPr>
+          <a:lstStyle/>
+          <a:p>
+            <a:r>
+              <a:rPr lang="en-US" altLang="zh-CN" sz="2000" dirty="0"/>
+              <a:t>[1] Direct Digital Frequency Synthesizer Using Nonuniform Piecewise-Linear Approximation</a:t>
+            </a:r>
+          </a:p>
+        </p:txBody>
+      </p:sp>
+      <p:sp>
+        <p:nvSpPr>
+          <p:cNvPr id="6" name="内容占位符 2"/>
+          <p:cNvSpPr>
+            <a:spLocks noGrp="1"/>
+          </p:cNvSpPr>
+          <p:nvPr>
+            <p:ph idx="1"/>
+          </p:nvPr>
+        </p:nvSpPr>
+        <p:spPr>
+          <a:xfrm>
+            <a:off x="175492" y="1692275"/>
+            <a:ext cx="8876144" cy="5165725"/>
+          </a:xfrm>
+        </p:spPr>
+        <p:txBody>
+          <a:bodyPr/>
+          <a:lstStyle/>
+          <a:p>
+            <a:pPr>
+              <a:spcBef>
+                <a:spcPts val="0"/>
+              </a:spcBef>
+              <a:spcAft>
+                <a:spcPts val="1200"/>
+              </a:spcAft>
+            </a:pPr>
+            <a:r>
+              <a:rPr lang="zh-CN" altLang="en-US" sz="2000" dirty="0"/>
+              <a:t>面临问题：传统构架无法进一步提高频率</a:t>
+            </a:r>
+            <a:endParaRPr lang="en-US" altLang="zh-CN" sz="2000" dirty="0"/>
+          </a:p>
+          <a:p>
+            <a:pPr>
+              <a:spcBef>
+                <a:spcPts val="0"/>
+              </a:spcBef>
+              <a:spcAft>
+                <a:spcPts val="1200"/>
+              </a:spcAft>
+            </a:pPr>
+            <a:r>
+              <a:rPr lang="zh-CN" altLang="en-US" sz="2000" dirty="0"/>
+              <a:t>使用方法：在原有构架上实现非均匀分段的线性拟合法</a:t>
+            </a:r>
+            <a:endParaRPr lang="en-US" altLang="zh-CN" sz="2000" dirty="0"/>
+          </a:p>
+        </p:txBody>
+      </p:sp>
+      <p:sp>
+        <p:nvSpPr>
+          <p:cNvPr id="2" name="标题 1"/>
+          <p:cNvSpPr>
+            <a:spLocks noGrp="1"/>
+          </p:cNvSpPr>
+          <p:nvPr>
+            <p:ph type="title"/>
+          </p:nvPr>
+        </p:nvSpPr>
+        <p:spPr/>
+        <p:txBody>
+          <a:bodyPr/>
+          <a:lstStyle/>
+          <a:p>
+            <a:r>
+              <a:rPr lang="zh-CN" altLang="en-US" sz="3600" dirty="0"/>
+              <a:t>前期调研结果</a:t>
+            </a:r>
+            <a:r>
+              <a:rPr lang="en-US" altLang="zh-CN" sz="3600" dirty="0"/>
+              <a:t>—</a:t>
+            </a:r>
+            <a:r>
+              <a:rPr lang="zh-CN" altLang="en-US" sz="3600" dirty="0"/>
+              <a:t>文献调研</a:t>
+            </a:r>
+          </a:p>
+        </p:txBody>
+      </p:sp>
+      <p:sp>
+        <p:nvSpPr>
+          <p:cNvPr id="4" name="页脚占位符 3"/>
+          <p:cNvSpPr>
+            <a:spLocks noGrp="1"/>
+          </p:cNvSpPr>
+          <p:nvPr>
+            <p:ph type="ftr" sz="quarter" idx="11"/>
+          </p:nvPr>
+        </p:nvSpPr>
+        <p:spPr/>
+        <p:txBody>
+          <a:bodyPr/>
+          <a:lstStyle/>
+          <a:p>
+            <a:r>
+              <a:rPr lang="en-US" altLang="zh-CN" dirty="0" smtClean="0">
+                <a:solidFill>
+                  <a:srgbClr val="000000"/>
+                </a:solidFill>
+              </a:rPr>
+              <a:t>9</a:t>
+            </a:r>
+            <a:r>
+              <a:rPr lang="en-US" altLang="zh-CN" dirty="0" smtClean="0">
+                <a:solidFill>
+                  <a:srgbClr val="000000"/>
+                </a:solidFill>
+              </a:rPr>
+              <a:t>/13</a:t>
+            </a:r>
+            <a:endParaRPr lang="en-US" altLang="zh-CN" dirty="0">
+              <a:solidFill>
+                <a:srgbClr val="000000"/>
+              </a:solidFill>
+            </a:endParaRPr>
+          </a:p>
+        </p:txBody>
+      </p:sp>
+    </p:spTree>
+    <p:extLst>
+      <p:ext uri="{BB962C8B-B14F-4D97-AF65-F5344CB8AC3E}">
+        <p14:creationId xmlns:p14="http://schemas.microsoft.com/office/powerpoint/2010/main" val="587883317"/>
       </p:ext>
     </p:extLst>
   </p:cSld>
